--- a/지금그때/지금그때 포스터.pptx
+++ b/지금그때/지금그때 포스터.pptx
@@ -5,8 +5,8 @@
     <p:sldMasterId id="2147483660" r:id="rId4"/>
   </p:sldMasterIdLst>
   <p:sldIdLst>
-    <p:sldId id="270" r:id="rId5"/>
-    <p:sldId id="271" r:id="rId6"/>
+    <p:sldId id="284" r:id="rId5"/>
+    <p:sldId id="273" r:id="rId6"/>
   </p:sldIdLst>
   <p:sldSz cx="6858000" cy="9906000" type="A4"/>
   <p:notesSz cx="6858000" cy="9144000"/>
@@ -379,7 +379,7 @@
           <a:p>
             <a:fld id="{8C82AA76-BCFB-4F13-8394-9D97EC6D430D}" type="datetimeFigureOut">
               <a:rPr lang="ko-KR" altLang="en-US" smtClean="0"/>
-              <a:t>2022-11-12</a:t>
+              <a:t>2022-11-16</a:t>
             </a:fld>
             <a:endParaRPr lang="ko-KR" altLang="en-US"/>
           </a:p>
@@ -549,7 +549,7 @@
           <a:p>
             <a:fld id="{8C82AA76-BCFB-4F13-8394-9D97EC6D430D}" type="datetimeFigureOut">
               <a:rPr lang="ko-KR" altLang="en-US" smtClean="0"/>
-              <a:t>2022-11-12</a:t>
+              <a:t>2022-11-16</a:t>
             </a:fld>
             <a:endParaRPr lang="ko-KR" altLang="en-US"/>
           </a:p>
@@ -729,7 +729,7 @@
           <a:p>
             <a:fld id="{8C82AA76-BCFB-4F13-8394-9D97EC6D430D}" type="datetimeFigureOut">
               <a:rPr lang="ko-KR" altLang="en-US" smtClean="0"/>
-              <a:t>2022-11-12</a:t>
+              <a:t>2022-11-16</a:t>
             </a:fld>
             <a:endParaRPr lang="ko-KR" altLang="en-US"/>
           </a:p>
@@ -899,7 +899,7 @@
           <a:p>
             <a:fld id="{8C82AA76-BCFB-4F13-8394-9D97EC6D430D}" type="datetimeFigureOut">
               <a:rPr lang="ko-KR" altLang="en-US" smtClean="0"/>
-              <a:t>2022-11-12</a:t>
+              <a:t>2022-11-16</a:t>
             </a:fld>
             <a:endParaRPr lang="ko-KR" altLang="en-US"/>
           </a:p>
@@ -1143,7 +1143,7 @@
           <a:p>
             <a:fld id="{8C82AA76-BCFB-4F13-8394-9D97EC6D430D}" type="datetimeFigureOut">
               <a:rPr lang="ko-KR" altLang="en-US" smtClean="0"/>
-              <a:t>2022-11-12</a:t>
+              <a:t>2022-11-16</a:t>
             </a:fld>
             <a:endParaRPr lang="ko-KR" altLang="en-US"/>
           </a:p>
@@ -1375,7 +1375,7 @@
           <a:p>
             <a:fld id="{8C82AA76-BCFB-4F13-8394-9D97EC6D430D}" type="datetimeFigureOut">
               <a:rPr lang="ko-KR" altLang="en-US" smtClean="0"/>
-              <a:t>2022-11-12</a:t>
+              <a:t>2022-11-16</a:t>
             </a:fld>
             <a:endParaRPr lang="ko-KR" altLang="en-US"/>
           </a:p>
@@ -1742,7 +1742,7 @@
           <a:p>
             <a:fld id="{8C82AA76-BCFB-4F13-8394-9D97EC6D430D}" type="datetimeFigureOut">
               <a:rPr lang="ko-KR" altLang="en-US" smtClean="0"/>
-              <a:t>2022-11-12</a:t>
+              <a:t>2022-11-16</a:t>
             </a:fld>
             <a:endParaRPr lang="ko-KR" altLang="en-US"/>
           </a:p>
@@ -1860,7 +1860,7 @@
           <a:p>
             <a:fld id="{8C82AA76-BCFB-4F13-8394-9D97EC6D430D}" type="datetimeFigureOut">
               <a:rPr lang="ko-KR" altLang="en-US" smtClean="0"/>
-              <a:t>2022-11-12</a:t>
+              <a:t>2022-11-16</a:t>
             </a:fld>
             <a:endParaRPr lang="ko-KR" altLang="en-US"/>
           </a:p>
@@ -1955,7 +1955,7 @@
           <a:p>
             <a:fld id="{8C82AA76-BCFB-4F13-8394-9D97EC6D430D}" type="datetimeFigureOut">
               <a:rPr lang="ko-KR" altLang="en-US" smtClean="0"/>
-              <a:t>2022-11-12</a:t>
+              <a:t>2022-11-16</a:t>
             </a:fld>
             <a:endParaRPr lang="ko-KR" altLang="en-US"/>
           </a:p>
@@ -2232,7 +2232,7 @@
           <a:p>
             <a:fld id="{8C82AA76-BCFB-4F13-8394-9D97EC6D430D}" type="datetimeFigureOut">
               <a:rPr lang="ko-KR" altLang="en-US" smtClean="0"/>
-              <a:t>2022-11-12</a:t>
+              <a:t>2022-11-16</a:t>
             </a:fld>
             <a:endParaRPr lang="ko-KR" altLang="en-US"/>
           </a:p>
@@ -2489,7 +2489,7 @@
           <a:p>
             <a:fld id="{8C82AA76-BCFB-4F13-8394-9D97EC6D430D}" type="datetimeFigureOut">
               <a:rPr lang="ko-KR" altLang="en-US" smtClean="0"/>
-              <a:t>2022-11-12</a:t>
+              <a:t>2022-11-16</a:t>
             </a:fld>
             <a:endParaRPr lang="ko-KR" altLang="en-US"/>
           </a:p>
@@ -2702,7 +2702,7 @@
           <a:p>
             <a:fld id="{8C82AA76-BCFB-4F13-8394-9D97EC6D430D}" type="datetimeFigureOut">
               <a:rPr lang="ko-KR" altLang="en-US" smtClean="0"/>
-              <a:t>2022-11-12</a:t>
+              <a:t>2022-11-16</a:t>
             </a:fld>
             <a:endParaRPr lang="ko-KR" altLang="en-US"/>
           </a:p>
@@ -3096,7 +3096,9 @@
     <p:bg>
       <p:bgPr>
         <a:solidFill>
-          <a:srgbClr val="262626"/>
+          <a:schemeClr val="tx1">
+            <a:alpha val="90000"/>
+          </a:schemeClr>
         </a:solidFill>
         <a:effectLst/>
       </p:bgPr>
@@ -3117,69 +3119,51 @@
       </p:grpSpPr>
       <p:sp>
         <p:nvSpPr>
-          <p:cNvPr id="22" name="타원 21">
+          <p:cNvPr id="18" name="TextBox 17">
             <a:extLst>
               <a:ext uri="{FF2B5EF4-FFF2-40B4-BE49-F238E27FC236}">
-                <a16:creationId xmlns:a16="http://schemas.microsoft.com/office/drawing/2014/main" id="{B32A9EAD-E1E2-CE27-4C50-06C2DD8F6C4F}"/>
+                <a16:creationId xmlns:a16="http://schemas.microsoft.com/office/drawing/2014/main" id="{917C1AC4-32D4-9496-8D4F-36479F9D840C}"/>
               </a:ext>
             </a:extLst>
           </p:cNvPr>
-          <p:cNvSpPr/>
+          <p:cNvSpPr txBox="1"/>
           <p:nvPr/>
         </p:nvSpPr>
         <p:spPr>
           <a:xfrm>
-            <a:off x="1814856" y="94128"/>
-            <a:ext cx="726146" cy="726146"/>
+            <a:off x="196478" y="2227380"/>
+            <a:ext cx="2435282" cy="1015663"/>
           </a:xfrm>
-          <a:prstGeom prst="ellipse">
+          <a:prstGeom prst="rect">
             <a:avLst/>
           </a:prstGeom>
-          <a:gradFill>
-            <a:gsLst>
-              <a:gs pos="45000">
-                <a:srgbClr val="B1B1B1">
-                  <a:alpha val="0"/>
-                </a:srgbClr>
-              </a:gs>
-              <a:gs pos="0">
-                <a:schemeClr val="bg1">
-                  <a:lumMod val="85000"/>
-                </a:schemeClr>
-              </a:gs>
-              <a:gs pos="100000">
-                <a:schemeClr val="bg1">
-                  <a:lumMod val="50000"/>
-                </a:schemeClr>
-              </a:gs>
-            </a:gsLst>
-            <a:lin ang="5400000" scaled="1"/>
-          </a:gradFill>
-          <a:ln>
-            <a:noFill/>
-          </a:ln>
+          <a:noFill/>
+          <a:scene3d>
+            <a:camera prst="obliqueTopLeft"/>
+            <a:lightRig rig="threePt" dir="t"/>
+          </a:scene3d>
+          <a:sp3d prstMaterial="matte"/>
         </p:spPr>
-        <p:style>
-          <a:lnRef idx="2">
-            <a:schemeClr val="accent1">
-              <a:shade val="50000"/>
-            </a:schemeClr>
-          </a:lnRef>
-          <a:fillRef idx="1">
-            <a:schemeClr val="accent1"/>
-          </a:fillRef>
-          <a:effectRef idx="0">
-            <a:schemeClr val="accent1"/>
-          </a:effectRef>
-          <a:fontRef idx="minor">
-            <a:schemeClr val="lt1"/>
-          </a:fontRef>
-        </p:style>
-        <p:txBody>
-          <a:bodyPr rtlCol="0" anchor="ctr"/>
+        <p:txBody>
+          <a:bodyPr wrap="none" rtlCol="0">
+            <a:spAutoFit/>
+            <a:scene3d>
+              <a:camera prst="obliqueTopLeft">
+                <a:rot lat="0" lon="0" rev="0"/>
+              </a:camera>
+              <a:lightRig rig="threePt" dir="t"/>
+            </a:scene3d>
+            <a:sp3d extrusionH="254000" prstMaterial="matte">
+              <a:bevelT w="69850" h="38100" prst="cross"/>
+              <a:bevelB w="0" h="0"/>
+              <a:extrusionClr>
+                <a:srgbClr val="3D61DC"/>
+              </a:extrusionClr>
+            </a:sp3d>
+          </a:bodyPr>
           <a:lstStyle/>
           <a:p>
-            <a:pPr marL="0" marR="0" lvl="0" indent="0" algn="ctr" defTabSz="457200" rtl="0" eaLnBrk="1" fontAlgn="auto" latinLnBrk="0" hangingPunct="1">
+            <a:pPr marL="0" marR="0" lvl="0" indent="0" algn="l" defTabSz="457200" rtl="0" eaLnBrk="1" fontAlgn="auto" latinLnBrk="0" hangingPunct="1">
               <a:lnSpc>
                 <a:spcPct val="100000"/>
               </a:lnSpc>
@@ -3196,88 +3180,90 @@
               <a:tabLst/>
               <a:defRPr/>
             </a:pPr>
-            <a:endParaRPr kumimoji="0" lang="ko-KR" altLang="en-US" sz="1800" b="0" i="0" u="none" strike="noStrike" kern="1200" cap="none" spc="0" normalizeH="0" baseline="0" noProof="0">
-              <a:ln>
-                <a:noFill/>
-              </a:ln>
-              <a:solidFill>
-                <a:prstClr val="white"/>
-              </a:solidFill>
-              <a:effectLst/>
-              <a:uLnTx/>
-              <a:uFillTx/>
-              <a:latin typeface="Calibri" panose="020F0502020204030204"/>
-              <a:ea typeface="맑은 고딕" panose="020B0503020000020004" pitchFamily="50" charset="-127"/>
-              <a:cs typeface="+mn-cs"/>
-            </a:endParaRPr>
-          </a:p>
-        </p:txBody>
-      </p:sp>
-      <p:sp>
-        <p:nvSpPr>
-          <p:cNvPr id="11" name="타원 10">
+            <a:r>
+              <a:rPr kumimoji="0" lang="en-US" altLang="ko-KR" sz="6000" b="0" i="0" u="none" strike="noStrike" kern="1200" cap="none" spc="0" normalizeH="0" baseline="0" noProof="0" dirty="0">
+                <a:ln>
+                  <a:noFill/>
+                </a:ln>
+                <a:gradFill>
+                  <a:gsLst>
+                    <a:gs pos="45000">
+                      <a:srgbClr val="7D57F0"/>
+                    </a:gs>
+                    <a:gs pos="0">
+                      <a:srgbClr val="3D61DC"/>
+                    </a:gs>
+                    <a:gs pos="100000">
+                      <a:srgbClr val="9540F7"/>
+                    </a:gs>
+                  </a:gsLst>
+                  <a:lin ang="5400000" scaled="1"/>
+                </a:gradFill>
+                <a:effectLst>
+                  <a:innerShdw blurRad="63500" dist="50800" dir="13500000">
+                    <a:prstClr val="black">
+                      <a:alpha val="50000"/>
+                    </a:prstClr>
+                  </a:innerShdw>
+                </a:effectLst>
+                <a:uLnTx/>
+                <a:uFillTx/>
+                <a:latin typeface="타이포_쌍문동 B" panose="02020803020101020101" pitchFamily="18" charset="-127"/>
+                <a:ea typeface="타이포_쌍문동 B" panose="02020803020101020101" pitchFamily="18" charset="-127"/>
+                <a:cs typeface="+mn-cs"/>
+              </a:rPr>
+              <a:t>2022</a:t>
+            </a:r>
+          </a:p>
+        </p:txBody>
+      </p:sp>
+      <p:sp>
+        <p:nvSpPr>
+          <p:cNvPr id="19" name="TextBox 18">
             <a:extLst>
               <a:ext uri="{FF2B5EF4-FFF2-40B4-BE49-F238E27FC236}">
-                <a16:creationId xmlns:a16="http://schemas.microsoft.com/office/drawing/2014/main" id="{1537CDC5-8FDE-D267-ADEE-A2A99176DE8F}"/>
+                <a16:creationId xmlns:a16="http://schemas.microsoft.com/office/drawing/2014/main" id="{F4394053-4B21-456C-FEA9-B977BDEAFD8A}"/>
               </a:ext>
             </a:extLst>
           </p:cNvPr>
-          <p:cNvSpPr/>
+          <p:cNvSpPr txBox="1"/>
           <p:nvPr/>
         </p:nvSpPr>
         <p:spPr>
           <a:xfrm>
-            <a:off x="-174812" y="-510989"/>
-            <a:ext cx="1882588" cy="1882588"/>
+            <a:off x="196478" y="3101826"/>
+            <a:ext cx="3262432" cy="1015663"/>
           </a:xfrm>
-          <a:prstGeom prst="ellipse">
+          <a:prstGeom prst="rect">
             <a:avLst/>
           </a:prstGeom>
-          <a:gradFill>
-            <a:gsLst>
-              <a:gs pos="45000">
-                <a:srgbClr val="B1B1B1">
-                  <a:alpha val="43000"/>
-                </a:srgbClr>
-              </a:gs>
-              <a:gs pos="0">
-                <a:schemeClr val="bg1">
-                  <a:lumMod val="85000"/>
-                </a:schemeClr>
-              </a:gs>
-              <a:gs pos="100000">
-                <a:schemeClr val="bg1">
-                  <a:lumMod val="50000"/>
-                </a:schemeClr>
-              </a:gs>
-            </a:gsLst>
-            <a:lin ang="5400000" scaled="1"/>
-          </a:gradFill>
-          <a:ln>
-            <a:noFill/>
-          </a:ln>
+          <a:noFill/>
+          <a:scene3d>
+            <a:camera prst="obliqueTopLeft"/>
+            <a:lightRig rig="threePt" dir="t"/>
+          </a:scene3d>
+          <a:sp3d prstMaterial="matte"/>
         </p:spPr>
-        <p:style>
-          <a:lnRef idx="2">
-            <a:schemeClr val="accent1">
-              <a:shade val="50000"/>
-            </a:schemeClr>
-          </a:lnRef>
-          <a:fillRef idx="1">
-            <a:schemeClr val="accent1"/>
-          </a:fillRef>
-          <a:effectRef idx="0">
-            <a:schemeClr val="accent1"/>
-          </a:effectRef>
-          <a:fontRef idx="minor">
-            <a:schemeClr val="lt1"/>
-          </a:fontRef>
-        </p:style>
-        <p:txBody>
-          <a:bodyPr rtlCol="0" anchor="ctr"/>
+        <p:txBody>
+          <a:bodyPr wrap="none" rtlCol="0">
+            <a:spAutoFit/>
+            <a:scene3d>
+              <a:camera prst="obliqueTopLeft">
+                <a:rot lat="0" lon="0" rev="0"/>
+              </a:camera>
+              <a:lightRig rig="threePt" dir="t"/>
+            </a:scene3d>
+            <a:sp3d extrusionH="254000" prstMaterial="matte">
+              <a:bevelT w="69850" h="38100" prst="cross"/>
+              <a:bevelB w="0" h="0"/>
+              <a:extrusionClr>
+                <a:srgbClr val="3D61DC"/>
+              </a:extrusionClr>
+            </a:sp3d>
+          </a:bodyPr>
           <a:lstStyle/>
           <a:p>
-            <a:pPr marL="0" marR="0" lvl="0" indent="0" algn="ctr" defTabSz="457200" rtl="0" eaLnBrk="1" fontAlgn="auto" latinLnBrk="0" hangingPunct="1">
+            <a:pPr marL="0" marR="0" lvl="0" indent="0" algn="l" defTabSz="457200" rtl="0" eaLnBrk="1" fontAlgn="auto" latinLnBrk="0" hangingPunct="1">
               <a:lnSpc>
                 <a:spcPct val="100000"/>
               </a:lnSpc>
@@ -3294,18 +3280,69 @@
               <a:tabLst/>
               <a:defRPr/>
             </a:pPr>
-            <a:endParaRPr kumimoji="0" lang="ko-KR" altLang="en-US" sz="1800" b="0" i="0" u="none" strike="noStrike" kern="1200" cap="none" spc="0" normalizeH="0" baseline="0" noProof="0">
+            <a:r>
+              <a:rPr kumimoji="0" lang="ko-KR" altLang="en-US" sz="6000" b="0" i="0" u="none" strike="noStrike" kern="1200" cap="none" spc="0" normalizeH="0" baseline="0" noProof="0" dirty="0" err="1">
+                <a:ln>
+                  <a:noFill/>
+                </a:ln>
+                <a:gradFill>
+                  <a:gsLst>
+                    <a:gs pos="45000">
+                      <a:srgbClr val="7D57F0"/>
+                    </a:gs>
+                    <a:gs pos="0">
+                      <a:srgbClr val="3D61DC"/>
+                    </a:gs>
+                    <a:gs pos="100000">
+                      <a:srgbClr val="9540F7"/>
+                    </a:gs>
+                  </a:gsLst>
+                  <a:lin ang="5400000" scaled="1"/>
+                </a:gradFill>
+                <a:effectLst>
+                  <a:innerShdw blurRad="63500" dist="50800" dir="13500000">
+                    <a:prstClr val="black">
+                      <a:alpha val="50000"/>
+                    </a:prstClr>
+                  </a:innerShdw>
+                </a:effectLst>
+                <a:uLnTx/>
+                <a:uFillTx/>
+                <a:latin typeface="타이포_쌍문동 B" panose="02020803020101020101" pitchFamily="18" charset="-127"/>
+                <a:ea typeface="타이포_쌍문동 B" panose="02020803020101020101" pitchFamily="18" charset="-127"/>
+                <a:cs typeface="+mn-cs"/>
+              </a:rPr>
+              <a:t>지금그때</a:t>
+            </a:r>
+            <a:endParaRPr kumimoji="0" lang="en-US" altLang="ko-KR" sz="6000" b="0" i="0" u="none" strike="noStrike" kern="1200" cap="none" spc="0" normalizeH="0" baseline="0" noProof="0" dirty="0">
               <a:ln>
                 <a:noFill/>
               </a:ln>
-              <a:solidFill>
-                <a:prstClr val="white"/>
-              </a:solidFill>
-              <a:effectLst/>
+              <a:gradFill>
+                <a:gsLst>
+                  <a:gs pos="45000">
+                    <a:srgbClr val="7D57F0"/>
+                  </a:gs>
+                  <a:gs pos="0">
+                    <a:srgbClr val="3D61DC"/>
+                  </a:gs>
+                  <a:gs pos="100000">
+                    <a:srgbClr val="9540F7"/>
+                  </a:gs>
+                </a:gsLst>
+                <a:lin ang="5400000" scaled="1"/>
+              </a:gradFill>
+              <a:effectLst>
+                <a:innerShdw blurRad="63500" dist="50800" dir="13500000">
+                  <a:prstClr val="black">
+                    <a:alpha val="50000"/>
+                  </a:prstClr>
+                </a:innerShdw>
+              </a:effectLst>
               <a:uLnTx/>
               <a:uFillTx/>
-              <a:latin typeface="Calibri" panose="020F0502020204030204"/>
-              <a:ea typeface="맑은 고딕" panose="020B0503020000020004" pitchFamily="50" charset="-127"/>
+              <a:latin typeface="타이포_쌍문동 B" panose="02020803020101020101" pitchFamily="18" charset="-127"/>
+              <a:ea typeface="타이포_쌍문동 B" panose="02020803020101020101" pitchFamily="18" charset="-127"/>
               <a:cs typeface="+mn-cs"/>
             </a:endParaRPr>
           </a:p>
@@ -3313,69 +3350,51 @@
       </p:sp>
       <p:sp>
         <p:nvSpPr>
-          <p:cNvPr id="12" name="타원 11">
+          <p:cNvPr id="20" name="TextBox 19">
             <a:extLst>
               <a:ext uri="{FF2B5EF4-FFF2-40B4-BE49-F238E27FC236}">
-                <a16:creationId xmlns:a16="http://schemas.microsoft.com/office/drawing/2014/main" id="{6CB94CB7-7991-C882-6FF4-B343A8E28225}"/>
+                <a16:creationId xmlns:a16="http://schemas.microsoft.com/office/drawing/2014/main" id="{C68B40F4-AA60-594B-BBFF-47F804EF609E}"/>
               </a:ext>
             </a:extLst>
           </p:cNvPr>
-          <p:cNvSpPr/>
+          <p:cNvSpPr txBox="1"/>
           <p:nvPr/>
         </p:nvSpPr>
         <p:spPr>
           <a:xfrm>
-            <a:off x="3778624" y="-551325"/>
-            <a:ext cx="2743198" cy="2743198"/>
+            <a:off x="3458910" y="2321908"/>
+            <a:ext cx="1810112" cy="461665"/>
           </a:xfrm>
-          <a:prstGeom prst="ellipse">
+          <a:prstGeom prst="rect">
             <a:avLst/>
           </a:prstGeom>
-          <a:gradFill>
-            <a:gsLst>
-              <a:gs pos="45000">
-                <a:srgbClr val="B1B1B1">
-                  <a:alpha val="84000"/>
-                </a:srgbClr>
-              </a:gs>
-              <a:gs pos="0">
-                <a:schemeClr val="bg1">
-                  <a:lumMod val="85000"/>
-                </a:schemeClr>
-              </a:gs>
-              <a:gs pos="100000">
-                <a:schemeClr val="bg1">
-                  <a:lumMod val="50000"/>
-                </a:schemeClr>
-              </a:gs>
-            </a:gsLst>
-            <a:lin ang="5400000" scaled="1"/>
-          </a:gradFill>
-          <a:ln>
-            <a:noFill/>
-          </a:ln>
+          <a:noFill/>
+          <a:scene3d>
+            <a:camera prst="obliqueTopLeft"/>
+            <a:lightRig rig="threePt" dir="t"/>
+          </a:scene3d>
+          <a:sp3d prstMaterial="matte"/>
         </p:spPr>
-        <p:style>
-          <a:lnRef idx="2">
-            <a:schemeClr val="accent1">
-              <a:shade val="50000"/>
-            </a:schemeClr>
-          </a:lnRef>
-          <a:fillRef idx="1">
-            <a:schemeClr val="accent1"/>
-          </a:fillRef>
-          <a:effectRef idx="0">
-            <a:schemeClr val="accent1"/>
-          </a:effectRef>
-          <a:fontRef idx="minor">
-            <a:schemeClr val="lt1"/>
-          </a:fontRef>
-        </p:style>
-        <p:txBody>
-          <a:bodyPr rtlCol="0" anchor="ctr"/>
+        <p:txBody>
+          <a:bodyPr wrap="none" rtlCol="0">
+            <a:spAutoFit/>
+            <a:scene3d>
+              <a:camera prst="obliqueTopLeft">
+                <a:rot lat="0" lon="0" rev="0"/>
+              </a:camera>
+              <a:lightRig rig="threePt" dir="t"/>
+            </a:scene3d>
+            <a:sp3d extrusionH="254000" prstMaterial="matte">
+              <a:bevelT w="69850" h="38100" prst="cross"/>
+              <a:bevelB w="0" h="0"/>
+              <a:extrusionClr>
+                <a:srgbClr val="3D61DC"/>
+              </a:extrusionClr>
+            </a:sp3d>
+          </a:bodyPr>
           <a:lstStyle/>
           <a:p>
-            <a:pPr marL="0" marR="0" lvl="0" indent="0" algn="ctr" defTabSz="457200" rtl="0" eaLnBrk="1" fontAlgn="auto" latinLnBrk="0" hangingPunct="1">
+            <a:pPr marL="0" marR="0" lvl="0" indent="0" algn="r" defTabSz="457200" rtl="0" eaLnBrk="1" fontAlgn="auto" latinLnBrk="0" hangingPunct="1">
               <a:lnSpc>
                 <a:spcPct val="100000"/>
               </a:lnSpc>
@@ -3392,88 +3411,158 @@
               <a:tabLst/>
               <a:defRPr/>
             </a:pPr>
-            <a:endParaRPr kumimoji="0" lang="ko-KR" altLang="en-US" sz="1800" b="0" i="0" u="none" strike="noStrike" kern="1200" cap="none" spc="0" normalizeH="0" baseline="0" noProof="0">
-              <a:ln>
-                <a:noFill/>
-              </a:ln>
-              <a:solidFill>
-                <a:prstClr val="white"/>
-              </a:solidFill>
-              <a:effectLst/>
-              <a:uLnTx/>
-              <a:uFillTx/>
-              <a:latin typeface="Calibri" panose="020F0502020204030204"/>
-              <a:ea typeface="맑은 고딕" panose="020B0503020000020004" pitchFamily="50" charset="-127"/>
-              <a:cs typeface="+mn-cs"/>
-            </a:endParaRPr>
-          </a:p>
-        </p:txBody>
-      </p:sp>
-      <p:sp>
-        <p:nvSpPr>
-          <p:cNvPr id="16" name="타원 15">
+            <a:r>
+              <a:rPr kumimoji="0" lang="en-US" altLang="ko-KR" sz="2400" b="0" i="0" u="none" strike="noStrike" kern="1200" cap="none" spc="0" normalizeH="0" baseline="0" noProof="0" dirty="0">
+                <a:ln>
+                  <a:noFill/>
+                </a:ln>
+                <a:gradFill>
+                  <a:gsLst>
+                    <a:gs pos="45000">
+                      <a:srgbClr val="7D57F0"/>
+                    </a:gs>
+                    <a:gs pos="0">
+                      <a:srgbClr val="3D61DC"/>
+                    </a:gs>
+                    <a:gs pos="100000">
+                      <a:srgbClr val="9540F7"/>
+                    </a:gs>
+                  </a:gsLst>
+                  <a:lin ang="5400000" scaled="1"/>
+                </a:gradFill>
+                <a:effectLst>
+                  <a:innerShdw blurRad="63500" dist="50800" dir="13500000">
+                    <a:prstClr val="black">
+                      <a:alpha val="50000"/>
+                    </a:prstClr>
+                  </a:innerShdw>
+                </a:effectLst>
+                <a:uLnTx/>
+                <a:uFillTx/>
+                <a:latin typeface="타이포_쌍문동 B" panose="02020803020101020101" pitchFamily="18" charset="-127"/>
+                <a:ea typeface="타이포_쌍문동 B" panose="02020803020101020101" pitchFamily="18" charset="-127"/>
+                <a:cs typeface="+mn-cs"/>
+              </a:rPr>
+              <a:t>11.26 (</a:t>
+            </a:r>
+            <a:r>
+              <a:rPr kumimoji="0" lang="ko-KR" altLang="en-US" sz="2400" b="0" i="0" u="none" strike="noStrike" kern="1200" cap="none" spc="0" normalizeH="0" baseline="0" noProof="0" dirty="0">
+                <a:ln>
+                  <a:noFill/>
+                </a:ln>
+                <a:gradFill>
+                  <a:gsLst>
+                    <a:gs pos="45000">
+                      <a:srgbClr val="7D57F0"/>
+                    </a:gs>
+                    <a:gs pos="0">
+                      <a:srgbClr val="3D61DC"/>
+                    </a:gs>
+                    <a:gs pos="100000">
+                      <a:srgbClr val="9540F7"/>
+                    </a:gs>
+                  </a:gsLst>
+                  <a:lin ang="5400000" scaled="1"/>
+                </a:gradFill>
+                <a:effectLst>
+                  <a:innerShdw blurRad="63500" dist="50800" dir="13500000">
+                    <a:prstClr val="black">
+                      <a:alpha val="50000"/>
+                    </a:prstClr>
+                  </a:innerShdw>
+                </a:effectLst>
+                <a:uLnTx/>
+                <a:uFillTx/>
+                <a:latin typeface="타이포_쌍문동 B" panose="02020803020101020101" pitchFamily="18" charset="-127"/>
+                <a:ea typeface="타이포_쌍문동 B" panose="02020803020101020101" pitchFamily="18" charset="-127"/>
+                <a:cs typeface="+mn-cs"/>
+              </a:rPr>
+              <a:t>토</a:t>
+            </a:r>
+            <a:r>
+              <a:rPr kumimoji="0" lang="en-US" altLang="ko-KR" sz="2400" b="0" i="0" u="none" strike="noStrike" kern="1200" cap="none" spc="0" normalizeH="0" baseline="0" noProof="0" dirty="0">
+                <a:ln>
+                  <a:noFill/>
+                </a:ln>
+                <a:gradFill>
+                  <a:gsLst>
+                    <a:gs pos="45000">
+                      <a:srgbClr val="7D57F0"/>
+                    </a:gs>
+                    <a:gs pos="0">
+                      <a:srgbClr val="3D61DC"/>
+                    </a:gs>
+                    <a:gs pos="100000">
+                      <a:srgbClr val="9540F7"/>
+                    </a:gs>
+                  </a:gsLst>
+                  <a:lin ang="5400000" scaled="1"/>
+                </a:gradFill>
+                <a:effectLst>
+                  <a:innerShdw blurRad="63500" dist="50800" dir="13500000">
+                    <a:prstClr val="black">
+                      <a:alpha val="50000"/>
+                    </a:prstClr>
+                  </a:innerShdw>
+                </a:effectLst>
+                <a:uLnTx/>
+                <a:uFillTx/>
+                <a:latin typeface="타이포_쌍문동 B" panose="02020803020101020101" pitchFamily="18" charset="-127"/>
+                <a:ea typeface="타이포_쌍문동 B" panose="02020803020101020101" pitchFamily="18" charset="-127"/>
+                <a:cs typeface="+mn-cs"/>
+              </a:rPr>
+              <a:t>)</a:t>
+            </a:r>
+          </a:p>
+        </p:txBody>
+      </p:sp>
+      <p:sp>
+        <p:nvSpPr>
+          <p:cNvPr id="21" name="TextBox 20">
             <a:extLst>
               <a:ext uri="{FF2B5EF4-FFF2-40B4-BE49-F238E27FC236}">
-                <a16:creationId xmlns:a16="http://schemas.microsoft.com/office/drawing/2014/main" id="{A6A4F230-4EF3-85E8-9703-398DC56DA549}"/>
+                <a16:creationId xmlns:a16="http://schemas.microsoft.com/office/drawing/2014/main" id="{7EE71D6F-DDEE-ACCC-87D2-F95532063959}"/>
               </a:ext>
             </a:extLst>
           </p:cNvPr>
-          <p:cNvSpPr/>
+          <p:cNvSpPr txBox="1"/>
           <p:nvPr/>
         </p:nvSpPr>
         <p:spPr>
           <a:xfrm>
-            <a:off x="5795681" y="7893417"/>
-            <a:ext cx="1479180" cy="1479180"/>
+            <a:off x="196478" y="1982194"/>
+            <a:ext cx="2149291" cy="338554"/>
           </a:xfrm>
-          <a:prstGeom prst="ellipse">
+          <a:prstGeom prst="rect">
             <a:avLst/>
           </a:prstGeom>
-          <a:gradFill>
-            <a:gsLst>
-              <a:gs pos="45000">
-                <a:srgbClr val="B1B1B1">
-                  <a:alpha val="98000"/>
-                </a:srgbClr>
-              </a:gs>
-              <a:gs pos="0">
-                <a:schemeClr val="bg1">
-                  <a:lumMod val="85000"/>
-                </a:schemeClr>
-              </a:gs>
-              <a:gs pos="100000">
-                <a:schemeClr val="bg1">
-                  <a:lumMod val="50000"/>
-                </a:schemeClr>
-              </a:gs>
-            </a:gsLst>
-            <a:lin ang="5400000" scaled="1"/>
-          </a:gradFill>
-          <a:ln>
-            <a:noFill/>
-          </a:ln>
+          <a:noFill/>
+          <a:scene3d>
+            <a:camera prst="obliqueTopLeft"/>
+            <a:lightRig rig="threePt" dir="t"/>
+          </a:scene3d>
+          <a:sp3d prstMaterial="matte"/>
         </p:spPr>
-        <p:style>
-          <a:lnRef idx="2">
-            <a:schemeClr val="accent1">
-              <a:shade val="50000"/>
-            </a:schemeClr>
-          </a:lnRef>
-          <a:fillRef idx="1">
-            <a:schemeClr val="accent1"/>
-          </a:fillRef>
-          <a:effectRef idx="0">
-            <a:schemeClr val="accent1"/>
-          </a:effectRef>
-          <a:fontRef idx="minor">
-            <a:schemeClr val="lt1"/>
-          </a:fontRef>
-        </p:style>
-        <p:txBody>
-          <a:bodyPr rtlCol="0" anchor="ctr"/>
+        <p:txBody>
+          <a:bodyPr wrap="square" rtlCol="0">
+            <a:spAutoFit/>
+            <a:scene3d>
+              <a:camera prst="obliqueTopLeft">
+                <a:rot lat="0" lon="0" rev="0"/>
+              </a:camera>
+              <a:lightRig rig="threePt" dir="t"/>
+            </a:scene3d>
+            <a:sp3d extrusionH="254000" prstMaterial="matte">
+              <a:bevelT w="69850" h="38100" prst="cross"/>
+              <a:bevelB w="0" h="0"/>
+              <a:extrusionClr>
+                <a:srgbClr val="3D61DC"/>
+              </a:extrusionClr>
+            </a:sp3d>
+          </a:bodyPr>
           <a:lstStyle/>
           <a:p>
-            <a:pPr marL="0" marR="0" lvl="0" indent="0" algn="ctr" defTabSz="457200" rtl="0" eaLnBrk="1" fontAlgn="auto" latinLnBrk="0" hangingPunct="1">
+            <a:pPr marL="0" marR="0" lvl="0" indent="0" algn="l" defTabSz="457200" rtl="0" eaLnBrk="1" fontAlgn="auto" latinLnBrk="0" hangingPunct="1">
               <a:lnSpc>
                 <a:spcPct val="100000"/>
               </a:lnSpc>
@@ -3490,88 +3579,72 @@
               <a:tabLst/>
               <a:defRPr/>
             </a:pPr>
-            <a:endParaRPr kumimoji="0" lang="ko-KR" altLang="en-US" sz="1800" b="0" i="0" u="none" strike="noStrike" kern="1200" cap="none" spc="0" normalizeH="0" baseline="0" noProof="0">
-              <a:ln>
-                <a:noFill/>
-              </a:ln>
-              <a:solidFill>
-                <a:prstClr val="white"/>
-              </a:solidFill>
-              <a:effectLst/>
-              <a:uLnTx/>
-              <a:uFillTx/>
-              <a:latin typeface="Calibri" panose="020F0502020204030204"/>
-              <a:ea typeface="맑은 고딕" panose="020B0503020000020004" pitchFamily="50" charset="-127"/>
-              <a:cs typeface="+mn-cs"/>
-            </a:endParaRPr>
-          </a:p>
-        </p:txBody>
-      </p:sp>
-      <p:sp>
-        <p:nvSpPr>
-          <p:cNvPr id="14" name="타원 13">
+            <a:r>
+              <a:rPr kumimoji="0" lang="en-US" altLang="ko-KR" sz="1600" b="0" i="0" u="none" strike="noStrike" kern="1200" cap="none" spc="0" normalizeH="0" baseline="0" noProof="0" dirty="0">
+                <a:ln>
+                  <a:noFill/>
+                </a:ln>
+                <a:gradFill>
+                  <a:gsLst>
+                    <a:gs pos="45000">
+                      <a:srgbClr val="7D57F0"/>
+                    </a:gs>
+                    <a:gs pos="0">
+                      <a:srgbClr val="3D61DC"/>
+                    </a:gs>
+                    <a:gs pos="100000">
+                      <a:srgbClr val="9540F7"/>
+                    </a:gs>
+                  </a:gsLst>
+                  <a:lin ang="5400000" scaled="1"/>
+                </a:gradFill>
+                <a:effectLst>
+                  <a:innerShdw blurRad="63500" dist="50800" dir="13500000">
+                    <a:prstClr val="black">
+                      <a:alpha val="50000"/>
+                    </a:prstClr>
+                  </a:innerShdw>
+                </a:effectLst>
+                <a:uLnTx/>
+                <a:uFillTx/>
+                <a:latin typeface="나눔스퀘어OTF_ac Bold" panose="020B0600000101010101" pitchFamily="34" charset="-127"/>
+                <a:ea typeface="나눔스퀘어OTF_ac Bold" panose="020B0600000101010101" pitchFamily="34" charset="-127"/>
+                <a:cs typeface="+mn-cs"/>
+              </a:rPr>
+              <a:t>HOPE TO BE BETTER</a:t>
+            </a:r>
+          </a:p>
+        </p:txBody>
+      </p:sp>
+      <p:sp>
+        <p:nvSpPr>
+          <p:cNvPr id="33" name="TextBox 32">
             <a:extLst>
               <a:ext uri="{FF2B5EF4-FFF2-40B4-BE49-F238E27FC236}">
-                <a16:creationId xmlns:a16="http://schemas.microsoft.com/office/drawing/2014/main" id="{79982AE1-8360-3812-C66D-F1478A6AC50B}"/>
+                <a16:creationId xmlns:a16="http://schemas.microsoft.com/office/drawing/2014/main" id="{8F5B323C-A429-46A9-635A-4D972E003F42}"/>
               </a:ext>
             </a:extLst>
           </p:cNvPr>
-          <p:cNvSpPr/>
+          <p:cNvSpPr txBox="1"/>
           <p:nvPr/>
         </p:nvSpPr>
         <p:spPr>
           <a:xfrm>
-            <a:off x="6199096" y="3255327"/>
-            <a:ext cx="1479180" cy="1479180"/>
+            <a:off x="248482" y="4347749"/>
+            <a:ext cx="6361037" cy="538609"/>
           </a:xfrm>
-          <a:prstGeom prst="ellipse">
+          <a:prstGeom prst="rect">
             <a:avLst/>
           </a:prstGeom>
-          <a:gradFill>
-            <a:gsLst>
-              <a:gs pos="45000">
-                <a:srgbClr val="B1B1B1">
-                  <a:alpha val="98000"/>
-                </a:srgbClr>
-              </a:gs>
-              <a:gs pos="0">
-                <a:schemeClr val="bg1">
-                  <a:lumMod val="85000"/>
-                </a:schemeClr>
-              </a:gs>
-              <a:gs pos="100000">
-                <a:schemeClr val="bg1">
-                  <a:lumMod val="50000"/>
-                </a:schemeClr>
-              </a:gs>
-            </a:gsLst>
-            <a:lin ang="5400000" scaled="1"/>
-          </a:gradFill>
-          <a:ln>
-            <a:noFill/>
-          </a:ln>
+          <a:noFill/>
         </p:spPr>
-        <p:style>
-          <a:lnRef idx="2">
-            <a:schemeClr val="accent1">
-              <a:shade val="50000"/>
-            </a:schemeClr>
-          </a:lnRef>
-          <a:fillRef idx="1">
-            <a:schemeClr val="accent1"/>
-          </a:fillRef>
-          <a:effectRef idx="0">
-            <a:schemeClr val="accent1"/>
-          </a:effectRef>
-          <a:fontRef idx="minor">
-            <a:schemeClr val="lt1"/>
-          </a:fontRef>
-        </p:style>
-        <p:txBody>
-          <a:bodyPr rtlCol="0" anchor="ctr"/>
+        <p:txBody>
+          <a:bodyPr wrap="none" rtlCol="0">
+            <a:spAutoFit/>
+          </a:bodyPr>
           <a:lstStyle/>
           <a:p>
-            <a:pPr marL="0" marR="0" lvl="0" indent="0" algn="ctr" defTabSz="457200" rtl="0" eaLnBrk="1" fontAlgn="auto" latinLnBrk="0" hangingPunct="1">
+            <a:pPr marL="0" marR="0" lvl="0" indent="0" algn="l" defTabSz="457200" rtl="0" eaLnBrk="1" fontAlgn="auto" latinLnBrk="0" hangingPunct="1">
               <a:lnSpc>
                 <a:spcPct val="100000"/>
               </a:lnSpc>
@@ -3588,29 +3661,41 @@
               <a:tabLst/>
               <a:defRPr/>
             </a:pPr>
-            <a:endParaRPr kumimoji="0" lang="ko-KR" altLang="en-US" sz="1800" b="0" i="0" u="none" strike="noStrike" kern="1200" cap="none" spc="0" normalizeH="0" baseline="0" noProof="0">
-              <a:ln>
-                <a:noFill/>
-              </a:ln>
-              <a:solidFill>
-                <a:prstClr val="white"/>
-              </a:solidFill>
-              <a:effectLst/>
-              <a:uLnTx/>
-              <a:uFillTx/>
-              <a:latin typeface="Calibri" panose="020F0502020204030204"/>
-              <a:ea typeface="맑은 고딕" panose="020B0503020000020004" pitchFamily="50" charset="-127"/>
-              <a:cs typeface="+mn-cs"/>
-            </a:endParaRPr>
-          </a:p>
-        </p:txBody>
-      </p:sp>
-      <p:sp>
-        <p:nvSpPr>
-          <p:cNvPr id="17" name="타원 16">
+            <a:r>
+              <a:rPr kumimoji="0" lang="en-US" altLang="ko-KR" sz="2900" b="0" i="0" u="none" strike="noStrike" kern="1200" cap="none" spc="0" normalizeH="0" baseline="0" noProof="0" dirty="0">
+                <a:ln>
+                  <a:noFill/>
+                </a:ln>
+                <a:gradFill flip="none" rotWithShape="1">
+                  <a:gsLst>
+                    <a:gs pos="0">
+                      <a:srgbClr val="3961DB"/>
+                    </a:gs>
+                    <a:gs pos="100000">
+                      <a:srgbClr val="953FF7"/>
+                    </a:gs>
+                  </a:gsLst>
+                  <a:lin ang="0" scaled="1"/>
+                  <a:tileRect/>
+                </a:gradFill>
+                <a:effectLst/>
+                <a:uLnTx/>
+                <a:uFillTx/>
+                <a:latin typeface="타이포_쌍문동 B" panose="02020803020101020101" pitchFamily="18" charset="-127"/>
+                <a:ea typeface="타이포_쌍문동 B" panose="02020803020101020101" pitchFamily="18" charset="-127"/>
+                <a:cs typeface="+mn-cs"/>
+              </a:rPr>
+              <a:t>“ TOGETHER, we get BETTER ”</a:t>
+            </a:r>
+          </a:p>
+        </p:txBody>
+      </p:sp>
+      <p:sp>
+        <p:nvSpPr>
+          <p:cNvPr id="6" name="사각형: 둥근 모서리 5">
             <a:extLst>
               <a:ext uri="{FF2B5EF4-FFF2-40B4-BE49-F238E27FC236}">
-                <a16:creationId xmlns:a16="http://schemas.microsoft.com/office/drawing/2014/main" id="{321E8390-3D0F-4C8A-E305-F5C4E19E6FEF}"/>
+                <a16:creationId xmlns:a16="http://schemas.microsoft.com/office/drawing/2014/main" id="{40AFB998-EBFA-F408-084D-023722E938AD}"/>
               </a:ext>
             </a:extLst>
           </p:cNvPr>
@@ -3619,295 +3704,16 @@
         </p:nvSpPr>
         <p:spPr>
           <a:xfrm>
-            <a:off x="6199096" y="2770097"/>
-            <a:ext cx="1021976" cy="1021976"/>
+            <a:off x="391711" y="5240776"/>
+            <a:ext cx="945379" cy="473246"/>
           </a:xfrm>
-          <a:prstGeom prst="ellipse">
-            <a:avLst/>
+          <a:prstGeom prst="roundRect">
+            <a:avLst>
+              <a:gd name="adj" fmla="val 31161"/>
+            </a:avLst>
           </a:prstGeom>
-          <a:gradFill>
-            <a:gsLst>
-              <a:gs pos="45000">
-                <a:srgbClr val="B1B1B1">
-                  <a:alpha val="84000"/>
-                </a:srgbClr>
-              </a:gs>
-              <a:gs pos="0">
-                <a:schemeClr val="bg1">
-                  <a:lumMod val="85000"/>
-                </a:schemeClr>
-              </a:gs>
-              <a:gs pos="100000">
-                <a:schemeClr val="bg1">
-                  <a:lumMod val="50000"/>
-                </a:schemeClr>
-              </a:gs>
-            </a:gsLst>
-            <a:lin ang="5400000" scaled="1"/>
-          </a:gradFill>
-          <a:ln>
-            <a:noFill/>
-          </a:ln>
-        </p:spPr>
-        <p:style>
-          <a:lnRef idx="2">
-            <a:schemeClr val="accent1">
-              <a:shade val="50000"/>
-            </a:schemeClr>
-          </a:lnRef>
-          <a:fillRef idx="1">
-            <a:schemeClr val="accent1"/>
-          </a:fillRef>
-          <a:effectRef idx="0">
-            <a:schemeClr val="accent1"/>
-          </a:effectRef>
-          <a:fontRef idx="minor">
-            <a:schemeClr val="lt1"/>
-          </a:fontRef>
-        </p:style>
-        <p:txBody>
-          <a:bodyPr rtlCol="0" anchor="ctr"/>
-          <a:lstStyle/>
-          <a:p>
-            <a:pPr marL="0" marR="0" lvl="0" indent="0" algn="ctr" defTabSz="457200" rtl="0" eaLnBrk="1" fontAlgn="auto" latinLnBrk="0" hangingPunct="1">
-              <a:lnSpc>
-                <a:spcPct val="100000"/>
-              </a:lnSpc>
-              <a:spcBef>
-                <a:spcPts val="0"/>
-              </a:spcBef>
-              <a:spcAft>
-                <a:spcPts val="0"/>
-              </a:spcAft>
-              <a:buClrTx/>
-              <a:buSzTx/>
-              <a:buFontTx/>
-              <a:buNone/>
-              <a:tabLst/>
-              <a:defRPr/>
-            </a:pPr>
-            <a:endParaRPr kumimoji="0" lang="ko-KR" altLang="en-US" sz="1800" b="0" i="0" u="none" strike="noStrike" kern="1200" cap="none" spc="0" normalizeH="0" baseline="0" noProof="0">
-              <a:ln>
-                <a:noFill/>
-              </a:ln>
-              <a:solidFill>
-                <a:prstClr val="white"/>
-              </a:solidFill>
-              <a:effectLst/>
-              <a:uLnTx/>
-              <a:uFillTx/>
-              <a:latin typeface="Calibri" panose="020F0502020204030204"/>
-              <a:ea typeface="맑은 고딕" panose="020B0503020000020004" pitchFamily="50" charset="-127"/>
-              <a:cs typeface="+mn-cs"/>
-            </a:endParaRPr>
-          </a:p>
-        </p:txBody>
-      </p:sp>
-      <p:sp>
-        <p:nvSpPr>
-          <p:cNvPr id="15" name="타원 14">
-            <a:extLst>
-              <a:ext uri="{FF2B5EF4-FFF2-40B4-BE49-F238E27FC236}">
-                <a16:creationId xmlns:a16="http://schemas.microsoft.com/office/drawing/2014/main" id="{269BB734-BB44-66F4-B8B3-DBD321ECD05D}"/>
-              </a:ext>
-            </a:extLst>
-          </p:cNvPr>
-          <p:cNvSpPr/>
-          <p:nvPr/>
-        </p:nvSpPr>
-        <p:spPr>
-          <a:xfrm>
-            <a:off x="6246158" y="7079870"/>
-            <a:ext cx="1021976" cy="1021976"/>
-          </a:xfrm>
-          <a:prstGeom prst="ellipse">
-            <a:avLst/>
-          </a:prstGeom>
-          <a:gradFill>
-            <a:gsLst>
-              <a:gs pos="45000">
-                <a:srgbClr val="B1B1B1">
-                  <a:alpha val="84000"/>
-                </a:srgbClr>
-              </a:gs>
-              <a:gs pos="0">
-                <a:schemeClr val="bg1">
-                  <a:lumMod val="85000"/>
-                </a:schemeClr>
-              </a:gs>
-              <a:gs pos="100000">
-                <a:schemeClr val="bg1">
-                  <a:lumMod val="50000"/>
-                </a:schemeClr>
-              </a:gs>
-            </a:gsLst>
-            <a:lin ang="5400000" scaled="1"/>
-          </a:gradFill>
-          <a:ln>
-            <a:noFill/>
-          </a:ln>
-        </p:spPr>
-        <p:style>
-          <a:lnRef idx="2">
-            <a:schemeClr val="accent1">
-              <a:shade val="50000"/>
-            </a:schemeClr>
-          </a:lnRef>
-          <a:fillRef idx="1">
-            <a:schemeClr val="accent1"/>
-          </a:fillRef>
-          <a:effectRef idx="0">
-            <a:schemeClr val="accent1"/>
-          </a:effectRef>
-          <a:fontRef idx="minor">
-            <a:schemeClr val="lt1"/>
-          </a:fontRef>
-        </p:style>
-        <p:txBody>
-          <a:bodyPr rtlCol="0" anchor="ctr"/>
-          <a:lstStyle/>
-          <a:p>
-            <a:pPr marL="0" marR="0" lvl="0" indent="0" algn="ctr" defTabSz="457200" rtl="0" eaLnBrk="1" fontAlgn="auto" latinLnBrk="0" hangingPunct="1">
-              <a:lnSpc>
-                <a:spcPct val="100000"/>
-              </a:lnSpc>
-              <a:spcBef>
-                <a:spcPts val="0"/>
-              </a:spcBef>
-              <a:spcAft>
-                <a:spcPts val="0"/>
-              </a:spcAft>
-              <a:buClrTx/>
-              <a:buSzTx/>
-              <a:buFontTx/>
-              <a:buNone/>
-              <a:tabLst/>
-              <a:defRPr/>
-            </a:pPr>
-            <a:endParaRPr kumimoji="0" lang="ko-KR" altLang="en-US" sz="1800" b="0" i="0" u="none" strike="noStrike" kern="1200" cap="none" spc="0" normalizeH="0" baseline="0" noProof="0">
-              <a:ln>
-                <a:noFill/>
-              </a:ln>
-              <a:solidFill>
-                <a:prstClr val="white"/>
-              </a:solidFill>
-              <a:effectLst/>
-              <a:uLnTx/>
-              <a:uFillTx/>
-              <a:latin typeface="Calibri" panose="020F0502020204030204"/>
-              <a:ea typeface="맑은 고딕" panose="020B0503020000020004" pitchFamily="50" charset="-127"/>
-              <a:cs typeface="+mn-cs"/>
-            </a:endParaRPr>
-          </a:p>
-        </p:txBody>
-      </p:sp>
-      <p:sp>
-        <p:nvSpPr>
-          <p:cNvPr id="10" name="자유형: 도형 9">
-            <a:extLst>
-              <a:ext uri="{FF2B5EF4-FFF2-40B4-BE49-F238E27FC236}">
-                <a16:creationId xmlns:a16="http://schemas.microsoft.com/office/drawing/2014/main" id="{F9C27A09-B65E-E954-C948-75C5BAA261AC}"/>
-              </a:ext>
-            </a:extLst>
-          </p:cNvPr>
-          <p:cNvSpPr/>
-          <p:nvPr/>
-        </p:nvSpPr>
-        <p:spPr>
-          <a:xfrm>
-            <a:off x="1" y="645459"/>
-            <a:ext cx="6535270" cy="9260540"/>
-          </a:xfrm>
-          <a:custGeom>
-            <a:avLst/>
-            <a:gdLst>
-              <a:gd name="connsiteX0" fmla="*/ 0 w 7073153"/>
-              <a:gd name="connsiteY0" fmla="*/ 0 h 8615082"/>
-              <a:gd name="connsiteX1" fmla="*/ 4666130 w 7073153"/>
-              <a:gd name="connsiteY1" fmla="*/ 0 h 8615082"/>
-              <a:gd name="connsiteX2" fmla="*/ 4666130 w 7073153"/>
-              <a:gd name="connsiteY2" fmla="*/ 1 h 8615082"/>
-              <a:gd name="connsiteX3" fmla="*/ 4688488 w 7073153"/>
-              <a:gd name="connsiteY3" fmla="*/ 1 h 8615082"/>
-              <a:gd name="connsiteX4" fmla="*/ 7073153 w 7073153"/>
-              <a:gd name="connsiteY4" fmla="*/ 2384666 h 8615082"/>
-              <a:gd name="connsiteX5" fmla="*/ 7073153 w 7073153"/>
-              <a:gd name="connsiteY5" fmla="*/ 8615082 h 8615082"/>
-              <a:gd name="connsiteX6" fmla="*/ 4666130 w 7073153"/>
-              <a:gd name="connsiteY6" fmla="*/ 8615082 h 8615082"/>
-              <a:gd name="connsiteX7" fmla="*/ 26895 w 7073153"/>
-              <a:gd name="connsiteY7" fmla="*/ 8615082 h 8615082"/>
-              <a:gd name="connsiteX8" fmla="*/ 0 w 7073153"/>
-              <a:gd name="connsiteY8" fmla="*/ 8615082 h 8615082"/>
-            </a:gdLst>
-            <a:ahLst/>
-            <a:cxnLst>
-              <a:cxn ang="0">
-                <a:pos x="connsiteX0" y="connsiteY0"/>
-              </a:cxn>
-              <a:cxn ang="0">
-                <a:pos x="connsiteX1" y="connsiteY1"/>
-              </a:cxn>
-              <a:cxn ang="0">
-                <a:pos x="connsiteX2" y="connsiteY2"/>
-              </a:cxn>
-              <a:cxn ang="0">
-                <a:pos x="connsiteX3" y="connsiteY3"/>
-              </a:cxn>
-              <a:cxn ang="0">
-                <a:pos x="connsiteX4" y="connsiteY4"/>
-              </a:cxn>
-              <a:cxn ang="0">
-                <a:pos x="connsiteX5" y="connsiteY5"/>
-              </a:cxn>
-              <a:cxn ang="0">
-                <a:pos x="connsiteX6" y="connsiteY6"/>
-              </a:cxn>
-              <a:cxn ang="0">
-                <a:pos x="connsiteX7" y="connsiteY7"/>
-              </a:cxn>
-              <a:cxn ang="0">
-                <a:pos x="connsiteX8" y="connsiteY8"/>
-              </a:cxn>
-            </a:cxnLst>
-            <a:rect l="l" t="t" r="r" b="b"/>
-            <a:pathLst>
-              <a:path w="7073153" h="8615082">
-                <a:moveTo>
-                  <a:pt x="0" y="0"/>
-                </a:moveTo>
-                <a:lnTo>
-                  <a:pt x="4666130" y="0"/>
-                </a:lnTo>
-                <a:lnTo>
-                  <a:pt x="4666130" y="1"/>
-                </a:lnTo>
-                <a:lnTo>
-                  <a:pt x="4688488" y="1"/>
-                </a:lnTo>
-                <a:cubicBezTo>
-                  <a:pt x="6005502" y="1"/>
-                  <a:pt x="7073153" y="1067652"/>
-                  <a:pt x="7073153" y="2384666"/>
-                </a:cubicBezTo>
-                <a:lnTo>
-                  <a:pt x="7073153" y="8615082"/>
-                </a:lnTo>
-                <a:lnTo>
-                  <a:pt x="4666130" y="8615082"/>
-                </a:lnTo>
-                <a:lnTo>
-                  <a:pt x="26895" y="8615082"/>
-                </a:lnTo>
-                <a:lnTo>
-                  <a:pt x="0" y="8615082"/>
-                </a:lnTo>
-                <a:close/>
-              </a:path>
-            </a:pathLst>
-          </a:custGeom>
           <a:solidFill>
-            <a:schemeClr val="bg1"/>
+            <a:srgbClr val="C3CFFD"/>
           </a:solidFill>
           <a:ln>
             <a:noFill/>
@@ -3930,9 +3736,7 @@
           </a:fontRef>
         </p:style>
         <p:txBody>
-          <a:bodyPr wrap="square" rtlCol="0" anchor="ctr">
-            <a:noAutofit/>
-          </a:bodyPr>
+          <a:bodyPr rtlCol="0" anchor="ctr"/>
           <a:lstStyle/>
           <a:p>
             <a:pPr marL="0" marR="0" lvl="0" indent="0" algn="ctr" defTabSz="457200" rtl="0" eaLnBrk="1" fontAlgn="auto" latinLnBrk="0" hangingPunct="1">
@@ -3953,102 +3757,23 @@
               <a:defRPr/>
             </a:pPr>
             <a:r>
-              <a:rPr kumimoji="0" lang="en-US" altLang="ko-KR" sz="1800" b="0" i="0" u="none" strike="noStrike" kern="1200" cap="none" spc="0" normalizeH="0" baseline="0" noProof="0">
-                <a:ln>
-                  <a:noFill/>
-                </a:ln>
-                <a:solidFill>
-                  <a:prstClr val="white"/>
+              <a:rPr kumimoji="0" lang="en-US" altLang="ko-KR" sz="1200" b="0" i="0" u="none" strike="noStrike" kern="1200" cap="none" spc="0" normalizeH="0" baseline="0" noProof="0" dirty="0">
+                <a:ln>
+                  <a:noFill/>
+                </a:ln>
+                <a:solidFill>
+                  <a:prstClr val="black"/>
                 </a:solidFill>
                 <a:effectLst/>
                 <a:uLnTx/>
                 <a:uFillTx/>
-                <a:latin typeface="Calibri" panose="020F0502020204030204"/>
-                <a:ea typeface="맑은 고딕" panose="020B0503020000020004" pitchFamily="50" charset="-127"/>
-                <a:cs typeface="+mn-cs"/>
-              </a:rPr>
-              <a:t>92.7deg,#32bf61 -1.37%,#3f64f7 90%</a:t>
-            </a:r>
-            <a:endParaRPr kumimoji="0" lang="ko-KR" altLang="en-US" sz="1800" b="0" i="0" u="none" strike="noStrike" kern="1200" cap="none" spc="0" normalizeH="0" baseline="0" noProof="0">
-              <a:ln>
-                <a:noFill/>
-              </a:ln>
-              <a:solidFill>
-                <a:prstClr val="white"/>
-              </a:solidFill>
-              <a:effectLst/>
-              <a:uLnTx/>
-              <a:uFillTx/>
-              <a:latin typeface="Calibri" panose="020F0502020204030204"/>
-              <a:ea typeface="맑은 고딕" panose="020B0503020000020004" pitchFamily="50" charset="-127"/>
-              <a:cs typeface="+mn-cs"/>
-            </a:endParaRPr>
-          </a:p>
-        </p:txBody>
-      </p:sp>
-      <p:sp>
-        <p:nvSpPr>
-          <p:cNvPr id="13" name="타원 12">
-            <a:extLst>
-              <a:ext uri="{FF2B5EF4-FFF2-40B4-BE49-F238E27FC236}">
-                <a16:creationId xmlns:a16="http://schemas.microsoft.com/office/drawing/2014/main" id="{C0E5905A-2B72-8E40-DF46-1ABC13012A2B}"/>
-              </a:ext>
-            </a:extLst>
-          </p:cNvPr>
-          <p:cNvSpPr/>
-          <p:nvPr/>
-        </p:nvSpPr>
-        <p:spPr>
-          <a:xfrm>
-            <a:off x="5983938" y="1218099"/>
-            <a:ext cx="726146" cy="726146"/>
-          </a:xfrm>
-          <a:prstGeom prst="ellipse">
-            <a:avLst/>
-          </a:prstGeom>
-          <a:gradFill>
-            <a:gsLst>
-              <a:gs pos="45000">
-                <a:srgbClr val="B1B1B1">
-                  <a:alpha val="0"/>
-                </a:srgbClr>
-              </a:gs>
-              <a:gs pos="0">
-                <a:schemeClr val="bg1">
-                  <a:lumMod val="85000"/>
-                </a:schemeClr>
-              </a:gs>
-              <a:gs pos="100000">
-                <a:schemeClr val="bg1">
-                  <a:lumMod val="50000"/>
-                </a:schemeClr>
-              </a:gs>
-            </a:gsLst>
-            <a:lin ang="5400000" scaled="1"/>
-          </a:gradFill>
-          <a:ln>
-            <a:noFill/>
-          </a:ln>
-        </p:spPr>
-        <p:style>
-          <a:lnRef idx="2">
-            <a:schemeClr val="accent1">
-              <a:shade val="50000"/>
-            </a:schemeClr>
-          </a:lnRef>
-          <a:fillRef idx="1">
-            <a:schemeClr val="accent1"/>
-          </a:fillRef>
-          <a:effectRef idx="0">
-            <a:schemeClr val="accent1"/>
-          </a:effectRef>
-          <a:fontRef idx="minor">
-            <a:schemeClr val="lt1"/>
-          </a:fontRef>
-        </p:style>
-        <p:txBody>
-          <a:bodyPr rtlCol="0" anchor="ctr"/>
-          <a:lstStyle/>
+                <a:latin typeface="나눔스퀘어 Bold" panose="020B0600000101010101" pitchFamily="50" charset="-127"/>
+                <a:ea typeface="나눔스퀘어 Bold" panose="020B0600000101010101" pitchFamily="50" charset="-127"/>
+                <a:cs typeface="+mn-cs"/>
+              </a:rPr>
+              <a:t>Time</a:t>
+            </a:r>
+          </a:p>
           <a:p>
             <a:pPr marL="0" marR="0" lvl="0" indent="0" algn="ctr" defTabSz="457200" rtl="0" eaLnBrk="1" fontAlgn="auto" latinLnBrk="0" hangingPunct="1">
               <a:lnSpc>
@@ -4067,18 +3792,35 @@
               <a:tabLst/>
               <a:defRPr/>
             </a:pPr>
-            <a:endParaRPr kumimoji="0" lang="ko-KR" altLang="en-US" sz="1800" b="0" i="0" u="none" strike="noStrike" kern="1200" cap="none" spc="0" normalizeH="0" baseline="0" noProof="0">
+            <a:r>
+              <a:rPr kumimoji="0" lang="en-US" altLang="ko-KR" sz="1200" b="0" i="0" u="none" strike="noStrike" kern="1200" cap="none" spc="0" normalizeH="0" baseline="0" noProof="0" dirty="0">
+                <a:ln>
+                  <a:noFill/>
+                </a:ln>
+                <a:solidFill>
+                  <a:prstClr val="black"/>
+                </a:solidFill>
+                <a:effectLst/>
+                <a:uLnTx/>
+                <a:uFillTx/>
+                <a:latin typeface="나눔스퀘어 Bold" panose="020B0600000101010101" pitchFamily="50" charset="-127"/>
+                <a:ea typeface="나눔스퀘어 Bold" panose="020B0600000101010101" pitchFamily="50" charset="-127"/>
+                <a:cs typeface="+mn-cs"/>
+              </a:rPr>
+              <a:t>Table</a:t>
+            </a:r>
+            <a:endParaRPr kumimoji="0" lang="ko-KR" altLang="en-US" sz="1200" b="0" i="0" u="none" strike="noStrike" kern="1200" cap="none" spc="0" normalizeH="0" baseline="0" noProof="0" dirty="0">
               <a:ln>
                 <a:noFill/>
               </a:ln>
               <a:solidFill>
-                <a:prstClr val="white"/>
+                <a:prstClr val="black"/>
               </a:solidFill>
               <a:effectLst/>
               <a:uLnTx/>
               <a:uFillTx/>
-              <a:latin typeface="Calibri" panose="020F0502020204030204"/>
-              <a:ea typeface="맑은 고딕" panose="020B0503020000020004" pitchFamily="50" charset="-127"/>
+              <a:latin typeface="나눔스퀘어 Bold" panose="020B0600000101010101" pitchFamily="50" charset="-127"/>
+              <a:ea typeface="나눔스퀘어 Bold" panose="020B0600000101010101" pitchFamily="50" charset="-127"/>
               <a:cs typeface="+mn-cs"/>
             </a:endParaRPr>
           </a:p>
@@ -4086,550 +3828,10 @@
       </p:sp>
       <p:sp>
         <p:nvSpPr>
-          <p:cNvPr id="18" name="TextBox 17">
+          <p:cNvPr id="7" name="사각형: 둥근 모서리 6">
             <a:extLst>
               <a:ext uri="{FF2B5EF4-FFF2-40B4-BE49-F238E27FC236}">
-                <a16:creationId xmlns:a16="http://schemas.microsoft.com/office/drawing/2014/main" id="{917C1AC4-32D4-9496-8D4F-36479F9D840C}"/>
-              </a:ext>
-            </a:extLst>
-          </p:cNvPr>
-          <p:cNvSpPr txBox="1"/>
-          <p:nvPr/>
-        </p:nvSpPr>
-        <p:spPr>
-          <a:xfrm>
-            <a:off x="336178" y="1236780"/>
-            <a:ext cx="2210862" cy="923330"/>
-          </a:xfrm>
-          <a:prstGeom prst="rect">
-            <a:avLst/>
-          </a:prstGeom>
-          <a:noFill/>
-        </p:spPr>
-        <p:txBody>
-          <a:bodyPr wrap="none" rtlCol="0">
-            <a:spAutoFit/>
-          </a:bodyPr>
-          <a:lstStyle/>
-          <a:p>
-            <a:pPr marL="0" marR="0" lvl="0" indent="0" algn="l" defTabSz="457200" rtl="0" eaLnBrk="1" fontAlgn="auto" latinLnBrk="0" hangingPunct="1">
-              <a:lnSpc>
-                <a:spcPct val="100000"/>
-              </a:lnSpc>
-              <a:spcBef>
-                <a:spcPts val="0"/>
-              </a:spcBef>
-              <a:spcAft>
-                <a:spcPts val="0"/>
-              </a:spcAft>
-              <a:buClrTx/>
-              <a:buSzTx/>
-              <a:buFontTx/>
-              <a:buNone/>
-              <a:tabLst/>
-              <a:defRPr/>
-            </a:pPr>
-            <a:r>
-              <a:rPr kumimoji="0" lang="en-US" altLang="ko-KR" sz="5400" b="0" i="0" u="none" strike="noStrike" kern="1200" cap="none" spc="0" normalizeH="0" baseline="0" noProof="0" dirty="0">
-                <a:ln>
-                  <a:noFill/>
-                </a:ln>
-                <a:gradFill>
-                  <a:gsLst>
-                    <a:gs pos="45000">
-                      <a:srgbClr val="B1B1B1">
-                        <a:alpha val="98000"/>
-                      </a:srgbClr>
-                    </a:gs>
-                    <a:gs pos="0">
-                      <a:prstClr val="white">
-                        <a:lumMod val="85000"/>
-                      </a:prstClr>
-                    </a:gs>
-                    <a:gs pos="100000">
-                      <a:prstClr val="white">
-                        <a:lumMod val="50000"/>
-                      </a:prstClr>
-                    </a:gs>
-                  </a:gsLst>
-                  <a:lin ang="5400000" scaled="1"/>
-                </a:gradFill>
-                <a:effectLst/>
-                <a:uLnTx/>
-                <a:uFillTx/>
-                <a:latin typeface="타이포_쌍문동 B" panose="02020803020101020101" pitchFamily="18" charset="-127"/>
-                <a:ea typeface="타이포_쌍문동 B" panose="02020803020101020101" pitchFamily="18" charset="-127"/>
-                <a:cs typeface="+mn-cs"/>
-              </a:rPr>
-              <a:t>2022</a:t>
-            </a:r>
-          </a:p>
-        </p:txBody>
-      </p:sp>
-      <p:sp>
-        <p:nvSpPr>
-          <p:cNvPr id="19" name="TextBox 18">
-            <a:extLst>
-              <a:ext uri="{FF2B5EF4-FFF2-40B4-BE49-F238E27FC236}">
-                <a16:creationId xmlns:a16="http://schemas.microsoft.com/office/drawing/2014/main" id="{F4394053-4B21-456C-FEA9-B977BDEAFD8A}"/>
-              </a:ext>
-            </a:extLst>
-          </p:cNvPr>
-          <p:cNvSpPr txBox="1"/>
-          <p:nvPr/>
-        </p:nvSpPr>
-        <p:spPr>
-          <a:xfrm>
-            <a:off x="336178" y="2111226"/>
-            <a:ext cx="2954655" cy="923330"/>
-          </a:xfrm>
-          <a:prstGeom prst="rect">
-            <a:avLst/>
-          </a:prstGeom>
-          <a:noFill/>
-        </p:spPr>
-        <p:txBody>
-          <a:bodyPr wrap="none" rtlCol="0">
-            <a:spAutoFit/>
-          </a:bodyPr>
-          <a:lstStyle/>
-          <a:p>
-            <a:pPr marL="0" marR="0" lvl="0" indent="0" algn="l" defTabSz="457200" rtl="0" eaLnBrk="1" fontAlgn="auto" latinLnBrk="0" hangingPunct="1">
-              <a:lnSpc>
-                <a:spcPct val="100000"/>
-              </a:lnSpc>
-              <a:spcBef>
-                <a:spcPts val="0"/>
-              </a:spcBef>
-              <a:spcAft>
-                <a:spcPts val="0"/>
-              </a:spcAft>
-              <a:buClrTx/>
-              <a:buSzTx/>
-              <a:buFontTx/>
-              <a:buNone/>
-              <a:tabLst/>
-              <a:defRPr/>
-            </a:pPr>
-            <a:r>
-              <a:rPr kumimoji="0" lang="ko-KR" altLang="en-US" sz="5400" b="0" i="0" u="none" strike="noStrike" kern="1200" cap="none" spc="0" normalizeH="0" baseline="0" noProof="0" dirty="0" err="1">
-                <a:ln>
-                  <a:noFill/>
-                </a:ln>
-                <a:gradFill>
-                  <a:gsLst>
-                    <a:gs pos="45000">
-                      <a:srgbClr val="B1B1B1">
-                        <a:alpha val="98000"/>
-                      </a:srgbClr>
-                    </a:gs>
-                    <a:gs pos="0">
-                      <a:prstClr val="white">
-                        <a:lumMod val="85000"/>
-                      </a:prstClr>
-                    </a:gs>
-                    <a:gs pos="100000">
-                      <a:prstClr val="white">
-                        <a:lumMod val="50000"/>
-                      </a:prstClr>
-                    </a:gs>
-                  </a:gsLst>
-                  <a:lin ang="5400000" scaled="1"/>
-                </a:gradFill>
-                <a:effectLst/>
-                <a:uLnTx/>
-                <a:uFillTx/>
-                <a:latin typeface="타이포_쌍문동 B" panose="02020803020101020101" pitchFamily="18" charset="-127"/>
-                <a:ea typeface="타이포_쌍문동 B" panose="02020803020101020101" pitchFamily="18" charset="-127"/>
-                <a:cs typeface="+mn-cs"/>
-              </a:rPr>
-              <a:t>지금그때</a:t>
-            </a:r>
-            <a:endParaRPr kumimoji="0" lang="en-US" altLang="ko-KR" sz="5400" b="0" i="0" u="none" strike="noStrike" kern="1200" cap="none" spc="0" normalizeH="0" baseline="0" noProof="0" dirty="0">
-              <a:ln>
-                <a:noFill/>
-              </a:ln>
-              <a:gradFill>
-                <a:gsLst>
-                  <a:gs pos="45000">
-                    <a:srgbClr val="B1B1B1">
-                      <a:alpha val="98000"/>
-                    </a:srgbClr>
-                  </a:gs>
-                  <a:gs pos="0">
-                    <a:prstClr val="white">
-                      <a:lumMod val="85000"/>
-                    </a:prstClr>
-                  </a:gs>
-                  <a:gs pos="100000">
-                    <a:prstClr val="white">
-                      <a:lumMod val="50000"/>
-                    </a:prstClr>
-                  </a:gs>
-                </a:gsLst>
-                <a:lin ang="5400000" scaled="1"/>
-              </a:gradFill>
-              <a:effectLst/>
-              <a:uLnTx/>
-              <a:uFillTx/>
-              <a:latin typeface="타이포_쌍문동 B" panose="02020803020101020101" pitchFamily="18" charset="-127"/>
-              <a:ea typeface="타이포_쌍문동 B" panose="02020803020101020101" pitchFamily="18" charset="-127"/>
-              <a:cs typeface="+mn-cs"/>
-            </a:endParaRPr>
-          </a:p>
-        </p:txBody>
-      </p:sp>
-      <p:sp>
-        <p:nvSpPr>
-          <p:cNvPr id="20" name="TextBox 19">
-            <a:extLst>
-              <a:ext uri="{FF2B5EF4-FFF2-40B4-BE49-F238E27FC236}">
-                <a16:creationId xmlns:a16="http://schemas.microsoft.com/office/drawing/2014/main" id="{C68B40F4-AA60-594B-BBFF-47F804EF609E}"/>
-              </a:ext>
-            </a:extLst>
-          </p:cNvPr>
-          <p:cNvSpPr txBox="1"/>
-          <p:nvPr/>
-        </p:nvSpPr>
-        <p:spPr>
-          <a:xfrm>
-            <a:off x="3040189" y="1344502"/>
-            <a:ext cx="1534394" cy="400110"/>
-          </a:xfrm>
-          <a:prstGeom prst="rect">
-            <a:avLst/>
-          </a:prstGeom>
-          <a:noFill/>
-        </p:spPr>
-        <p:txBody>
-          <a:bodyPr wrap="none" rtlCol="0">
-            <a:spAutoFit/>
-          </a:bodyPr>
-          <a:lstStyle/>
-          <a:p>
-            <a:pPr marL="0" marR="0" lvl="0" indent="0" algn="r" defTabSz="457200" rtl="0" eaLnBrk="1" fontAlgn="auto" latinLnBrk="0" hangingPunct="1">
-              <a:lnSpc>
-                <a:spcPct val="100000"/>
-              </a:lnSpc>
-              <a:spcBef>
-                <a:spcPts val="0"/>
-              </a:spcBef>
-              <a:spcAft>
-                <a:spcPts val="0"/>
-              </a:spcAft>
-              <a:buClrTx/>
-              <a:buSzTx/>
-              <a:buFontTx/>
-              <a:buNone/>
-              <a:tabLst/>
-              <a:defRPr/>
-            </a:pPr>
-            <a:r>
-              <a:rPr kumimoji="0" lang="en-US" altLang="ko-KR" sz="2000" b="0" i="0" u="none" strike="noStrike" kern="1200" cap="none" spc="0" normalizeH="0" baseline="0" noProof="0" dirty="0">
-                <a:ln>
-                  <a:noFill/>
-                </a:ln>
-                <a:gradFill>
-                  <a:gsLst>
-                    <a:gs pos="45000">
-                      <a:srgbClr val="B1B1B1">
-                        <a:alpha val="98000"/>
-                      </a:srgbClr>
-                    </a:gs>
-                    <a:gs pos="0">
-                      <a:prstClr val="white">
-                        <a:lumMod val="85000"/>
-                      </a:prstClr>
-                    </a:gs>
-                    <a:gs pos="100000">
-                      <a:prstClr val="white">
-                        <a:lumMod val="50000"/>
-                      </a:prstClr>
-                    </a:gs>
-                  </a:gsLst>
-                  <a:lin ang="5400000" scaled="1"/>
-                </a:gradFill>
-                <a:effectLst/>
-                <a:uLnTx/>
-                <a:uFillTx/>
-                <a:latin typeface="타이포_쌍문동 B" panose="02020803020101020101" pitchFamily="18" charset="-127"/>
-                <a:ea typeface="타이포_쌍문동 B" panose="02020803020101020101" pitchFamily="18" charset="-127"/>
-                <a:cs typeface="+mn-cs"/>
-              </a:rPr>
-              <a:t>11.26 (</a:t>
-            </a:r>
-            <a:r>
-              <a:rPr kumimoji="0" lang="ko-KR" altLang="en-US" sz="2000" b="0" i="0" u="none" strike="noStrike" kern="1200" cap="none" spc="0" normalizeH="0" baseline="0" noProof="0" dirty="0">
-                <a:ln>
-                  <a:noFill/>
-                </a:ln>
-                <a:gradFill>
-                  <a:gsLst>
-                    <a:gs pos="45000">
-                      <a:srgbClr val="B1B1B1">
-                        <a:alpha val="98000"/>
-                      </a:srgbClr>
-                    </a:gs>
-                    <a:gs pos="0">
-                      <a:prstClr val="white">
-                        <a:lumMod val="85000"/>
-                      </a:prstClr>
-                    </a:gs>
-                    <a:gs pos="100000">
-                      <a:prstClr val="white">
-                        <a:lumMod val="50000"/>
-                      </a:prstClr>
-                    </a:gs>
-                  </a:gsLst>
-                  <a:lin ang="5400000" scaled="1"/>
-                </a:gradFill>
-                <a:effectLst/>
-                <a:uLnTx/>
-                <a:uFillTx/>
-                <a:latin typeface="타이포_쌍문동 B" panose="02020803020101020101" pitchFamily="18" charset="-127"/>
-                <a:ea typeface="타이포_쌍문동 B" panose="02020803020101020101" pitchFamily="18" charset="-127"/>
-                <a:cs typeface="+mn-cs"/>
-              </a:rPr>
-              <a:t>토</a:t>
-            </a:r>
-            <a:r>
-              <a:rPr kumimoji="0" lang="en-US" altLang="ko-KR" sz="2000" b="0" i="0" u="none" strike="noStrike" kern="1200" cap="none" spc="0" normalizeH="0" baseline="0" noProof="0" dirty="0">
-                <a:ln>
-                  <a:noFill/>
-                </a:ln>
-                <a:gradFill>
-                  <a:gsLst>
-                    <a:gs pos="45000">
-                      <a:srgbClr val="B1B1B1">
-                        <a:alpha val="98000"/>
-                      </a:srgbClr>
-                    </a:gs>
-                    <a:gs pos="0">
-                      <a:prstClr val="white">
-                        <a:lumMod val="85000"/>
-                      </a:prstClr>
-                    </a:gs>
-                    <a:gs pos="100000">
-                      <a:prstClr val="white">
-                        <a:lumMod val="50000"/>
-                      </a:prstClr>
-                    </a:gs>
-                  </a:gsLst>
-                  <a:lin ang="5400000" scaled="1"/>
-                </a:gradFill>
-                <a:effectLst/>
-                <a:uLnTx/>
-                <a:uFillTx/>
-                <a:latin typeface="타이포_쌍문동 B" panose="02020803020101020101" pitchFamily="18" charset="-127"/>
-                <a:ea typeface="타이포_쌍문동 B" panose="02020803020101020101" pitchFamily="18" charset="-127"/>
-                <a:cs typeface="+mn-cs"/>
-              </a:rPr>
-              <a:t>)</a:t>
-            </a:r>
-          </a:p>
-        </p:txBody>
-      </p:sp>
-      <p:sp>
-        <p:nvSpPr>
-          <p:cNvPr id="21" name="TextBox 20">
-            <a:extLst>
-              <a:ext uri="{FF2B5EF4-FFF2-40B4-BE49-F238E27FC236}">
-                <a16:creationId xmlns:a16="http://schemas.microsoft.com/office/drawing/2014/main" id="{7EE71D6F-DDEE-ACCC-87D2-F95532063959}"/>
-              </a:ext>
-            </a:extLst>
-          </p:cNvPr>
-          <p:cNvSpPr txBox="1"/>
-          <p:nvPr/>
-        </p:nvSpPr>
-        <p:spPr>
-          <a:xfrm>
-            <a:off x="391081" y="991594"/>
-            <a:ext cx="2149291" cy="307777"/>
-          </a:xfrm>
-          <a:prstGeom prst="rect">
-            <a:avLst/>
-          </a:prstGeom>
-          <a:noFill/>
-        </p:spPr>
-        <p:txBody>
-          <a:bodyPr wrap="square" rtlCol="0">
-            <a:spAutoFit/>
-          </a:bodyPr>
-          <a:lstStyle/>
-          <a:p>
-            <a:pPr marL="0" marR="0" lvl="0" indent="0" algn="l" defTabSz="457200" rtl="0" eaLnBrk="1" fontAlgn="auto" latinLnBrk="0" hangingPunct="1">
-              <a:lnSpc>
-                <a:spcPct val="100000"/>
-              </a:lnSpc>
-              <a:spcBef>
-                <a:spcPts val="0"/>
-              </a:spcBef>
-              <a:spcAft>
-                <a:spcPts val="0"/>
-              </a:spcAft>
-              <a:buClrTx/>
-              <a:buSzTx/>
-              <a:buFontTx/>
-              <a:buNone/>
-              <a:tabLst/>
-              <a:defRPr/>
-            </a:pPr>
-            <a:r>
-              <a:rPr kumimoji="0" lang="en-US" altLang="ko-KR" sz="1400" b="0" i="0" u="none" strike="noStrike" kern="1200" cap="none" spc="0" normalizeH="0" baseline="0" noProof="0" dirty="0">
-                <a:ln>
-                  <a:noFill/>
-                </a:ln>
-                <a:solidFill>
-                  <a:prstClr val="black">
-                    <a:lumMod val="50000"/>
-                    <a:lumOff val="50000"/>
-                  </a:prstClr>
-                </a:solidFill>
-                <a:effectLst/>
-                <a:uLnTx/>
-                <a:uFillTx/>
-                <a:latin typeface="나눔스퀘어OTF_ac Bold" panose="020B0600000101010101" pitchFamily="34" charset="-127"/>
-                <a:ea typeface="나눔스퀘어OTF_ac Bold" panose="020B0600000101010101" pitchFamily="34" charset="-127"/>
-                <a:cs typeface="+mn-cs"/>
-              </a:rPr>
-              <a:t>ZP</a:t>
-            </a:r>
-            <a:r>
-              <a:rPr kumimoji="0" lang="ko-KR" altLang="en-US" sz="1400" b="0" i="0" u="none" strike="noStrike" kern="1200" cap="none" spc="0" normalizeH="0" baseline="0" noProof="0" dirty="0">
-                <a:ln>
-                  <a:noFill/>
-                </a:ln>
-                <a:solidFill>
-                  <a:prstClr val="black">
-                    <a:lumMod val="50000"/>
-                    <a:lumOff val="50000"/>
-                  </a:prstClr>
-                </a:solidFill>
-                <a:effectLst/>
-                <a:uLnTx/>
-                <a:uFillTx/>
-                <a:latin typeface="나눔스퀘어OTF_ac Bold" panose="020B0600000101010101" pitchFamily="34" charset="-127"/>
-                <a:ea typeface="나눔스퀘어OTF_ac Bold" panose="020B0600000101010101" pitchFamily="34" charset="-127"/>
-                <a:cs typeface="+mn-cs"/>
-              </a:rPr>
-              <a:t>가 모여 펼치는 코딩 축제</a:t>
-            </a:r>
-            <a:endParaRPr kumimoji="0" lang="en-US" altLang="ko-KR" sz="1400" b="0" i="0" u="none" strike="noStrike" kern="1200" cap="none" spc="0" normalizeH="0" baseline="0" noProof="0" dirty="0">
-              <a:ln>
-                <a:noFill/>
-              </a:ln>
-              <a:solidFill>
-                <a:prstClr val="black">
-                  <a:lumMod val="50000"/>
-                  <a:lumOff val="50000"/>
-                </a:prstClr>
-              </a:solidFill>
-              <a:effectLst/>
-              <a:uLnTx/>
-              <a:uFillTx/>
-              <a:latin typeface="나눔스퀘어OTF_ac Bold" panose="020B0600000101010101" pitchFamily="34" charset="-127"/>
-              <a:ea typeface="나눔스퀘어OTF_ac Bold" panose="020B0600000101010101" pitchFamily="34" charset="-127"/>
-              <a:cs typeface="+mn-cs"/>
-            </a:endParaRPr>
-          </a:p>
-        </p:txBody>
-      </p:sp>
-      <p:sp>
-        <p:nvSpPr>
-          <p:cNvPr id="33" name="TextBox 32">
-            <a:extLst>
-              <a:ext uri="{FF2B5EF4-FFF2-40B4-BE49-F238E27FC236}">
-                <a16:creationId xmlns:a16="http://schemas.microsoft.com/office/drawing/2014/main" id="{8F5B323C-A429-46A9-635A-4D972E003F42}"/>
-              </a:ext>
-            </a:extLst>
-          </p:cNvPr>
-          <p:cNvSpPr txBox="1"/>
-          <p:nvPr/>
-        </p:nvSpPr>
-        <p:spPr>
-          <a:xfrm>
-            <a:off x="336178" y="3143143"/>
-            <a:ext cx="6037678" cy="646331"/>
-          </a:xfrm>
-          <a:prstGeom prst="rect">
-            <a:avLst/>
-          </a:prstGeom>
-          <a:noFill/>
-        </p:spPr>
-        <p:txBody>
-          <a:bodyPr wrap="none" rtlCol="0">
-            <a:spAutoFit/>
-          </a:bodyPr>
-          <a:lstStyle/>
-          <a:p>
-            <a:pPr marL="0" marR="0" lvl="0" indent="0" algn="l" defTabSz="457200" rtl="0" eaLnBrk="1" fontAlgn="auto" latinLnBrk="0" hangingPunct="1">
-              <a:lnSpc>
-                <a:spcPct val="100000"/>
-              </a:lnSpc>
-              <a:spcBef>
-                <a:spcPts val="0"/>
-              </a:spcBef>
-              <a:spcAft>
-                <a:spcPts val="0"/>
-              </a:spcAft>
-              <a:buClrTx/>
-              <a:buSzTx/>
-              <a:buFontTx/>
-              <a:buNone/>
-              <a:tabLst/>
-              <a:defRPr/>
-            </a:pPr>
-            <a:r>
-              <a:rPr lang="en-US" altLang="ko-KR" sz="3600" dirty="0">
-                <a:gradFill flip="none" rotWithShape="1">
-                  <a:gsLst>
-                    <a:gs pos="0">
-                      <a:srgbClr val="32BF61"/>
-                    </a:gs>
-                    <a:gs pos="100000">
-                      <a:srgbClr val="3F64F7"/>
-                    </a:gs>
-                  </a:gsLst>
-                  <a:lin ang="0" scaled="1"/>
-                  <a:tileRect/>
-                </a:gradFill>
-                <a:latin typeface="타이포_쌍문동 B" panose="02020803020101020101" pitchFamily="18" charset="-127"/>
-                <a:ea typeface="타이포_쌍문동 B" panose="02020803020101020101" pitchFamily="18" charset="-127"/>
-              </a:rPr>
-              <a:t>Today, and at that time</a:t>
-            </a:r>
-            <a:endParaRPr kumimoji="0" lang="en-US" altLang="ko-KR" sz="3600" b="0" i="0" u="none" strike="noStrike" kern="1200" cap="none" spc="0" normalizeH="0" baseline="0" noProof="0" dirty="0">
-              <a:ln>
-                <a:noFill/>
-              </a:ln>
-              <a:gradFill flip="none" rotWithShape="1">
-                <a:gsLst>
-                  <a:gs pos="0">
-                    <a:srgbClr val="32BF61"/>
-                  </a:gs>
-                  <a:gs pos="100000">
-                    <a:srgbClr val="3F64F7"/>
-                  </a:gs>
-                </a:gsLst>
-                <a:lin ang="0" scaled="1"/>
-                <a:tileRect/>
-              </a:gradFill>
-              <a:effectLst/>
-              <a:uLnTx/>
-              <a:uFillTx/>
-              <a:latin typeface="타이포_쌍문동 B" panose="02020803020101020101" pitchFamily="18" charset="-127"/>
-              <a:ea typeface="타이포_쌍문동 B" panose="02020803020101020101" pitchFamily="18" charset="-127"/>
-              <a:cs typeface="+mn-cs"/>
-            </a:endParaRPr>
-          </a:p>
-        </p:txBody>
-      </p:sp>
-      <p:sp>
-        <p:nvSpPr>
-          <p:cNvPr id="6" name="사각형: 둥근 모서리 5">
-            <a:extLst>
-              <a:ext uri="{FF2B5EF4-FFF2-40B4-BE49-F238E27FC236}">
-                <a16:creationId xmlns:a16="http://schemas.microsoft.com/office/drawing/2014/main" id="{40AFB998-EBFA-F408-084D-023722E938AD}"/>
+                <a16:creationId xmlns:a16="http://schemas.microsoft.com/office/drawing/2014/main" id="{5E68DCCA-2E3E-EEBE-CDCD-1DBCC153CBCF}"/>
               </a:ext>
             </a:extLst>
           </p:cNvPr>
@@ -4638,8 +3840,8 @@
         </p:nvSpPr>
         <p:spPr>
           <a:xfrm>
-            <a:off x="391711" y="4021576"/>
-            <a:ext cx="945379" cy="473246"/>
+            <a:off x="391711" y="7331484"/>
+            <a:ext cx="945378" cy="294746"/>
           </a:xfrm>
           <a:prstGeom prst="roundRect">
             <a:avLst>
@@ -4647,7 +3849,7 @@
             </a:avLst>
           </a:prstGeom>
           <a:solidFill>
-            <a:srgbClr val="262626"/>
+            <a:srgbClr val="C3CFFD"/>
           </a:solidFill>
           <a:ln>
             <a:noFill/>
@@ -4696,7 +3898,7 @@
                   <a:noFill/>
                 </a:ln>
                 <a:solidFill>
-                  <a:prstClr val="white"/>
+                  <a:prstClr val="black"/>
                 </a:solidFill>
                 <a:effectLst/>
                 <a:uLnTx/>
@@ -4705,50 +3907,14 @@
                 <a:ea typeface="나눔스퀘어 Bold" panose="020B0600000101010101" pitchFamily="50" charset="-127"/>
                 <a:cs typeface="+mn-cs"/>
               </a:rPr>
-              <a:t>Time</a:t>
-            </a:r>
-          </a:p>
-          <a:p>
-            <a:pPr marL="0" marR="0" lvl="0" indent="0" algn="ctr" defTabSz="457200" rtl="0" eaLnBrk="1" fontAlgn="auto" latinLnBrk="0" hangingPunct="1">
-              <a:lnSpc>
-                <a:spcPct val="100000"/>
-              </a:lnSpc>
-              <a:spcBef>
-                <a:spcPts val="0"/>
-              </a:spcBef>
-              <a:spcAft>
-                <a:spcPts val="0"/>
-              </a:spcAft>
-              <a:buClrTx/>
-              <a:buSzTx/>
-              <a:buFontTx/>
-              <a:buNone/>
-              <a:tabLst/>
-              <a:defRPr/>
-            </a:pPr>
-            <a:r>
-              <a:rPr kumimoji="0" lang="en-US" altLang="ko-KR" sz="1200" b="0" i="0" u="none" strike="noStrike" kern="1200" cap="none" spc="0" normalizeH="0" baseline="0" noProof="0" dirty="0">
-                <a:ln>
-                  <a:noFill/>
-                </a:ln>
-                <a:solidFill>
-                  <a:prstClr val="white"/>
-                </a:solidFill>
-                <a:effectLst/>
-                <a:uLnTx/>
-                <a:uFillTx/>
-                <a:latin typeface="나눔스퀘어 Bold" panose="020B0600000101010101" pitchFamily="50" charset="-127"/>
-                <a:ea typeface="나눔스퀘어 Bold" panose="020B0600000101010101" pitchFamily="50" charset="-127"/>
-                <a:cs typeface="+mn-cs"/>
-              </a:rPr>
-              <a:t>Table</a:t>
+              <a:t>Who</a:t>
             </a:r>
             <a:endParaRPr kumimoji="0" lang="ko-KR" altLang="en-US" sz="1200" b="0" i="0" u="none" strike="noStrike" kern="1200" cap="none" spc="0" normalizeH="0" baseline="0" noProof="0" dirty="0">
               <a:ln>
                 <a:noFill/>
               </a:ln>
               <a:solidFill>
-                <a:prstClr val="white"/>
+                <a:prstClr val="black"/>
               </a:solidFill>
               <a:effectLst/>
               <a:uLnTx/>
@@ -4762,10 +3928,10 @@
       </p:sp>
       <p:sp>
         <p:nvSpPr>
-          <p:cNvPr id="7" name="사각형: 둥근 모서리 6">
+          <p:cNvPr id="8" name="사각형: 둥근 모서리 7">
             <a:extLst>
               <a:ext uri="{FF2B5EF4-FFF2-40B4-BE49-F238E27FC236}">
-                <a16:creationId xmlns:a16="http://schemas.microsoft.com/office/drawing/2014/main" id="{5E68DCCA-2E3E-EEBE-CDCD-1DBCC153CBCF}"/>
+                <a16:creationId xmlns:a16="http://schemas.microsoft.com/office/drawing/2014/main" id="{9FBC70C2-0065-A865-B43F-F89B7F116073}"/>
               </a:ext>
             </a:extLst>
           </p:cNvPr>
@@ -4774,8 +3940,8 @@
         </p:nvSpPr>
         <p:spPr>
           <a:xfrm>
-            <a:off x="391711" y="6112284"/>
-            <a:ext cx="945378" cy="294746"/>
+            <a:off x="391711" y="7806838"/>
+            <a:ext cx="945379" cy="473246"/>
           </a:xfrm>
           <a:prstGeom prst="roundRect">
             <a:avLst>
@@ -4783,7 +3949,7 @@
             </a:avLst>
           </a:prstGeom>
           <a:solidFill>
-            <a:srgbClr val="262626"/>
+            <a:srgbClr val="C3CFFD"/>
           </a:solidFill>
           <a:ln>
             <a:noFill/>
@@ -4832,7 +3998,7 @@
                   <a:noFill/>
                 </a:ln>
                 <a:solidFill>
-                  <a:prstClr val="white"/>
+                  <a:prstClr val="black"/>
                 </a:solidFill>
                 <a:effectLst/>
                 <a:uLnTx/>
@@ -4841,14 +4007,50 @@
                 <a:ea typeface="나눔스퀘어 Bold" panose="020B0600000101010101" pitchFamily="50" charset="-127"/>
                 <a:cs typeface="+mn-cs"/>
               </a:rPr>
-              <a:t>Who</a:t>
+              <a:t>When &amp;</a:t>
+            </a:r>
+          </a:p>
+          <a:p>
+            <a:pPr marL="0" marR="0" lvl="0" indent="0" algn="ctr" defTabSz="457200" rtl="0" eaLnBrk="1" fontAlgn="auto" latinLnBrk="0" hangingPunct="1">
+              <a:lnSpc>
+                <a:spcPct val="100000"/>
+              </a:lnSpc>
+              <a:spcBef>
+                <a:spcPts val="0"/>
+              </a:spcBef>
+              <a:spcAft>
+                <a:spcPts val="0"/>
+              </a:spcAft>
+              <a:buClrTx/>
+              <a:buSzTx/>
+              <a:buFontTx/>
+              <a:buNone/>
+              <a:tabLst/>
+              <a:defRPr/>
+            </a:pPr>
+            <a:r>
+              <a:rPr kumimoji="0" lang="en-US" altLang="ko-KR" sz="1200" b="0" i="0" u="none" strike="noStrike" kern="1200" cap="none" spc="0" normalizeH="0" baseline="0" noProof="0" dirty="0">
+                <a:ln>
+                  <a:noFill/>
+                </a:ln>
+                <a:solidFill>
+                  <a:prstClr val="black"/>
+                </a:solidFill>
+                <a:effectLst/>
+                <a:uLnTx/>
+                <a:uFillTx/>
+                <a:latin typeface="나눔스퀘어 Bold" panose="020B0600000101010101" pitchFamily="50" charset="-127"/>
+                <a:ea typeface="나눔스퀘어 Bold" panose="020B0600000101010101" pitchFamily="50" charset="-127"/>
+                <a:cs typeface="+mn-cs"/>
+              </a:rPr>
+              <a:t>Where</a:t>
             </a:r>
             <a:endParaRPr kumimoji="0" lang="ko-KR" altLang="en-US" sz="1200" b="0" i="0" u="none" strike="noStrike" kern="1200" cap="none" spc="0" normalizeH="0" baseline="0" noProof="0" dirty="0">
               <a:ln>
                 <a:noFill/>
               </a:ln>
               <a:solidFill>
-                <a:prstClr val="white"/>
+                <a:prstClr val="black"/>
               </a:solidFill>
               <a:effectLst/>
               <a:uLnTx/>
@@ -4862,10 +4064,10 @@
       </p:sp>
       <p:sp>
         <p:nvSpPr>
-          <p:cNvPr id="8" name="사각형: 둥근 모서리 7">
+          <p:cNvPr id="9" name="사각형: 둥근 모서리 8">
             <a:extLst>
               <a:ext uri="{FF2B5EF4-FFF2-40B4-BE49-F238E27FC236}">
-                <a16:creationId xmlns:a16="http://schemas.microsoft.com/office/drawing/2014/main" id="{9FBC70C2-0065-A865-B43F-F89B7F116073}"/>
+                <a16:creationId xmlns:a16="http://schemas.microsoft.com/office/drawing/2014/main" id="{F1F3F085-3703-0A3F-7B8A-652857D2B7B9}"/>
               </a:ext>
             </a:extLst>
           </p:cNvPr>
@@ -4874,8 +4076,8 @@
         </p:nvSpPr>
         <p:spPr>
           <a:xfrm>
-            <a:off x="391711" y="6587638"/>
-            <a:ext cx="945379" cy="473246"/>
+            <a:off x="391711" y="8563050"/>
+            <a:ext cx="945379" cy="291362"/>
           </a:xfrm>
           <a:prstGeom prst="roundRect">
             <a:avLst>
@@ -4883,7 +4085,7 @@
             </a:avLst>
           </a:prstGeom>
           <a:solidFill>
-            <a:srgbClr val="262626"/>
+            <a:srgbClr val="C3CFFD"/>
           </a:solidFill>
           <a:ln>
             <a:noFill/>
@@ -4932,7 +4134,7 @@
                   <a:noFill/>
                 </a:ln>
                 <a:solidFill>
-                  <a:prstClr val="white"/>
+                  <a:prstClr val="black"/>
                 </a:solidFill>
                 <a:effectLst/>
                 <a:uLnTx/>
@@ -4941,150 +4143,14 @@
                 <a:ea typeface="나눔스퀘어 Bold" panose="020B0600000101010101" pitchFamily="50" charset="-127"/>
                 <a:cs typeface="+mn-cs"/>
               </a:rPr>
-              <a:t>When &amp;</a:t>
-            </a:r>
-          </a:p>
-          <a:p>
-            <a:pPr marL="0" marR="0" lvl="0" indent="0" algn="ctr" defTabSz="457200" rtl="0" eaLnBrk="1" fontAlgn="auto" latinLnBrk="0" hangingPunct="1">
-              <a:lnSpc>
-                <a:spcPct val="100000"/>
-              </a:lnSpc>
-              <a:spcBef>
-                <a:spcPts val="0"/>
-              </a:spcBef>
-              <a:spcAft>
-                <a:spcPts val="0"/>
-              </a:spcAft>
-              <a:buClrTx/>
-              <a:buSzTx/>
-              <a:buFontTx/>
-              <a:buNone/>
-              <a:tabLst/>
-              <a:defRPr/>
-            </a:pPr>
-            <a:r>
-              <a:rPr kumimoji="0" lang="en-US" altLang="ko-KR" sz="1200" b="0" i="0" u="none" strike="noStrike" kern="1200" cap="none" spc="0" normalizeH="0" baseline="0" noProof="0" dirty="0">
-                <a:ln>
-                  <a:noFill/>
-                </a:ln>
-                <a:solidFill>
-                  <a:prstClr val="white"/>
-                </a:solidFill>
-                <a:effectLst/>
-                <a:uLnTx/>
-                <a:uFillTx/>
-                <a:latin typeface="나눔스퀘어 Bold" panose="020B0600000101010101" pitchFamily="50" charset="-127"/>
-                <a:ea typeface="나눔스퀘어 Bold" panose="020B0600000101010101" pitchFamily="50" charset="-127"/>
-                <a:cs typeface="+mn-cs"/>
-              </a:rPr>
-              <a:t>Where</a:t>
+              <a:t>What</a:t>
             </a:r>
             <a:endParaRPr kumimoji="0" lang="ko-KR" altLang="en-US" sz="1200" b="0" i="0" u="none" strike="noStrike" kern="1200" cap="none" spc="0" normalizeH="0" baseline="0" noProof="0" dirty="0">
               <a:ln>
                 <a:noFill/>
               </a:ln>
               <a:solidFill>
-                <a:prstClr val="white"/>
-              </a:solidFill>
-              <a:effectLst/>
-              <a:uLnTx/>
-              <a:uFillTx/>
-              <a:latin typeface="나눔스퀘어 Bold" panose="020B0600000101010101" pitchFamily="50" charset="-127"/>
-              <a:ea typeface="나눔스퀘어 Bold" panose="020B0600000101010101" pitchFamily="50" charset="-127"/>
-              <a:cs typeface="+mn-cs"/>
-            </a:endParaRPr>
-          </a:p>
-        </p:txBody>
-      </p:sp>
-      <p:sp>
-        <p:nvSpPr>
-          <p:cNvPr id="9" name="사각형: 둥근 모서리 8">
-            <a:extLst>
-              <a:ext uri="{FF2B5EF4-FFF2-40B4-BE49-F238E27FC236}">
-                <a16:creationId xmlns:a16="http://schemas.microsoft.com/office/drawing/2014/main" id="{F1F3F085-3703-0A3F-7B8A-652857D2B7B9}"/>
-              </a:ext>
-            </a:extLst>
-          </p:cNvPr>
-          <p:cNvSpPr/>
-          <p:nvPr/>
-        </p:nvSpPr>
-        <p:spPr>
-          <a:xfrm>
-            <a:off x="391711" y="7343850"/>
-            <a:ext cx="945379" cy="291362"/>
-          </a:xfrm>
-          <a:prstGeom prst="roundRect">
-            <a:avLst>
-              <a:gd name="adj" fmla="val 31161"/>
-            </a:avLst>
-          </a:prstGeom>
-          <a:solidFill>
-            <a:srgbClr val="262626"/>
-          </a:solidFill>
-          <a:ln>
-            <a:noFill/>
-          </a:ln>
-        </p:spPr>
-        <p:style>
-          <a:lnRef idx="2">
-            <a:schemeClr val="accent1">
-              <a:shade val="50000"/>
-            </a:schemeClr>
-          </a:lnRef>
-          <a:fillRef idx="1">
-            <a:schemeClr val="accent1"/>
-          </a:fillRef>
-          <a:effectRef idx="0">
-            <a:schemeClr val="accent1"/>
-          </a:effectRef>
-          <a:fontRef idx="minor">
-            <a:schemeClr val="lt1"/>
-          </a:fontRef>
-        </p:style>
-        <p:txBody>
-          <a:bodyPr rtlCol="0" anchor="ctr"/>
-          <a:lstStyle/>
-          <a:p>
-            <a:pPr marL="0" marR="0" lvl="0" indent="0" algn="ctr" defTabSz="457200" rtl="0" eaLnBrk="1" fontAlgn="auto" latinLnBrk="0" hangingPunct="1">
-              <a:lnSpc>
-                <a:spcPct val="100000"/>
-              </a:lnSpc>
-              <a:spcBef>
-                <a:spcPts val="0"/>
-              </a:spcBef>
-              <a:spcAft>
-                <a:spcPts val="0"/>
-              </a:spcAft>
-              <a:buClrTx/>
-              <a:buSzTx/>
-              <a:buFontTx/>
-              <a:buNone/>
-              <a:tabLst/>
-              <a:defRPr/>
-            </a:pPr>
-            <a:r>
-              <a:rPr kumimoji="0" lang="en-US" altLang="ko-KR" sz="1200" b="0" i="0" u="none" strike="noStrike" kern="1200" cap="none" spc="0" normalizeH="0" baseline="0" noProof="0" dirty="0">
-                <a:ln>
-                  <a:noFill/>
-                </a:ln>
-                <a:solidFill>
-                  <a:prstClr val="white"/>
-                </a:solidFill>
-                <a:effectLst/>
-                <a:uLnTx/>
-                <a:uFillTx/>
-                <a:latin typeface="나눔스퀘어 Bold" panose="020B0600000101010101" pitchFamily="50" charset="-127"/>
-                <a:ea typeface="나눔스퀘어 Bold" panose="020B0600000101010101" pitchFamily="50" charset="-127"/>
-                <a:cs typeface="+mn-cs"/>
-              </a:rPr>
-              <a:t>What</a:t>
-            </a:r>
-            <a:endParaRPr kumimoji="0" lang="ko-KR" altLang="en-US" sz="1200" b="0" i="0" u="none" strike="noStrike" kern="1200" cap="none" spc="0" normalizeH="0" baseline="0" noProof="0" dirty="0">
-              <a:ln>
-                <a:noFill/>
-              </a:ln>
-              <a:solidFill>
-                <a:prstClr val="white"/>
+                <a:prstClr val="black"/>
               </a:solidFill>
               <a:effectLst/>
               <a:uLnTx/>
@@ -5110,7 +4176,7 @@
         </p:nvSpPr>
         <p:spPr>
           <a:xfrm>
-            <a:off x="1692007" y="6112284"/>
+            <a:off x="1692007" y="7331484"/>
             <a:ext cx="3726818" cy="292388"/>
           </a:xfrm>
           <a:prstGeom prst="rect">
@@ -5147,13 +4213,14 @@
                   <a:noFill/>
                 </a:ln>
                 <a:solidFill>
-                  <a:prstClr val="black"/>
+                  <a:prstClr val="white"/>
                 </a:solidFill>
                 <a:effectLst/>
                 <a:uLnTx/>
                 <a:uFillTx/>
                 <a:latin typeface="나눔스퀘어" panose="020B0600000101010101" pitchFamily="50" charset="-127"/>
                 <a:ea typeface="나눔스퀘어" panose="020B0600000101010101" pitchFamily="50" charset="-127"/>
+                <a:cs typeface="+mn-cs"/>
               </a:rPr>
               <a:t>ZeroPage</a:t>
             </a:r>
@@ -5163,13 +4230,14 @@
                   <a:noFill/>
                 </a:ln>
                 <a:solidFill>
-                  <a:prstClr val="black"/>
+                  <a:prstClr val="white"/>
                 </a:solidFill>
                 <a:effectLst/>
                 <a:uLnTx/>
                 <a:uFillTx/>
                 <a:latin typeface="나눔스퀘어" panose="020B0600000101010101" pitchFamily="50" charset="-127"/>
                 <a:ea typeface="나눔스퀘어" panose="020B0600000101010101" pitchFamily="50" charset="-127"/>
+                <a:cs typeface="+mn-cs"/>
               </a:rPr>
               <a:t> </a:t>
             </a:r>
@@ -5179,13 +4247,14 @@
                   <a:noFill/>
                 </a:ln>
                 <a:solidFill>
-                  <a:prstClr val="black"/>
+                  <a:prstClr val="white"/>
                 </a:solidFill>
                 <a:effectLst/>
                 <a:uLnTx/>
                 <a:uFillTx/>
                 <a:latin typeface="나눔스퀘어" panose="020B0600000101010101" pitchFamily="50" charset="-127"/>
                 <a:ea typeface="나눔스퀘어" panose="020B0600000101010101" pitchFamily="50" charset="-127"/>
+                <a:cs typeface="+mn-cs"/>
               </a:rPr>
               <a:t>회원이라면 누구나 참석 가능합니다</a:t>
             </a:r>
@@ -5195,13 +4264,14 @@
                   <a:noFill/>
                 </a:ln>
                 <a:solidFill>
-                  <a:prstClr val="black"/>
+                  <a:prstClr val="white"/>
                 </a:solidFill>
                 <a:effectLst/>
                 <a:uLnTx/>
                 <a:uFillTx/>
                 <a:latin typeface="나눔스퀘어" panose="020B0600000101010101" pitchFamily="50" charset="-127"/>
                 <a:ea typeface="나눔스퀘어" panose="020B0600000101010101" pitchFamily="50" charset="-127"/>
+                <a:cs typeface="+mn-cs"/>
               </a:rPr>
               <a:t>!</a:t>
             </a:r>
@@ -5210,13 +4280,14 @@
                 <a:noFill/>
               </a:ln>
               <a:solidFill>
-                <a:prstClr val="black"/>
+                <a:prstClr val="white"/>
               </a:solidFill>
               <a:effectLst/>
               <a:uLnTx/>
               <a:uFillTx/>
               <a:latin typeface="나눔스퀘어" panose="020B0600000101010101" pitchFamily="50" charset="-127"/>
               <a:ea typeface="나눔스퀘어" panose="020B0600000101010101" pitchFamily="50" charset="-127"/>
+              <a:cs typeface="+mn-cs"/>
             </a:endParaRPr>
           </a:p>
         </p:txBody>
@@ -5235,7 +4306,7 @@
         </p:nvSpPr>
         <p:spPr>
           <a:xfrm>
-            <a:off x="1692007" y="6492440"/>
+            <a:off x="1692007" y="7711640"/>
             <a:ext cx="4312103" cy="663643"/>
           </a:xfrm>
           <a:prstGeom prst="rect">
@@ -5272,13 +4343,14 @@
                   <a:noFill/>
                 </a:ln>
                 <a:solidFill>
-                  <a:prstClr val="black"/>
+                  <a:prstClr val="white"/>
                 </a:solidFill>
                 <a:effectLst/>
                 <a:uLnTx/>
                 <a:uFillTx/>
                 <a:latin typeface="나눔스퀘어" panose="020B0600000101010101" pitchFamily="50" charset="-127"/>
                 <a:ea typeface="나눔스퀘어" panose="020B0600000101010101" pitchFamily="50" charset="-127"/>
+                <a:cs typeface="+mn-cs"/>
               </a:rPr>
               <a:t>11</a:t>
             </a:r>
@@ -5288,13 +4360,14 @@
                   <a:noFill/>
                 </a:ln>
                 <a:solidFill>
-                  <a:prstClr val="black"/>
+                  <a:prstClr val="white"/>
                 </a:solidFill>
                 <a:effectLst/>
                 <a:uLnTx/>
                 <a:uFillTx/>
                 <a:latin typeface="나눔스퀘어" panose="020B0600000101010101" pitchFamily="50" charset="-127"/>
                 <a:ea typeface="나눔스퀘어" panose="020B0600000101010101" pitchFamily="50" charset="-127"/>
+                <a:cs typeface="+mn-cs"/>
               </a:rPr>
               <a:t>월 </a:t>
             </a:r>
@@ -5304,13 +4377,14 @@
                   <a:noFill/>
                 </a:ln>
                 <a:solidFill>
-                  <a:prstClr val="black"/>
+                  <a:prstClr val="white"/>
                 </a:solidFill>
                 <a:effectLst/>
                 <a:uLnTx/>
                 <a:uFillTx/>
                 <a:latin typeface="나눔스퀘어" panose="020B0600000101010101" pitchFamily="50" charset="-127"/>
                 <a:ea typeface="나눔스퀘어" panose="020B0600000101010101" pitchFamily="50" charset="-127"/>
+                <a:cs typeface="+mn-cs"/>
               </a:rPr>
               <a:t>26</a:t>
             </a:r>
@@ -5320,22 +4394,64 @@
                   <a:noFill/>
                 </a:ln>
                 <a:solidFill>
-                  <a:prstClr val="black"/>
+                  <a:prstClr val="white"/>
                 </a:solidFill>
                 <a:effectLst/>
                 <a:uLnTx/>
                 <a:uFillTx/>
                 <a:latin typeface="나눔스퀘어" panose="020B0600000101010101" pitchFamily="50" charset="-127"/>
                 <a:ea typeface="나눔스퀘어" panose="020B0600000101010101" pitchFamily="50" charset="-127"/>
-              </a:rPr>
-              <a:t>일 토요일</a:t>
-            </a:r>
-            <a:endParaRPr lang="en-US" altLang="ko-KR" sz="1300" dirty="0">
+                <a:cs typeface="+mn-cs"/>
+              </a:rPr>
+              <a:t>일 토요일 오후 </a:t>
+            </a:r>
+            <a:r>
+              <a:rPr kumimoji="0" lang="en-US" altLang="ko-KR" sz="1300" b="0" i="0" u="none" strike="noStrike" kern="1200" cap="none" spc="0" normalizeH="0" baseline="0" noProof="0" dirty="0">
+                <a:ln>
+                  <a:noFill/>
+                </a:ln>
+                <a:solidFill>
+                  <a:prstClr val="white"/>
+                </a:solidFill>
+                <a:effectLst/>
+                <a:uLnTx/>
+                <a:uFillTx/>
+                <a:latin typeface="나눔스퀘어" panose="020B0600000101010101" pitchFamily="50" charset="-127"/>
+                <a:ea typeface="나눔스퀘어" panose="020B0600000101010101" pitchFamily="50" charset="-127"/>
+                <a:cs typeface="+mn-cs"/>
+              </a:rPr>
+              <a:t>2</a:t>
+            </a:r>
+            <a:r>
+              <a:rPr kumimoji="0" lang="ko-KR" altLang="en-US" sz="1300" b="0" i="0" u="none" strike="noStrike" kern="1200" cap="none" spc="0" normalizeH="0" baseline="0" noProof="0" dirty="0">
+                <a:ln>
+                  <a:noFill/>
+                </a:ln>
+                <a:solidFill>
+                  <a:prstClr val="white"/>
+                </a:solidFill>
+                <a:effectLst/>
+                <a:uLnTx/>
+                <a:uFillTx/>
+                <a:latin typeface="나눔스퀘어" panose="020B0600000101010101" pitchFamily="50" charset="-127"/>
+                <a:ea typeface="나눔스퀘어" panose="020B0600000101010101" pitchFamily="50" charset="-127"/>
+                <a:cs typeface="+mn-cs"/>
+              </a:rPr>
+              <a:t>시</a:t>
+            </a:r>
+            <a:endParaRPr kumimoji="0" lang="en-US" altLang="ko-KR" sz="1300" b="0" i="0" u="none" strike="noStrike" kern="1200" cap="none" spc="0" normalizeH="0" baseline="0" noProof="0" dirty="0">
+              <a:ln>
+                <a:noFill/>
+              </a:ln>
               <a:solidFill>
-                <a:prstClr val="black"/>
+                <a:prstClr val="white"/>
               </a:solidFill>
+              <a:effectLst/>
+              <a:uLnTx/>
+              <a:uFillTx/>
               <a:latin typeface="나눔스퀘어" panose="020B0600000101010101" pitchFamily="50" charset="-127"/>
               <a:ea typeface="나눔스퀘어" panose="020B0600000101010101" pitchFamily="50" charset="-127"/>
+              <a:cs typeface="+mn-cs"/>
             </a:endParaRPr>
           </a:p>
           <a:p>
@@ -5362,15 +4478,84 @@
                   <a:noFill/>
                 </a:ln>
                 <a:solidFill>
-                  <a:prstClr val="black"/>
+                  <a:prstClr val="white"/>
                 </a:solidFill>
                 <a:effectLst/>
                 <a:uLnTx/>
                 <a:uFillTx/>
                 <a:latin typeface="나눔스퀘어" panose="020B0600000101010101" pitchFamily="50" charset="-127"/>
                 <a:ea typeface="나눔스퀘어" panose="020B0600000101010101" pitchFamily="50" charset="-127"/>
-              </a:rPr>
-              <a:t>중앙대학교 강의실</a:t>
+                <a:cs typeface="+mn-cs"/>
+              </a:rPr>
+              <a:t>중앙대학교 </a:t>
+            </a:r>
+            <a:r>
+              <a:rPr kumimoji="0" lang="en-US" altLang="ko-KR" sz="1300" b="0" i="0" u="none" strike="noStrike" kern="1200" cap="none" spc="0" normalizeH="0" baseline="0" noProof="0" dirty="0">
+                <a:ln>
+                  <a:noFill/>
+                </a:ln>
+                <a:solidFill>
+                  <a:prstClr val="white"/>
+                </a:solidFill>
+                <a:effectLst/>
+                <a:uLnTx/>
+                <a:uFillTx/>
+                <a:latin typeface="나눔스퀘어" panose="020B0600000101010101" pitchFamily="50" charset="-127"/>
+                <a:ea typeface="나눔스퀘어" panose="020B0600000101010101" pitchFamily="50" charset="-127"/>
+                <a:cs typeface="+mn-cs"/>
+              </a:rPr>
+              <a:t>310</a:t>
+            </a:r>
+            <a:r>
+              <a:rPr kumimoji="0" lang="ko-KR" altLang="en-US" sz="1300" b="0" i="0" u="none" strike="noStrike" kern="1200" cap="none" spc="0" normalizeH="0" baseline="0" noProof="0" dirty="0">
+                <a:ln>
+                  <a:noFill/>
+                </a:ln>
+                <a:solidFill>
+                  <a:prstClr val="white"/>
+                </a:solidFill>
+                <a:effectLst/>
+                <a:uLnTx/>
+                <a:uFillTx/>
+                <a:latin typeface="나눔스퀘어" panose="020B0600000101010101" pitchFamily="50" charset="-127"/>
+                <a:ea typeface="나눔스퀘어" panose="020B0600000101010101" pitchFamily="50" charset="-127"/>
+                <a:cs typeface="+mn-cs"/>
+              </a:rPr>
+              <a:t>관 </a:t>
+            </a:r>
+            <a:r>
+              <a:rPr kumimoji="0" lang="en-US" altLang="ko-KR" sz="1300" b="0" i="0" u="none" strike="noStrike" kern="1200" cap="none" spc="0" normalizeH="0" baseline="0" noProof="0" dirty="0">
+                <a:ln>
+                  <a:noFill/>
+                </a:ln>
+                <a:solidFill>
+                  <a:prstClr val="white"/>
+                </a:solidFill>
+                <a:effectLst/>
+                <a:uLnTx/>
+                <a:uFillTx/>
+                <a:latin typeface="나눔스퀘어" panose="020B0600000101010101" pitchFamily="50" charset="-127"/>
+                <a:ea typeface="나눔스퀘어" panose="020B0600000101010101" pitchFamily="50" charset="-127"/>
+                <a:cs typeface="+mn-cs"/>
+              </a:rPr>
+              <a:t>B210</a:t>
+            </a:r>
+            <a:r>
+              <a:rPr kumimoji="0" lang="ko-KR" altLang="en-US" sz="1300" b="0" i="0" u="none" strike="noStrike" kern="1200" cap="none" spc="0" normalizeH="0" baseline="0" noProof="0" dirty="0">
+                <a:ln>
+                  <a:noFill/>
+                </a:ln>
+                <a:solidFill>
+                  <a:prstClr val="white"/>
+                </a:solidFill>
+                <a:effectLst/>
+                <a:uLnTx/>
+                <a:uFillTx/>
+                <a:latin typeface="나눔스퀘어" panose="020B0600000101010101" pitchFamily="50" charset="-127"/>
+                <a:ea typeface="나눔스퀘어" panose="020B0600000101010101" pitchFamily="50" charset="-127"/>
+                <a:cs typeface="+mn-cs"/>
+              </a:rPr>
+              <a:t>호</a:t>
             </a:r>
           </a:p>
         </p:txBody>
@@ -5389,7 +4574,7 @@
         </p:nvSpPr>
         <p:spPr>
           <a:xfrm>
-            <a:off x="1692007" y="7233910"/>
+            <a:off x="1692007" y="8453110"/>
             <a:ext cx="4124765" cy="663643"/>
           </a:xfrm>
           <a:prstGeom prst="rect">
@@ -5426,13 +4611,14 @@
                   <a:noFill/>
                 </a:ln>
                 <a:solidFill>
-                  <a:prstClr val="black"/>
+                  <a:prstClr val="white"/>
                 </a:solidFill>
                 <a:effectLst/>
                 <a:uLnTx/>
                 <a:uFillTx/>
                 <a:latin typeface="나눔스퀘어" panose="020B0600000101010101" pitchFamily="50" charset="-127"/>
                 <a:ea typeface="나눔스퀘어" panose="020B0600000101010101" pitchFamily="50" charset="-127"/>
+                <a:cs typeface="+mn-cs"/>
               </a:rPr>
               <a:t>재학생의 </a:t>
             </a:r>
@@ -5442,13 +4628,14 @@
                   <a:noFill/>
                 </a:ln>
                 <a:solidFill>
-                  <a:prstClr val="black"/>
+                  <a:prstClr val="white"/>
                 </a:solidFill>
                 <a:effectLst/>
                 <a:uLnTx/>
                 <a:uFillTx/>
                 <a:latin typeface="나눔스퀘어" panose="020B0600000101010101" pitchFamily="50" charset="-127"/>
                 <a:ea typeface="나눔스퀘어" panose="020B0600000101010101" pitchFamily="50" charset="-127"/>
+                <a:cs typeface="+mn-cs"/>
               </a:rPr>
               <a:t>"</a:t>
             </a:r>
@@ -5458,13 +4645,14 @@
                   <a:noFill/>
                 </a:ln>
                 <a:solidFill>
-                  <a:prstClr val="black"/>
+                  <a:prstClr val="white"/>
                 </a:solidFill>
                 <a:effectLst/>
                 <a:uLnTx/>
                 <a:uFillTx/>
                 <a:latin typeface="나눔스퀘어" panose="020B0600000101010101" pitchFamily="50" charset="-127"/>
                 <a:ea typeface="나눔스퀘어" panose="020B0600000101010101" pitchFamily="50" charset="-127"/>
+                <a:cs typeface="+mn-cs"/>
               </a:rPr>
               <a:t>지금</a:t>
             </a:r>
@@ -5474,13 +4662,14 @@
                   <a:noFill/>
                 </a:ln>
                 <a:solidFill>
-                  <a:prstClr val="black"/>
+                  <a:prstClr val="white"/>
                 </a:solidFill>
                 <a:effectLst/>
                 <a:uLnTx/>
                 <a:uFillTx/>
                 <a:latin typeface="나눔스퀘어" panose="020B0600000101010101" pitchFamily="50" charset="-127"/>
                 <a:ea typeface="나눔스퀘어" panose="020B0600000101010101" pitchFamily="50" charset="-127"/>
+                <a:cs typeface="+mn-cs"/>
               </a:rPr>
               <a:t>"</a:t>
             </a:r>
@@ -5490,13 +4679,14 @@
                   <a:noFill/>
                 </a:ln>
                 <a:solidFill>
-                  <a:prstClr val="black"/>
+                  <a:prstClr val="white"/>
                 </a:solidFill>
                 <a:effectLst/>
                 <a:uLnTx/>
                 <a:uFillTx/>
                 <a:latin typeface="나눔스퀘어" panose="020B0600000101010101" pitchFamily="50" charset="-127"/>
                 <a:ea typeface="나눔스퀘어" panose="020B0600000101010101" pitchFamily="50" charset="-127"/>
+                <a:cs typeface="+mn-cs"/>
               </a:rPr>
               <a:t>과 졸업생의 </a:t>
             </a:r>
@@ -5506,13 +4696,14 @@
                   <a:noFill/>
                 </a:ln>
                 <a:solidFill>
-                  <a:prstClr val="black"/>
+                  <a:prstClr val="white"/>
                 </a:solidFill>
                 <a:effectLst/>
                 <a:uLnTx/>
                 <a:uFillTx/>
                 <a:latin typeface="나눔스퀘어" panose="020B0600000101010101" pitchFamily="50" charset="-127"/>
                 <a:ea typeface="나눔스퀘어" panose="020B0600000101010101" pitchFamily="50" charset="-127"/>
+                <a:cs typeface="+mn-cs"/>
               </a:rPr>
               <a:t>"</a:t>
             </a:r>
@@ -5522,13 +4713,14 @@
                   <a:noFill/>
                 </a:ln>
                 <a:solidFill>
-                  <a:prstClr val="black"/>
+                  <a:prstClr val="white"/>
                 </a:solidFill>
                 <a:effectLst/>
                 <a:uLnTx/>
                 <a:uFillTx/>
                 <a:latin typeface="나눔스퀘어" panose="020B0600000101010101" pitchFamily="50" charset="-127"/>
                 <a:ea typeface="나눔스퀘어" panose="020B0600000101010101" pitchFamily="50" charset="-127"/>
+                <a:cs typeface="+mn-cs"/>
               </a:rPr>
               <a:t>그때</a:t>
             </a:r>
@@ -5538,13 +4730,14 @@
                   <a:noFill/>
                 </a:ln>
                 <a:solidFill>
-                  <a:prstClr val="black"/>
+                  <a:prstClr val="white"/>
                 </a:solidFill>
                 <a:effectLst/>
                 <a:uLnTx/>
                 <a:uFillTx/>
                 <a:latin typeface="나눔스퀘어" panose="020B0600000101010101" pitchFamily="50" charset="-127"/>
                 <a:ea typeface="나눔스퀘어" panose="020B0600000101010101" pitchFamily="50" charset="-127"/>
+                <a:cs typeface="+mn-cs"/>
               </a:rPr>
               <a:t>"</a:t>
             </a:r>
@@ -5554,29 +4747,64 @@
                   <a:noFill/>
                 </a:ln>
                 <a:solidFill>
-                  <a:prstClr val="black"/>
+                  <a:prstClr val="white"/>
                 </a:solidFill>
                 <a:effectLst/>
                 <a:uLnTx/>
                 <a:uFillTx/>
                 <a:latin typeface="나눔스퀘어" panose="020B0600000101010101" pitchFamily="50" charset="-127"/>
                 <a:ea typeface="나눔스퀘어" panose="020B0600000101010101" pitchFamily="50" charset="-127"/>
+                <a:cs typeface="+mn-cs"/>
               </a:rPr>
               <a:t>의 만남</a:t>
             </a:r>
+            <a:endParaRPr kumimoji="0" lang="en-US" altLang="ko-KR" sz="1300" b="0" i="0" u="none" strike="noStrike" kern="1200" cap="none" spc="0" normalizeH="0" baseline="0" noProof="0" dirty="0">
+              <a:ln>
+                <a:noFill/>
+              </a:ln>
+              <a:solidFill>
+                <a:prstClr val="white"/>
+              </a:solidFill>
+              <a:effectLst/>
+              <a:uLnTx/>
+              <a:uFillTx/>
+              <a:latin typeface="나눔스퀘어" panose="020B0600000101010101" pitchFamily="50" charset="-127"/>
+              <a:ea typeface="나눔스퀘어" panose="020B0600000101010101" pitchFamily="50" charset="-127"/>
+              <a:cs typeface="+mn-cs"/>
+            </a:endParaRPr>
+          </a:p>
+          <a:p>
+            <a:pPr marL="0" marR="0" lvl="0" indent="0" algn="l" defTabSz="457200" rtl="0" eaLnBrk="1" fontAlgn="auto" latinLnBrk="0" hangingPunct="1">
+              <a:lnSpc>
+                <a:spcPct val="150000"/>
+              </a:lnSpc>
+              <a:spcBef>
+                <a:spcPts val="0"/>
+              </a:spcBef>
+              <a:spcAft>
+                <a:spcPts val="0"/>
+              </a:spcAft>
+              <a:buClrTx/>
+              <a:buSzTx/>
+              <a:buFontTx/>
+              <a:buNone/>
+              <a:tabLst/>
+              <a:defRPr/>
+            </a:pPr>
             <a:r>
               <a:rPr kumimoji="0" lang="en-US" altLang="ko-KR" sz="1300" b="0" i="0" u="none" strike="noStrike" kern="1200" cap="none" spc="0" normalizeH="0" baseline="0" noProof="0" dirty="0">
                 <a:ln>
                   <a:noFill/>
                 </a:ln>
                 <a:solidFill>
-                  <a:prstClr val="black"/>
+                  <a:prstClr val="white"/>
                 </a:solidFill>
                 <a:effectLst/>
                 <a:uLnTx/>
                 <a:uFillTx/>
                 <a:latin typeface="나눔스퀘어" panose="020B0600000101010101" pitchFamily="50" charset="-127"/>
                 <a:ea typeface="나눔스퀘어" panose="020B0600000101010101" pitchFamily="50" charset="-127"/>
+                <a:cs typeface="+mn-cs"/>
               </a:rPr>
               <a:t>#</a:t>
             </a:r>
@@ -5586,13 +4814,14 @@
                   <a:noFill/>
                 </a:ln>
                 <a:solidFill>
-                  <a:prstClr val="black"/>
+                  <a:prstClr val="white"/>
                 </a:solidFill>
                 <a:effectLst/>
                 <a:uLnTx/>
                 <a:uFillTx/>
                 <a:latin typeface="나눔스퀘어" panose="020B0600000101010101" pitchFamily="50" charset="-127"/>
                 <a:ea typeface="나눔스퀘어" panose="020B0600000101010101" pitchFamily="50" charset="-127"/>
+                <a:cs typeface="+mn-cs"/>
               </a:rPr>
               <a:t>홈커밍행사</a:t>
             </a:r>
@@ -5602,13 +4831,14 @@
                   <a:noFill/>
                 </a:ln>
                 <a:solidFill>
-                  <a:prstClr val="black"/>
+                  <a:prstClr val="white"/>
                 </a:solidFill>
                 <a:effectLst/>
                 <a:uLnTx/>
                 <a:uFillTx/>
                 <a:latin typeface="나눔스퀘어" panose="020B0600000101010101" pitchFamily="50" charset="-127"/>
                 <a:ea typeface="나눔스퀘어" panose="020B0600000101010101" pitchFamily="50" charset="-127"/>
+                <a:cs typeface="+mn-cs"/>
               </a:rPr>
               <a:t> </a:t>
             </a:r>
@@ -5618,13 +4848,14 @@
                   <a:noFill/>
                 </a:ln>
                 <a:solidFill>
-                  <a:prstClr val="black"/>
+                  <a:prstClr val="white"/>
                 </a:solidFill>
                 <a:effectLst/>
                 <a:uLnTx/>
                 <a:uFillTx/>
                 <a:latin typeface="나눔스퀘어" panose="020B0600000101010101" pitchFamily="50" charset="-127"/>
                 <a:ea typeface="나눔스퀘어" panose="020B0600000101010101" pitchFamily="50" charset="-127"/>
+                <a:cs typeface="+mn-cs"/>
               </a:rPr>
               <a:t>#</a:t>
             </a:r>
@@ -5634,13 +4865,14 @@
                   <a:noFill/>
                 </a:ln>
                 <a:solidFill>
-                  <a:prstClr val="black"/>
+                  <a:prstClr val="white"/>
                 </a:solidFill>
                 <a:effectLst/>
                 <a:uLnTx/>
                 <a:uFillTx/>
                 <a:latin typeface="나눔스퀘어" panose="020B0600000101010101" pitchFamily="50" charset="-127"/>
                 <a:ea typeface="나눔스퀘어" panose="020B0600000101010101" pitchFamily="50" charset="-127"/>
+                <a:cs typeface="+mn-cs"/>
               </a:rPr>
               <a:t>선배와의만남</a:t>
             </a:r>
@@ -5650,13 +4882,14 @@
                   <a:noFill/>
                 </a:ln>
                 <a:solidFill>
-                  <a:prstClr val="black"/>
+                  <a:prstClr val="white"/>
                 </a:solidFill>
                 <a:effectLst/>
                 <a:uLnTx/>
                 <a:uFillTx/>
                 <a:latin typeface="나눔스퀘어" panose="020B0600000101010101" pitchFamily="50" charset="-127"/>
                 <a:ea typeface="나눔스퀘어" panose="020B0600000101010101" pitchFamily="50" charset="-127"/>
+                <a:cs typeface="+mn-cs"/>
               </a:rPr>
               <a:t> </a:t>
             </a:r>
@@ -5666,13 +4899,14 @@
                   <a:noFill/>
                 </a:ln>
                 <a:solidFill>
-                  <a:prstClr val="black"/>
+                  <a:prstClr val="white"/>
                 </a:solidFill>
                 <a:effectLst/>
                 <a:uLnTx/>
                 <a:uFillTx/>
                 <a:latin typeface="나눔스퀘어" panose="020B0600000101010101" pitchFamily="50" charset="-127"/>
                 <a:ea typeface="나눔스퀘어" panose="020B0600000101010101" pitchFamily="50" charset="-127"/>
+                <a:cs typeface="+mn-cs"/>
               </a:rPr>
               <a:t>#</a:t>
             </a:r>
@@ -5682,13 +4916,14 @@
                   <a:noFill/>
                 </a:ln>
                 <a:solidFill>
-                  <a:prstClr val="black"/>
+                  <a:prstClr val="white"/>
                 </a:solidFill>
                 <a:effectLst/>
                 <a:uLnTx/>
                 <a:uFillTx/>
                 <a:latin typeface="나눔스퀘어" panose="020B0600000101010101" pitchFamily="50" charset="-127"/>
                 <a:ea typeface="나눔스퀘어" panose="020B0600000101010101" pitchFamily="50" charset="-127"/>
+                <a:cs typeface="+mn-cs"/>
               </a:rPr>
               <a:t>올해</a:t>
             </a:r>
@@ -5698,15 +4933,16 @@
                   <a:noFill/>
                 </a:ln>
                 <a:solidFill>
-                  <a:prstClr val="black"/>
+                  <a:prstClr val="white"/>
                 </a:solidFill>
                 <a:effectLst/>
                 <a:uLnTx/>
                 <a:uFillTx/>
                 <a:latin typeface="나눔스퀘어" panose="020B0600000101010101" pitchFamily="50" charset="-127"/>
                 <a:ea typeface="나눔스퀘어" panose="020B0600000101010101" pitchFamily="50" charset="-127"/>
-              </a:rPr>
-              <a:t>31</a:t>
+                <a:cs typeface="+mn-cs"/>
+              </a:rPr>
+              <a:t>32</a:t>
             </a:r>
             <a:r>
               <a:rPr kumimoji="0" lang="ko-KR" altLang="en-US" sz="1300" b="0" i="0" u="none" strike="noStrike" kern="1200" cap="none" spc="0" normalizeH="0" baseline="0" noProof="0" dirty="0">
@@ -5714,55 +4950,20 @@
                   <a:noFill/>
                 </a:ln>
                 <a:solidFill>
-                  <a:prstClr val="black"/>
+                  <a:prstClr val="white"/>
                 </a:solidFill>
                 <a:effectLst/>
                 <a:uLnTx/>
                 <a:uFillTx/>
                 <a:latin typeface="나눔스퀘어" panose="020B0600000101010101" pitchFamily="50" charset="-127"/>
                 <a:ea typeface="나눔스퀘어" panose="020B0600000101010101" pitchFamily="50" charset="-127"/>
+                <a:cs typeface="+mn-cs"/>
               </a:rPr>
               <a:t>주년</a:t>
             </a:r>
           </a:p>
         </p:txBody>
       </p:sp>
-      <p:pic>
-        <p:nvPicPr>
-          <p:cNvPr id="3" name="그림 2">
-            <a:extLst>
-              <a:ext uri="{FF2B5EF4-FFF2-40B4-BE49-F238E27FC236}">
-                <a16:creationId xmlns:a16="http://schemas.microsoft.com/office/drawing/2014/main" id="{54D3DB9D-0A82-0707-33E8-C9D510F31296}"/>
-              </a:ext>
-            </a:extLst>
-          </p:cNvPr>
-          <p:cNvPicPr>
-            <a:picLocks noChangeAspect="1"/>
-          </p:cNvPicPr>
-          <p:nvPr/>
-        </p:nvPicPr>
-        <p:blipFill>
-          <a:blip r:embed="rId2">
-            <a:extLst>
-              <a:ext uri="{28A0092B-C50C-407E-A947-70E740481C1C}">
-                <a14:useLocalDpi xmlns:a14="http://schemas.microsoft.com/office/drawing/2010/main" val="0"/>
-              </a:ext>
-            </a:extLst>
-          </a:blip>
-          <a:stretch>
-            <a:fillRect/>
-          </a:stretch>
-        </p:blipFill>
-        <p:spPr>
-          <a:xfrm>
-            <a:off x="5641961" y="9136770"/>
-            <a:ext cx="640361" cy="639079"/>
-          </a:xfrm>
-          <a:prstGeom prst="rect">
-            <a:avLst/>
-          </a:prstGeom>
-        </p:spPr>
-      </p:pic>
       <p:sp>
         <p:nvSpPr>
           <p:cNvPr id="23" name="TextBox 22">
@@ -5814,7 +5015,7 @@
                   <a:noFill/>
                 </a:ln>
                 <a:solidFill>
-                  <a:prstClr val="black"/>
+                  <a:prstClr val="white"/>
                 </a:solidFill>
                 <a:effectLst/>
                 <a:uLnTx/>
@@ -5831,7 +5032,7 @@
                   <a:noFill/>
                 </a:ln>
                 <a:solidFill>
-                  <a:prstClr val="black"/>
+                  <a:prstClr val="white"/>
                 </a:solidFill>
                 <a:effectLst/>
                 <a:uLnTx/>
@@ -5848,7 +5049,7 @@
                   <a:noFill/>
                 </a:ln>
                 <a:solidFill>
-                  <a:prstClr val="black"/>
+                  <a:prstClr val="white"/>
                 </a:solidFill>
                 <a:effectLst/>
                 <a:uLnTx/>
@@ -5865,7 +5066,7 @@
                   <a:noFill/>
                 </a:ln>
                 <a:solidFill>
-                  <a:prstClr val="black"/>
+                  <a:prstClr val="white"/>
                 </a:solidFill>
                 <a:effectLst/>
                 <a:uLnTx/>
@@ -5882,7 +5083,7 @@
                   <a:noFill/>
                 </a:ln>
                 <a:solidFill>
-                  <a:prstClr val="black"/>
+                  <a:prstClr val="white"/>
                 </a:solidFill>
                 <a:effectLst/>
                 <a:uLnTx/>
@@ -5899,7 +5100,7 @@
                   <a:noFill/>
                 </a:ln>
                 <a:solidFill>
-                  <a:prstClr val="black"/>
+                  <a:prstClr val="white"/>
                 </a:solidFill>
                 <a:effectLst/>
                 <a:uLnTx/>
@@ -5916,7 +5117,7 @@
                   <a:noFill/>
                 </a:ln>
                 <a:solidFill>
-                  <a:prstClr val="black"/>
+                  <a:prstClr val="white"/>
                 </a:solidFill>
                 <a:effectLst/>
                 <a:uLnTx/>
@@ -5933,7 +5134,7 @@
                   <a:noFill/>
                 </a:ln>
                 <a:solidFill>
-                  <a:prstClr val="black"/>
+                  <a:prstClr val="white"/>
                 </a:solidFill>
                 <a:effectLst/>
                 <a:uLnTx/>
@@ -5949,7 +5150,7 @@
                 <a:noFill/>
               </a:ln>
               <a:solidFill>
-                <a:prstClr val="black"/>
+                <a:prstClr val="white"/>
               </a:solidFill>
               <a:effectLst/>
               <a:uLnTx/>
@@ -5973,16 +5174,10 @@
           <p:cNvGraphicFramePr>
             <a:graphicFrameLocks noGrp="1"/>
           </p:cNvGraphicFramePr>
-          <p:nvPr>
-            <p:extLst>
-              <p:ext uri="{D42A27DB-BD31-4B8C-83A1-F6EECF244321}">
-                <p14:modId xmlns:p14="http://schemas.microsoft.com/office/powerpoint/2010/main" val="1810646243"/>
-              </p:ext>
-            </p:extLst>
-          </p:nvPr>
+          <p:nvPr/>
         </p:nvGraphicFramePr>
         <p:xfrm>
-          <a:off x="1751035" y="4021576"/>
+          <a:off x="1751035" y="5240776"/>
           <a:ext cx="3033204" cy="1996014"/>
         </p:xfrm>
         <a:graphic>
@@ -6016,6 +5211,9 @@
                       <a:pPr algn="ctr"/>
                       <a:r>
                         <a:rPr lang="en-US" sz="1000">
+                          <a:solidFill>
+                            <a:schemeClr val="tx1"/>
+                          </a:solidFill>
                           <a:effectLst/>
                           <a:latin typeface="나눔스퀘어" panose="020B0600000101010101" pitchFamily="50" charset="-127"/>
                           <a:ea typeface="나눔스퀘어" panose="020B0600000101010101" pitchFamily="50" charset="-127"/>
@@ -6023,13 +5221,20 @@
                         <a:t>Time</a:t>
                       </a:r>
                       <a:endParaRPr lang="en-US" sz="1000" dirty="0">
+                        <a:solidFill>
+                          <a:schemeClr val="tx1"/>
+                        </a:solidFill>
                         <a:effectLst/>
                         <a:latin typeface="나눔스퀘어" panose="020B0600000101010101" pitchFamily="50" charset="-127"/>
                         <a:ea typeface="나눔스퀘어" panose="020B0600000101010101" pitchFamily="50" charset="-127"/>
                       </a:endParaRPr>
                     </a:p>
                   </a:txBody>
-                  <a:tcPr anchor="ctr"/>
+                  <a:tcPr anchor="ctr">
+                    <a:solidFill>
+                      <a:srgbClr val="C3CFFD"/>
+                    </a:solidFill>
+                  </a:tcPr>
                 </a:tc>
                 <a:tc>
                   <a:txBody>
@@ -6039,6 +5244,9 @@
                       <a:pPr algn="ctr"/>
                       <a:r>
                         <a:rPr lang="en-US" sz="1000" dirty="0">
+                          <a:solidFill>
+                            <a:schemeClr val="tx1"/>
+                          </a:solidFill>
                           <a:effectLst/>
                           <a:latin typeface="나눔스퀘어" panose="020B0600000101010101" pitchFamily="50" charset="-127"/>
                           <a:ea typeface="나눔스퀘어" panose="020B0600000101010101" pitchFamily="50" charset="-127"/>
@@ -6047,7 +5255,11 @@
                       </a:r>
                     </a:p>
                   </a:txBody>
-                  <a:tcPr anchor="ctr"/>
+                  <a:tcPr anchor="ctr">
+                    <a:solidFill>
+                      <a:srgbClr val="C3CFFD"/>
+                    </a:solidFill>
+                  </a:tcPr>
                 </a:tc>
                 <a:extLst>
                   <a:ext uri="{0D108BD9-81ED-4DB2-BD59-A6C34878D82A}">
@@ -6064,6 +5276,9 @@
                       <a:pPr algn="ctr"/>
                       <a:r>
                         <a:rPr lang="en-US" altLang="ko-KR" sz="1000" b="0" dirty="0">
+                          <a:solidFill>
+                            <a:schemeClr val="bg1"/>
+                          </a:solidFill>
                           <a:effectLst/>
                           <a:latin typeface="나눔스퀘어" panose="020B0600000101010101" pitchFamily="50" charset="-127"/>
                           <a:ea typeface="나눔스퀘어" panose="020B0600000101010101" pitchFamily="50" charset="-127"/>
@@ -6081,6 +5296,9 @@
                     <a:p>
                       <a:r>
                         <a:rPr lang="ko-KR" altLang="en-US" sz="1000" dirty="0">
+                          <a:solidFill>
+                            <a:schemeClr val="bg1"/>
+                          </a:solidFill>
                           <a:effectLst/>
                           <a:latin typeface="나눔스퀘어" panose="020B0600000101010101" pitchFamily="50" charset="-127"/>
                           <a:ea typeface="나눔스퀘어" panose="020B0600000101010101" pitchFamily="50" charset="-127"/>
@@ -6106,6 +5324,9 @@
                       <a:pPr algn="ctr"/>
                       <a:r>
                         <a:rPr lang="en-US" altLang="ko-KR" sz="1000" b="0" dirty="0">
+                          <a:solidFill>
+                            <a:schemeClr val="bg1"/>
+                          </a:solidFill>
                           <a:effectLst/>
                           <a:latin typeface="나눔스퀘어" panose="020B0600000101010101" pitchFamily="50" charset="-127"/>
                           <a:ea typeface="나눔스퀘어" panose="020B0600000101010101" pitchFamily="50" charset="-127"/>
@@ -6123,6 +5344,9 @@
                     <a:p>
                       <a:r>
                         <a:rPr lang="ko-KR" altLang="en-US" sz="1000" dirty="0" err="1">
+                          <a:solidFill>
+                            <a:schemeClr val="bg1"/>
+                          </a:solidFill>
                           <a:effectLst/>
                           <a:latin typeface="나눔스퀘어" panose="020B0600000101010101" pitchFamily="50" charset="-127"/>
                           <a:ea typeface="나눔스퀘어" panose="020B0600000101010101" pitchFamily="50" charset="-127"/>
@@ -6130,6 +5354,9 @@
                         <a:t>아이스브레이킹</a:t>
                       </a:r>
                       <a:endParaRPr lang="ko-KR" altLang="en-US" sz="1000" dirty="0">
+                        <a:solidFill>
+                          <a:schemeClr val="bg1"/>
+                        </a:solidFill>
                         <a:effectLst/>
                         <a:latin typeface="나눔스퀘어" panose="020B0600000101010101" pitchFamily="50" charset="-127"/>
                         <a:ea typeface="나눔스퀘어" panose="020B0600000101010101" pitchFamily="50" charset="-127"/>
@@ -6153,6 +5380,9 @@
                       <a:pPr algn="ctr"/>
                       <a:r>
                         <a:rPr lang="en-US" altLang="ko-KR" sz="1000" b="0" dirty="0">
+                          <a:solidFill>
+                            <a:schemeClr val="bg1"/>
+                          </a:solidFill>
                           <a:effectLst/>
                           <a:latin typeface="나눔스퀘어" panose="020B0600000101010101" pitchFamily="50" charset="-127"/>
                           <a:ea typeface="나눔스퀘어" panose="020B0600000101010101" pitchFamily="50" charset="-127"/>
@@ -6170,6 +5400,9 @@
                     <a:p>
                       <a:r>
                         <a:rPr lang="ko-KR" altLang="en-US" sz="1000" dirty="0">
+                          <a:solidFill>
+                            <a:schemeClr val="bg1"/>
+                          </a:solidFill>
                           <a:effectLst/>
                           <a:latin typeface="나눔스퀘어" panose="020B0600000101010101" pitchFamily="50" charset="-127"/>
                           <a:ea typeface="나눔스퀘어" panose="020B0600000101010101" pitchFamily="50" charset="-127"/>
@@ -6178,6 +5411,9 @@
                       </a:r>
                       <a:r>
                         <a:rPr lang="en-US" altLang="ko-KR" sz="1000" dirty="0">
+                          <a:solidFill>
+                            <a:schemeClr val="bg1"/>
+                          </a:solidFill>
                           <a:effectLst/>
                           <a:latin typeface="나눔스퀘어" panose="020B0600000101010101" pitchFamily="50" charset="-127"/>
                           <a:ea typeface="나눔스퀘어" panose="020B0600000101010101" pitchFamily="50" charset="-127"/>
@@ -6186,6 +5422,9 @@
                       </a:r>
                       <a:r>
                         <a:rPr lang="ko-KR" altLang="en-US" sz="1000" dirty="0">
+                          <a:solidFill>
+                            <a:schemeClr val="bg1"/>
+                          </a:solidFill>
                           <a:effectLst/>
                           <a:latin typeface="나눔스퀘어" panose="020B0600000101010101" pitchFamily="50" charset="-127"/>
                           <a:ea typeface="나눔스퀘어" panose="020B0600000101010101" pitchFamily="50" charset="-127"/>
@@ -6211,6 +5450,9 @@
                       <a:pPr algn="ctr"/>
                       <a:r>
                         <a:rPr lang="en-US" altLang="ko-KR" sz="1000" b="0" dirty="0">
+                          <a:solidFill>
+                            <a:schemeClr val="bg1"/>
+                          </a:solidFill>
                           <a:effectLst/>
                           <a:latin typeface="나눔스퀘어" panose="020B0600000101010101" pitchFamily="50" charset="-127"/>
                           <a:ea typeface="나눔스퀘어" panose="020B0600000101010101" pitchFamily="50" charset="-127"/>
@@ -6228,6 +5470,9 @@
                     <a:p>
                       <a:r>
                         <a:rPr lang="ko-KR" altLang="en-US" sz="1000" dirty="0">
+                          <a:solidFill>
+                            <a:schemeClr val="bg1"/>
+                          </a:solidFill>
                           <a:effectLst/>
                           <a:latin typeface="나눔스퀘어" panose="020B0600000101010101" pitchFamily="50" charset="-127"/>
                           <a:ea typeface="나눔스퀘어" panose="020B0600000101010101" pitchFamily="50" charset="-127"/>
@@ -6236,6 +5481,9 @@
                       </a:r>
                       <a:r>
                         <a:rPr lang="en-US" altLang="ko-KR" sz="1000" dirty="0">
+                          <a:solidFill>
+                            <a:schemeClr val="bg1"/>
+                          </a:solidFill>
                           <a:effectLst/>
                           <a:latin typeface="나눔스퀘어" panose="020B0600000101010101" pitchFamily="50" charset="-127"/>
                           <a:ea typeface="나눔스퀘어" panose="020B0600000101010101" pitchFamily="50" charset="-127"/>
@@ -6244,6 +5492,9 @@
                       </a:r>
                       <a:r>
                         <a:rPr lang="ko-KR" altLang="en-US" sz="1000" dirty="0">
+                          <a:solidFill>
+                            <a:schemeClr val="bg1"/>
+                          </a:solidFill>
                           <a:effectLst/>
                           <a:latin typeface="나눔스퀘어" panose="020B0600000101010101" pitchFamily="50" charset="-127"/>
                           <a:ea typeface="나눔스퀘어" panose="020B0600000101010101" pitchFamily="50" charset="-127"/>
@@ -6269,6 +5520,9 @@
                       <a:pPr algn="ctr"/>
                       <a:r>
                         <a:rPr lang="en-US" altLang="ko-KR" sz="1000" b="0" dirty="0">
+                          <a:solidFill>
+                            <a:schemeClr val="bg1"/>
+                          </a:solidFill>
                           <a:effectLst/>
                           <a:latin typeface="나눔스퀘어" panose="020B0600000101010101" pitchFamily="50" charset="-127"/>
                           <a:ea typeface="나눔스퀘어" panose="020B0600000101010101" pitchFamily="50" charset="-127"/>
@@ -6286,6 +5540,9 @@
                     <a:p>
                       <a:r>
                         <a:rPr lang="ko-KR" altLang="en-US" sz="1000" dirty="0">
+                          <a:solidFill>
+                            <a:schemeClr val="bg1"/>
+                          </a:solidFill>
                           <a:effectLst/>
                           <a:latin typeface="나눔스퀘어" panose="020B0600000101010101" pitchFamily="50" charset="-127"/>
                           <a:ea typeface="나눔스퀘어" panose="020B0600000101010101" pitchFamily="50" charset="-127"/>
@@ -6294,6 +5551,9 @@
                       </a:r>
                       <a:r>
                         <a:rPr lang="en-US" altLang="ko-KR" sz="1000" dirty="0">
+                          <a:solidFill>
+                            <a:schemeClr val="bg1"/>
+                          </a:solidFill>
                           <a:effectLst/>
                           <a:latin typeface="나눔스퀘어" panose="020B0600000101010101" pitchFamily="50" charset="-127"/>
                           <a:ea typeface="나눔스퀘어" panose="020B0600000101010101" pitchFamily="50" charset="-127"/>
@@ -6302,6 +5562,9 @@
                       </a:r>
                       <a:r>
                         <a:rPr lang="ko-KR" altLang="en-US" sz="1000" dirty="0">
+                          <a:solidFill>
+                            <a:schemeClr val="bg1"/>
+                          </a:solidFill>
                           <a:effectLst/>
                           <a:latin typeface="나눔스퀘어" panose="020B0600000101010101" pitchFamily="50" charset="-127"/>
                           <a:ea typeface="나눔스퀘어" panose="020B0600000101010101" pitchFamily="50" charset="-127"/>
@@ -6343,6 +5606,9 @@
                       </a:pPr>
                       <a:r>
                         <a:rPr lang="en-US" altLang="ko-KR" sz="1000" b="0" dirty="0">
+                          <a:solidFill>
+                            <a:schemeClr val="bg1"/>
+                          </a:solidFill>
                           <a:effectLst/>
                           <a:latin typeface="나눔스퀘어" panose="020B0600000101010101" pitchFamily="50" charset="-127"/>
                           <a:ea typeface="나눔스퀘어" panose="020B0600000101010101" pitchFamily="50" charset="-127"/>
@@ -6360,6 +5626,9 @@
                     <a:p>
                       <a:r>
                         <a:rPr lang="ko-KR" altLang="en-US" sz="1000" dirty="0">
+                          <a:solidFill>
+                            <a:schemeClr val="bg1"/>
+                          </a:solidFill>
                           <a:effectLst/>
                           <a:latin typeface="나눔스퀘어" panose="020B0600000101010101" pitchFamily="50" charset="-127"/>
                           <a:ea typeface="나눔스퀘어" panose="020B0600000101010101" pitchFamily="50" charset="-127"/>
@@ -6385,6 +5654,9 @@
                       <a:pPr algn="ctr"/>
                       <a:r>
                         <a:rPr lang="en-US" altLang="ko-KR" sz="1000" b="0" dirty="0">
+                          <a:solidFill>
+                            <a:schemeClr val="bg1"/>
+                          </a:solidFill>
                           <a:effectLst/>
                           <a:latin typeface="나눔스퀘어" panose="020B0600000101010101" pitchFamily="50" charset="-127"/>
                           <a:ea typeface="나눔스퀘어" panose="020B0600000101010101" pitchFamily="50" charset="-127"/>
@@ -6400,14 +5672,48 @@
                     <a:bodyPr/>
                     <a:lstStyle/>
                     <a:p>
+                      <a:pPr marL="0" marR="0" lvl="0" indent="0" algn="l" defTabSz="685800" rtl="0" eaLnBrk="1" fontAlgn="auto" latinLnBrk="1" hangingPunct="1">
+                        <a:lnSpc>
+                          <a:spcPct val="100000"/>
+                        </a:lnSpc>
+                        <a:spcBef>
+                          <a:spcPts val="0"/>
+                        </a:spcBef>
+                        <a:spcAft>
+                          <a:spcPts val="0"/>
+                        </a:spcAft>
+                        <a:buClrTx/>
+                        <a:buSzTx/>
+                        <a:buFontTx/>
+                        <a:buNone/>
+                        <a:tabLst/>
+                        <a:defRPr/>
+                      </a:pPr>
                       <a:r>
                         <a:rPr lang="ko-KR" altLang="en-US" sz="1000" dirty="0">
+                          <a:solidFill>
+                            <a:schemeClr val="bg1"/>
+                          </a:solidFill>
                           <a:effectLst/>
                           <a:latin typeface="나눔스퀘어" panose="020B0600000101010101" pitchFamily="50" charset="-127"/>
                           <a:ea typeface="나눔스퀘어" panose="020B0600000101010101" pitchFamily="50" charset="-127"/>
                         </a:rPr>
                         <a:t>회식</a:t>
                       </a:r>
+                      <a:endParaRPr kumimoji="0" lang="ko-KR" altLang="en-US" sz="1000" b="0" i="0" u="none" strike="noStrike" kern="1200" cap="none" spc="0" normalizeH="0" baseline="0" noProof="0" dirty="0">
+                        <a:ln>
+                          <a:noFill/>
+                        </a:ln>
+                        <a:solidFill>
+                          <a:schemeClr val="bg1"/>
+                        </a:solidFill>
+                        <a:effectLst/>
+                        <a:uLnTx/>
+                        <a:uFillTx/>
+                        <a:latin typeface="나눔스퀘어" panose="020B0600000101010101" pitchFamily="50" charset="-127"/>
+                        <a:ea typeface="나눔스퀘어" panose="020B0600000101010101" pitchFamily="50" charset="-127"/>
+                        <a:cs typeface="+mn-cs"/>
+                      </a:endParaRPr>
                     </a:p>
                   </a:txBody>
                   <a:tcPr anchor="ctr"/>
@@ -6424,10 +5730,10 @@
       </p:graphicFrame>
       <p:sp>
         <p:nvSpPr>
-          <p:cNvPr id="4" name="TextBox 3">
+          <p:cNvPr id="29" name="TextBox 28">
             <a:extLst>
               <a:ext uri="{FF2B5EF4-FFF2-40B4-BE49-F238E27FC236}">
-                <a16:creationId xmlns:a16="http://schemas.microsoft.com/office/drawing/2014/main" id="{7D454AF9-5344-E4EF-81EF-9574C15E7EA0}"/>
+                <a16:creationId xmlns:a16="http://schemas.microsoft.com/office/drawing/2014/main" id="{6AE9F800-E746-D2A1-B2BF-50E975B22C19}"/>
               </a:ext>
             </a:extLst>
           </p:cNvPr>
@@ -6436,8 +5742,8 @@
         </p:nvSpPr>
         <p:spPr>
           <a:xfrm>
-            <a:off x="1692007" y="8032580"/>
-            <a:ext cx="4312103" cy="663643"/>
+            <a:off x="2006600" y="331181"/>
+            <a:ext cx="4602919" cy="1539524"/>
           </a:xfrm>
           <a:prstGeom prst="rect">
             <a:avLst/>
@@ -6450,9 +5756,9 @@
           </a:bodyPr>
           <a:lstStyle/>
           <a:p>
-            <a:pPr marL="0" marR="0" lvl="0" indent="0" algn="l" defTabSz="457200" rtl="0" eaLnBrk="1" fontAlgn="auto" latinLnBrk="0" hangingPunct="1">
+            <a:pPr marL="0" marR="0" lvl="0" indent="0" algn="r" defTabSz="457200" rtl="0" eaLnBrk="1" fontAlgn="auto" latinLnBrk="0" hangingPunct="1">
               <a:lnSpc>
-                <a:spcPct val="150000"/>
+                <a:spcPts val="2300"/>
               </a:lnSpc>
               <a:spcBef>
                 <a:spcPts val="0"/>
@@ -6468,145 +5774,64 @@
               <a:defRPr/>
             </a:pPr>
             <a:r>
-              <a:rPr kumimoji="0" lang="en-US" altLang="ko-KR" sz="1300" b="0" i="0" u="none" strike="noStrike" kern="1200" cap="none" spc="0" normalizeH="0" baseline="0" noProof="0" dirty="0">
-                <a:ln>
-                  <a:noFill/>
-                </a:ln>
-                <a:solidFill>
-                  <a:prstClr val="black"/>
+              <a:rPr kumimoji="0" lang="en-US" altLang="ko-KR" sz="1500" b="0" i="0" u="none" strike="noStrike" kern="1200" cap="none" spc="0" normalizeH="0" baseline="0" noProof="0" dirty="0">
+                <a:ln>
+                  <a:noFill/>
+                </a:ln>
+                <a:solidFill>
+                  <a:prstClr val="white">
+                    <a:lumMod val="95000"/>
+                  </a:prstClr>
                 </a:solidFill>
                 <a:effectLst/>
                 <a:uLnTx/>
                 <a:uFillTx/>
-                <a:latin typeface="나눔스퀘어" panose="020B0600000101010101" pitchFamily="50" charset="-127"/>
-                <a:ea typeface="나눔스퀘어" panose="020B0600000101010101" pitchFamily="50" charset="-127"/>
-              </a:rPr>
-              <a:t>11</a:t>
-            </a:r>
-            <a:r>
-              <a:rPr kumimoji="0" lang="ko-KR" altLang="en-US" sz="1300" b="0" i="0" u="none" strike="noStrike" kern="1200" cap="none" spc="0" normalizeH="0" baseline="0" noProof="0" dirty="0">
-                <a:ln>
-                  <a:noFill/>
-                </a:ln>
-                <a:solidFill>
-                  <a:prstClr val="black"/>
+                <a:latin typeface="나눔손글씨 펜" panose="03040600000000000000" pitchFamily="66" charset="-127"/>
+                <a:ea typeface="나눔손글씨 펜" panose="03040600000000000000" pitchFamily="66" charset="-127"/>
+                <a:cs typeface="+mn-cs"/>
+              </a:rPr>
+              <a:t>“ </a:t>
+            </a:r>
+            <a:r>
+              <a:rPr kumimoji="0" lang="ko-KR" altLang="en-US" sz="1500" b="0" i="0" u="none" strike="noStrike" kern="1200" cap="none" spc="0" normalizeH="0" baseline="0" noProof="0" dirty="0">
+                <a:ln>
+                  <a:noFill/>
+                </a:ln>
+                <a:solidFill>
+                  <a:prstClr val="white">
+                    <a:lumMod val="95000"/>
+                  </a:prstClr>
                 </a:solidFill>
                 <a:effectLst/>
                 <a:uLnTx/>
                 <a:uFillTx/>
-                <a:latin typeface="나눔스퀘어" panose="020B0600000101010101" pitchFamily="50" charset="-127"/>
-                <a:ea typeface="나눔스퀘어" panose="020B0600000101010101" pitchFamily="50" charset="-127"/>
-              </a:rPr>
-              <a:t>월 </a:t>
-            </a:r>
-            <a:r>
-              <a:rPr kumimoji="0" lang="en-US" altLang="ko-KR" sz="1300" b="0" i="0" u="none" strike="noStrike" kern="1200" cap="none" spc="0" normalizeH="0" baseline="0" noProof="0" dirty="0">
-                <a:ln>
-                  <a:noFill/>
-                </a:ln>
-                <a:solidFill>
-                  <a:prstClr val="black"/>
-                </a:solidFill>
-                <a:effectLst/>
-                <a:uLnTx/>
-                <a:uFillTx/>
-                <a:latin typeface="나눔스퀘어" panose="020B0600000101010101" pitchFamily="50" charset="-127"/>
-                <a:ea typeface="나눔스퀘어" panose="020B0600000101010101" pitchFamily="50" charset="-127"/>
-              </a:rPr>
-              <a:t>26</a:t>
-            </a:r>
-            <a:r>
-              <a:rPr kumimoji="0" lang="ko-KR" altLang="en-US" sz="1300" b="0" i="0" u="none" strike="noStrike" kern="1200" cap="none" spc="0" normalizeH="0" baseline="0" noProof="0" dirty="0">
-                <a:ln>
-                  <a:noFill/>
-                </a:ln>
-                <a:solidFill>
-                  <a:prstClr val="black"/>
-                </a:solidFill>
-                <a:effectLst/>
-                <a:uLnTx/>
-                <a:uFillTx/>
-                <a:latin typeface="나눔스퀘어" panose="020B0600000101010101" pitchFamily="50" charset="-127"/>
-                <a:ea typeface="나눔스퀘어" panose="020B0600000101010101" pitchFamily="50" charset="-127"/>
-              </a:rPr>
-              <a:t>일 토요일 오후 </a:t>
-            </a:r>
-            <a:r>
-              <a:rPr kumimoji="0" lang="en-US" altLang="ko-KR" sz="1300" b="0" i="0" u="none" strike="noStrike" kern="1200" cap="none" spc="0" normalizeH="0" baseline="0" noProof="0" dirty="0">
-                <a:ln>
-                  <a:noFill/>
-                </a:ln>
-                <a:solidFill>
-                  <a:prstClr val="black"/>
-                </a:solidFill>
-                <a:effectLst/>
-                <a:uLnTx/>
-                <a:uFillTx/>
-                <a:latin typeface="나눔스퀘어" panose="020B0600000101010101" pitchFamily="50" charset="-127"/>
-                <a:ea typeface="나눔스퀘어" panose="020B0600000101010101" pitchFamily="50" charset="-127"/>
-              </a:rPr>
-              <a:t>6</a:t>
-            </a:r>
-            <a:r>
-              <a:rPr kumimoji="0" lang="ko-KR" altLang="en-US" sz="1300" b="0" i="0" u="none" strike="noStrike" kern="1200" cap="none" spc="0" normalizeH="0" baseline="0" noProof="0" dirty="0">
-                <a:ln>
-                  <a:noFill/>
-                </a:ln>
-                <a:solidFill>
-                  <a:prstClr val="black"/>
-                </a:solidFill>
-                <a:effectLst/>
-                <a:uLnTx/>
-                <a:uFillTx/>
-                <a:latin typeface="나눔스퀘어" panose="020B0600000101010101" pitchFamily="50" charset="-127"/>
-                <a:ea typeface="나눔스퀘어" panose="020B0600000101010101" pitchFamily="50" charset="-127"/>
-              </a:rPr>
-              <a:t>시 </a:t>
-            </a:r>
-            <a:r>
-              <a:rPr kumimoji="0" lang="en-US" altLang="ko-KR" sz="1300" b="0" i="0" u="none" strike="noStrike" kern="1200" cap="none" spc="0" normalizeH="0" baseline="0" noProof="0" dirty="0">
-                <a:ln>
-                  <a:noFill/>
-                </a:ln>
-                <a:solidFill>
-                  <a:prstClr val="black"/>
-                </a:solidFill>
-                <a:effectLst/>
-                <a:uLnTx/>
-                <a:uFillTx/>
-                <a:latin typeface="나눔스퀘어" panose="020B0600000101010101" pitchFamily="50" charset="-127"/>
-                <a:ea typeface="나눔스퀘어" panose="020B0600000101010101" pitchFamily="50" charset="-127"/>
-              </a:rPr>
-              <a:t>30</a:t>
-            </a:r>
-            <a:r>
-              <a:rPr kumimoji="0" lang="ko-KR" altLang="en-US" sz="1300" b="0" i="0" u="none" strike="noStrike" kern="1200" cap="none" spc="0" normalizeH="0" baseline="0" noProof="0" dirty="0">
-                <a:ln>
-                  <a:noFill/>
-                </a:ln>
-                <a:solidFill>
-                  <a:prstClr val="black"/>
-                </a:solidFill>
-                <a:effectLst/>
-                <a:uLnTx/>
-                <a:uFillTx/>
-                <a:latin typeface="나눔스퀘어" panose="020B0600000101010101" pitchFamily="50" charset="-127"/>
-                <a:ea typeface="나눔스퀘어" panose="020B0600000101010101" pitchFamily="50" charset="-127"/>
-              </a:rPr>
-              <a:t>분</a:t>
-            </a:r>
-            <a:endParaRPr lang="en-US" altLang="ko-KR" sz="1300" dirty="0">
+                <a:latin typeface="나눔손글씨 펜" panose="03040600000000000000" pitchFamily="66" charset="-127"/>
+                <a:ea typeface="나눔손글씨 펜" panose="03040600000000000000" pitchFamily="66" charset="-127"/>
+                <a:cs typeface="+mn-cs"/>
+              </a:rPr>
+              <a:t>여러분의 지금이 우리의 그때보다 낫기를 바랍니다</a:t>
+            </a:r>
+            <a:endParaRPr kumimoji="0" lang="en-US" altLang="ko-KR" sz="1500" b="0" i="0" u="none" strike="noStrike" kern="1200" cap="none" spc="0" normalizeH="0" baseline="0" noProof="0" dirty="0">
+              <a:ln>
+                <a:noFill/>
+              </a:ln>
               <a:solidFill>
-                <a:prstClr val="black"/>
+                <a:prstClr val="white">
+                  <a:lumMod val="95000"/>
+                </a:prstClr>
               </a:solidFill>
-              <a:latin typeface="나눔스퀘어" panose="020B0600000101010101" pitchFamily="50" charset="-127"/>
-              <a:ea typeface="나눔스퀘어" panose="020B0600000101010101" pitchFamily="50" charset="-127"/>
+              <a:effectLst/>
+              <a:uLnTx/>
+              <a:uFillTx/>
+              <a:latin typeface="나눔손글씨 펜" panose="03040600000000000000" pitchFamily="66" charset="-127"/>
+              <a:ea typeface="나눔손글씨 펜" panose="03040600000000000000" pitchFamily="66" charset="-127"/>
+              <a:cs typeface="+mn-cs"/>
             </a:endParaRPr>
           </a:p>
           <a:p>
-            <a:pPr marL="0" marR="0" lvl="0" indent="0" algn="l" defTabSz="457200" rtl="0" eaLnBrk="1" fontAlgn="auto" latinLnBrk="0" hangingPunct="1">
+            <a:pPr marL="0" marR="0" lvl="0" indent="0" algn="r" defTabSz="457200" rtl="0" eaLnBrk="1" fontAlgn="auto" latinLnBrk="0" hangingPunct="1">
               <a:lnSpc>
-                <a:spcPct val="150000"/>
+                <a:spcPts val="2300"/>
               </a:lnSpc>
               <a:spcBef>
                 <a:spcPts val="0"/>
@@ -6622,113 +5847,45 @@
               <a:defRPr/>
             </a:pPr>
             <a:r>
-              <a:rPr lang="ko-KR" altLang="en-US" sz="1300" dirty="0">
-                <a:solidFill>
-                  <a:prstClr val="black"/>
-                </a:solidFill>
-                <a:latin typeface="나눔스퀘어" panose="020B0600000101010101" pitchFamily="50" charset="-127"/>
-                <a:ea typeface="나눔스퀘어" panose="020B0600000101010101" pitchFamily="50" charset="-127"/>
-              </a:rPr>
-              <a:t>정육식당 </a:t>
-            </a:r>
-            <a:r>
-              <a:rPr lang="en-US" altLang="ko-KR" sz="1300" dirty="0">
-                <a:solidFill>
-                  <a:prstClr val="black"/>
-                </a:solidFill>
-                <a:latin typeface="나눔스퀘어" panose="020B0600000101010101" pitchFamily="50" charset="-127"/>
-                <a:ea typeface="나눔스퀘어" panose="020B0600000101010101" pitchFamily="50" charset="-127"/>
-              </a:rPr>
-              <a:t>(</a:t>
-            </a:r>
-            <a:r>
-              <a:rPr lang="ko-KR" altLang="en-US" sz="1300" dirty="0">
-                <a:solidFill>
-                  <a:prstClr val="black"/>
-                </a:solidFill>
-                <a:latin typeface="나눔스퀘어" panose="020B0600000101010101" pitchFamily="50" charset="-127"/>
-                <a:ea typeface="나눔스퀘어" panose="020B0600000101010101" pitchFamily="50" charset="-127"/>
-              </a:rPr>
-              <a:t>변경가능</a:t>
-            </a:r>
-            <a:r>
-              <a:rPr lang="en-US" altLang="ko-KR" sz="1300" dirty="0">
-                <a:solidFill>
-                  <a:prstClr val="black"/>
-                </a:solidFill>
-                <a:latin typeface="나눔스퀘어" panose="020B0600000101010101" pitchFamily="50" charset="-127"/>
-                <a:ea typeface="나눔스퀘어" panose="020B0600000101010101" pitchFamily="50" charset="-127"/>
-              </a:rPr>
-              <a:t>)</a:t>
-            </a:r>
-            <a:endParaRPr kumimoji="0" lang="ko-KR" altLang="en-US" sz="1300" b="0" i="0" u="none" strike="noStrike" kern="1200" cap="none" spc="0" normalizeH="0" baseline="0" noProof="0" dirty="0">
+              <a:rPr kumimoji="0" lang="ko-KR" altLang="en-US" sz="1500" b="0" i="0" u="none" strike="noStrike" kern="1200" cap="none" spc="0" normalizeH="0" baseline="0" noProof="0" dirty="0">
+                <a:ln>
+                  <a:noFill/>
+                </a:ln>
+                <a:solidFill>
+                  <a:prstClr val="white">
+                    <a:lumMod val="95000"/>
+                  </a:prstClr>
+                </a:solidFill>
+                <a:effectLst/>
+                <a:uLnTx/>
+                <a:uFillTx/>
+                <a:latin typeface="나눔손글씨 펜" panose="03040600000000000000" pitchFamily="66" charset="-127"/>
+                <a:ea typeface="나눔손글씨 펜" panose="03040600000000000000" pitchFamily="66" charset="-127"/>
+                <a:cs typeface="+mn-cs"/>
+              </a:rPr>
+              <a:t>곧 여러분의 지금은 그때가 될 것입니다</a:t>
+            </a:r>
+            <a:endParaRPr kumimoji="0" lang="en-US" altLang="ko-KR" sz="1500" b="0" i="0" u="none" strike="noStrike" kern="1200" cap="none" spc="0" normalizeH="0" baseline="0" noProof="0" dirty="0">
               <a:ln>
                 <a:noFill/>
               </a:ln>
               <a:solidFill>
-                <a:prstClr val="black"/>
+                <a:prstClr val="white">
+                  <a:lumMod val="95000"/>
+                </a:prstClr>
               </a:solidFill>
               <a:effectLst/>
               <a:uLnTx/>
               <a:uFillTx/>
-              <a:latin typeface="나눔스퀘어" panose="020B0600000101010101" pitchFamily="50" charset="-127"/>
-              <a:ea typeface="나눔스퀘어" panose="020B0600000101010101" pitchFamily="50" charset="-127"/>
+              <a:latin typeface="나눔손글씨 펜" panose="03040600000000000000" pitchFamily="66" charset="-127"/>
+              <a:ea typeface="나눔손글씨 펜" panose="03040600000000000000" pitchFamily="66" charset="-127"/>
+              <a:cs typeface="+mn-cs"/>
             </a:endParaRPr>
           </a:p>
-        </p:txBody>
-      </p:sp>
-      <p:sp>
-        <p:nvSpPr>
-          <p:cNvPr id="5" name="사각형: 둥근 모서리 4">
-            <a:extLst>
-              <a:ext uri="{FF2B5EF4-FFF2-40B4-BE49-F238E27FC236}">
-                <a16:creationId xmlns:a16="http://schemas.microsoft.com/office/drawing/2014/main" id="{0A43C6A0-AAB3-A738-EBE6-8BA73B0D2393}"/>
-              </a:ext>
-            </a:extLst>
-          </p:cNvPr>
-          <p:cNvSpPr/>
-          <p:nvPr/>
-        </p:nvSpPr>
-        <p:spPr>
-          <a:xfrm>
-            <a:off x="391710" y="8172280"/>
-            <a:ext cx="945379" cy="291362"/>
-          </a:xfrm>
-          <a:prstGeom prst="roundRect">
-            <a:avLst>
-              <a:gd name="adj" fmla="val 31161"/>
-            </a:avLst>
-          </a:prstGeom>
-          <a:solidFill>
-            <a:srgbClr val="262626"/>
-          </a:solidFill>
-          <a:ln>
-            <a:noFill/>
-          </a:ln>
-        </p:spPr>
-        <p:style>
-          <a:lnRef idx="2">
-            <a:schemeClr val="accent1">
-              <a:shade val="50000"/>
-            </a:schemeClr>
-          </a:lnRef>
-          <a:fillRef idx="1">
-            <a:schemeClr val="accent1"/>
-          </a:fillRef>
-          <a:effectRef idx="0">
-            <a:schemeClr val="accent1"/>
-          </a:effectRef>
-          <a:fontRef idx="minor">
-            <a:schemeClr val="lt1"/>
-          </a:fontRef>
-        </p:style>
-        <p:txBody>
-          <a:bodyPr rtlCol="0" anchor="ctr"/>
-          <a:lstStyle/>
-          <a:p>
-            <a:pPr marL="0" marR="0" lvl="0" indent="0" algn="ctr" defTabSz="457200" rtl="0" eaLnBrk="1" fontAlgn="auto" latinLnBrk="0" hangingPunct="1">
+          <a:p>
+            <a:pPr marL="0" marR="0" lvl="0" indent="0" algn="r" defTabSz="457200" rtl="0" eaLnBrk="1" fontAlgn="auto" latinLnBrk="0" hangingPunct="1">
               <a:lnSpc>
-                <a:spcPct val="100000"/>
+                <a:spcPts val="2300"/>
               </a:lnSpc>
               <a:spcBef>
                 <a:spcPts val="0"/>
@@ -6744,43 +5901,346 @@
               <a:defRPr/>
             </a:pPr>
             <a:r>
-              <a:rPr kumimoji="0" lang="en-US" altLang="ko-KR" sz="1200" b="0" i="0" u="none" strike="noStrike" kern="1200" cap="none" spc="0" normalizeH="0" baseline="0" noProof="0" dirty="0">
-                <a:ln>
-                  <a:noFill/>
-                </a:ln>
-                <a:solidFill>
-                  <a:prstClr val="white"/>
+              <a:rPr kumimoji="0" lang="ko-KR" altLang="en-US" sz="1500" b="0" i="0" u="none" strike="noStrike" kern="1200" cap="none" spc="0" normalizeH="0" baseline="0" noProof="0" dirty="0">
+                <a:ln>
+                  <a:noFill/>
+                </a:ln>
+                <a:solidFill>
+                  <a:prstClr val="white">
+                    <a:lumMod val="95000"/>
+                  </a:prstClr>
                 </a:solidFill>
                 <a:effectLst/>
                 <a:uLnTx/>
                 <a:uFillTx/>
-                <a:latin typeface="나눔스퀘어 Bold" panose="020B0600000101010101" pitchFamily="50" charset="-127"/>
-                <a:ea typeface="나눔스퀘어 Bold" panose="020B0600000101010101" pitchFamily="50" charset="-127"/>
-                <a:cs typeface="+mn-cs"/>
-              </a:rPr>
-              <a:t>What</a:t>
-            </a:r>
-            <a:endParaRPr kumimoji="0" lang="ko-KR" altLang="en-US" sz="1200" b="0" i="0" u="none" strike="noStrike" kern="1200" cap="none" spc="0" normalizeH="0" baseline="0" noProof="0" dirty="0">
+                <a:latin typeface="나눔손글씨 펜" panose="03040600000000000000" pitchFamily="66" charset="-127"/>
+                <a:ea typeface="나눔손글씨 펜" panose="03040600000000000000" pitchFamily="66" charset="-127"/>
+                <a:cs typeface="+mn-cs"/>
+              </a:rPr>
+              <a:t>그러면 여러분이</a:t>
+            </a:r>
+            <a:r>
+              <a:rPr kumimoji="0" lang="en-US" altLang="ko-KR" sz="1500" b="0" i="0" u="none" strike="noStrike" kern="1200" cap="none" spc="0" normalizeH="0" baseline="0" noProof="0" dirty="0">
+                <a:ln>
+                  <a:noFill/>
+                </a:ln>
+                <a:solidFill>
+                  <a:prstClr val="white">
+                    <a:lumMod val="95000"/>
+                  </a:prstClr>
+                </a:solidFill>
+                <a:effectLst/>
+                <a:uLnTx/>
+                <a:uFillTx/>
+                <a:latin typeface="나눔손글씨 펜" panose="03040600000000000000" pitchFamily="66" charset="-127"/>
+                <a:ea typeface="나눔손글씨 펜" panose="03040600000000000000" pitchFamily="66" charset="-127"/>
+                <a:cs typeface="+mn-cs"/>
+              </a:rPr>
+              <a:t> </a:t>
+            </a:r>
+            <a:r>
+              <a:rPr kumimoji="0" lang="ko-KR" altLang="en-US" sz="1500" b="0" i="0" u="none" strike="noStrike" kern="1200" cap="none" spc="0" normalizeH="0" baseline="0" noProof="0" dirty="0">
+                <a:ln>
+                  <a:noFill/>
+                </a:ln>
+                <a:solidFill>
+                  <a:prstClr val="white">
+                    <a:lumMod val="95000"/>
+                  </a:prstClr>
+                </a:solidFill>
+                <a:effectLst/>
+                <a:uLnTx/>
+                <a:uFillTx/>
+                <a:latin typeface="나눔손글씨 펜" panose="03040600000000000000" pitchFamily="66" charset="-127"/>
+                <a:ea typeface="나눔손글씨 펜" panose="03040600000000000000" pitchFamily="66" charset="-127"/>
+                <a:cs typeface="+mn-cs"/>
+              </a:rPr>
+              <a:t>후배의 지금을 위해</a:t>
+            </a:r>
+            <a:r>
+              <a:rPr kumimoji="0" lang="en-US" altLang="ko-KR" sz="1500" b="0" i="0" u="none" strike="noStrike" kern="1200" cap="none" spc="0" normalizeH="0" baseline="0" noProof="0" dirty="0">
+                <a:ln>
+                  <a:noFill/>
+                </a:ln>
+                <a:solidFill>
+                  <a:prstClr val="white">
+                    <a:lumMod val="95000"/>
+                  </a:prstClr>
+                </a:solidFill>
+                <a:effectLst/>
+                <a:uLnTx/>
+                <a:uFillTx/>
+                <a:latin typeface="나눔손글씨 펜" panose="03040600000000000000" pitchFamily="66" charset="-127"/>
+                <a:ea typeface="나눔손글씨 펜" panose="03040600000000000000" pitchFamily="66" charset="-127"/>
+                <a:cs typeface="+mn-cs"/>
+              </a:rPr>
+              <a:t> </a:t>
+            </a:r>
+            <a:r>
+              <a:rPr kumimoji="0" lang="ko-KR" altLang="en-US" sz="1500" b="0" i="0" u="none" strike="noStrike" kern="1200" cap="none" spc="0" normalizeH="0" baseline="0" noProof="0" dirty="0">
+                <a:ln>
+                  <a:noFill/>
+                </a:ln>
+                <a:solidFill>
+                  <a:prstClr val="white">
+                    <a:lumMod val="95000"/>
+                  </a:prstClr>
+                </a:solidFill>
+                <a:effectLst/>
+                <a:uLnTx/>
+                <a:uFillTx/>
+                <a:latin typeface="나눔손글씨 펜" panose="03040600000000000000" pitchFamily="66" charset="-127"/>
+                <a:ea typeface="나눔손글씨 펜" panose="03040600000000000000" pitchFamily="66" charset="-127"/>
+                <a:cs typeface="+mn-cs"/>
+              </a:rPr>
+              <a:t>자신의 그때 이야기를</a:t>
+            </a:r>
+            <a:r>
+              <a:rPr kumimoji="0" lang="en-US" altLang="ko-KR" sz="1500" b="0" i="0" u="none" strike="noStrike" kern="1200" cap="none" spc="0" normalizeH="0" baseline="0" noProof="0" dirty="0">
+                <a:ln>
+                  <a:noFill/>
+                </a:ln>
+                <a:solidFill>
+                  <a:prstClr val="white">
+                    <a:lumMod val="95000"/>
+                  </a:prstClr>
+                </a:solidFill>
+                <a:effectLst/>
+                <a:uLnTx/>
+                <a:uFillTx/>
+                <a:latin typeface="나눔손글씨 펜" panose="03040600000000000000" pitchFamily="66" charset="-127"/>
+                <a:ea typeface="나눔손글씨 펜" panose="03040600000000000000" pitchFamily="66" charset="-127"/>
+                <a:cs typeface="+mn-cs"/>
+              </a:rPr>
+              <a:t> </a:t>
+            </a:r>
+            <a:r>
+              <a:rPr kumimoji="0" lang="ko-KR" altLang="en-US" sz="1500" b="0" i="0" u="none" strike="noStrike" kern="1200" cap="none" spc="0" normalizeH="0" baseline="0" noProof="0" dirty="0">
+                <a:ln>
+                  <a:noFill/>
+                </a:ln>
+                <a:solidFill>
+                  <a:prstClr val="white">
+                    <a:lumMod val="95000"/>
+                  </a:prstClr>
+                </a:solidFill>
+                <a:effectLst/>
+                <a:uLnTx/>
+                <a:uFillTx/>
+                <a:latin typeface="나눔손글씨 펜" panose="03040600000000000000" pitchFamily="66" charset="-127"/>
+                <a:ea typeface="나눔손글씨 펜" panose="03040600000000000000" pitchFamily="66" charset="-127"/>
+                <a:cs typeface="+mn-cs"/>
+              </a:rPr>
+              <a:t>나눌 수 있길 바랍니다</a:t>
+            </a:r>
+            <a:r>
+              <a:rPr kumimoji="0" lang="en-US" altLang="ko-KR" sz="1500" b="0" i="0" u="none" strike="noStrike" kern="1200" cap="none" spc="0" normalizeH="0" baseline="0" noProof="0" dirty="0">
+                <a:ln>
+                  <a:noFill/>
+                </a:ln>
+                <a:solidFill>
+                  <a:prstClr val="white">
+                    <a:lumMod val="95000"/>
+                  </a:prstClr>
+                </a:solidFill>
+                <a:effectLst/>
+                <a:uLnTx/>
+                <a:uFillTx/>
+                <a:latin typeface="나눔손글씨 펜" panose="03040600000000000000" pitchFamily="66" charset="-127"/>
+                <a:ea typeface="나눔손글씨 펜" panose="03040600000000000000" pitchFamily="66" charset="-127"/>
+                <a:cs typeface="+mn-cs"/>
+              </a:rPr>
+              <a:t> </a:t>
+            </a:r>
+            <a:r>
+              <a:rPr kumimoji="0" lang="ko-KR" altLang="en-US" sz="1500" b="0" i="0" u="none" strike="noStrike" kern="1200" cap="none" spc="0" normalizeH="0" baseline="0" noProof="0" dirty="0">
+                <a:ln>
+                  <a:noFill/>
+                </a:ln>
+                <a:solidFill>
+                  <a:prstClr val="white">
+                    <a:lumMod val="95000"/>
+                  </a:prstClr>
+                </a:solidFill>
+                <a:effectLst/>
+                <a:uLnTx/>
+                <a:uFillTx/>
+                <a:latin typeface="나눔손글씨 펜" panose="03040600000000000000" pitchFamily="66" charset="-127"/>
+                <a:ea typeface="나눔손글씨 펜" panose="03040600000000000000" pitchFamily="66" charset="-127"/>
+                <a:cs typeface="+mn-cs"/>
+              </a:rPr>
+              <a:t>우리의 그때보다는 뒤에 오는 사람들의 그때가</a:t>
+            </a:r>
+            <a:r>
+              <a:rPr kumimoji="0" lang="en-US" altLang="ko-KR" sz="1500" b="0" i="0" u="none" strike="noStrike" kern="1200" cap="none" spc="0" normalizeH="0" baseline="0" noProof="0" dirty="0">
+                <a:ln>
+                  <a:noFill/>
+                </a:ln>
+                <a:solidFill>
+                  <a:prstClr val="white">
+                    <a:lumMod val="95000"/>
+                  </a:prstClr>
+                </a:solidFill>
+                <a:effectLst/>
+                <a:uLnTx/>
+                <a:uFillTx/>
+                <a:latin typeface="나눔손글씨 펜" panose="03040600000000000000" pitchFamily="66" charset="-127"/>
+                <a:ea typeface="나눔손글씨 펜" panose="03040600000000000000" pitchFamily="66" charset="-127"/>
+                <a:cs typeface="+mn-cs"/>
+              </a:rPr>
+              <a:t> </a:t>
+            </a:r>
+            <a:r>
+              <a:rPr kumimoji="0" lang="ko-KR" altLang="en-US" sz="1500" b="0" i="0" u="none" strike="noStrike" kern="1200" cap="none" spc="0" normalizeH="0" baseline="0" noProof="0" dirty="0">
+                <a:ln>
+                  <a:noFill/>
+                </a:ln>
+                <a:solidFill>
+                  <a:prstClr val="white">
+                    <a:lumMod val="95000"/>
+                  </a:prstClr>
+                </a:solidFill>
+                <a:effectLst/>
+                <a:uLnTx/>
+                <a:uFillTx/>
+                <a:latin typeface="나눔손글씨 펜" panose="03040600000000000000" pitchFamily="66" charset="-127"/>
+                <a:ea typeface="나눔손글씨 펜" panose="03040600000000000000" pitchFamily="66" charset="-127"/>
+                <a:cs typeface="+mn-cs"/>
+              </a:rPr>
+              <a:t>늘 좀 더 낫기를 바랍니다</a:t>
+            </a:r>
+            <a:endParaRPr kumimoji="0" lang="en-US" altLang="ko-KR" sz="1500" b="0" i="0" u="none" strike="noStrike" kern="1200" cap="none" spc="0" normalizeH="0" baseline="0" noProof="0" dirty="0">
               <a:ln>
                 <a:noFill/>
               </a:ln>
               <a:solidFill>
-                <a:prstClr val="white"/>
+                <a:prstClr val="white">
+                  <a:lumMod val="95000"/>
+                </a:prstClr>
               </a:solidFill>
               <a:effectLst/>
               <a:uLnTx/>
               <a:uFillTx/>
-              <a:latin typeface="나눔스퀘어 Bold" panose="020B0600000101010101" pitchFamily="50" charset="-127"/>
-              <a:ea typeface="나눔스퀘어 Bold" panose="020B0600000101010101" pitchFamily="50" charset="-127"/>
+              <a:latin typeface="나눔손글씨 펜" panose="03040600000000000000" pitchFamily="66" charset="-127"/>
+              <a:ea typeface="나눔손글씨 펜" panose="03040600000000000000" pitchFamily="66" charset="-127"/>
               <a:cs typeface="+mn-cs"/>
             </a:endParaRPr>
           </a:p>
-        </p:txBody>
-      </p:sp>
+          <a:p>
+            <a:pPr marL="0" marR="0" lvl="0" indent="0" algn="r" defTabSz="457200" rtl="0" eaLnBrk="1" fontAlgn="auto" latinLnBrk="0" hangingPunct="1">
+              <a:lnSpc>
+                <a:spcPts val="2300"/>
+              </a:lnSpc>
+              <a:spcBef>
+                <a:spcPts val="0"/>
+              </a:spcBef>
+              <a:spcAft>
+                <a:spcPts val="0"/>
+              </a:spcAft>
+              <a:buClrTx/>
+              <a:buSzTx/>
+              <a:buFontTx/>
+              <a:buNone/>
+              <a:tabLst/>
+              <a:defRPr/>
+            </a:pPr>
+            <a:r>
+              <a:rPr kumimoji="0" lang="ko-KR" altLang="en-US" sz="1500" b="0" i="0" u="none" strike="noStrike" kern="1200" cap="none" spc="0" normalizeH="0" baseline="0" noProof="0" dirty="0">
+                <a:ln>
+                  <a:noFill/>
+                </a:ln>
+                <a:solidFill>
+                  <a:prstClr val="white">
+                    <a:lumMod val="95000"/>
+                  </a:prstClr>
+                </a:solidFill>
+                <a:effectLst/>
+                <a:uLnTx/>
+                <a:uFillTx/>
+                <a:latin typeface="나눔손글씨 펜" panose="03040600000000000000" pitchFamily="66" charset="-127"/>
+                <a:ea typeface="나눔손글씨 펜" panose="03040600000000000000" pitchFamily="66" charset="-127"/>
+                <a:cs typeface="+mn-cs"/>
+              </a:rPr>
+              <a:t>이것이 지금 우리의 작은 바람입니다</a:t>
+            </a:r>
+            <a:r>
+              <a:rPr kumimoji="0" lang="en-US" altLang="ko-KR" sz="1500" b="0" i="0" u="none" strike="noStrike" kern="1200" cap="none" spc="0" normalizeH="0" baseline="0" noProof="0" dirty="0">
+                <a:ln>
+                  <a:noFill/>
+                </a:ln>
+                <a:solidFill>
+                  <a:prstClr val="white">
+                    <a:lumMod val="95000"/>
+                  </a:prstClr>
+                </a:solidFill>
+                <a:effectLst/>
+                <a:uLnTx/>
+                <a:uFillTx/>
+                <a:latin typeface="나눔손글씨 펜" panose="03040600000000000000" pitchFamily="66" charset="-127"/>
+                <a:ea typeface="나눔손글씨 펜" panose="03040600000000000000" pitchFamily="66" charset="-127"/>
+                <a:cs typeface="+mn-cs"/>
+              </a:rPr>
+              <a:t>. ”</a:t>
+            </a:r>
+            <a:endParaRPr kumimoji="0" lang="ko-KR" altLang="en-US" sz="1500" b="0" i="0" u="none" strike="noStrike" kern="1200" cap="none" spc="0" normalizeH="0" baseline="0" noProof="0" dirty="0">
+              <a:ln>
+                <a:noFill/>
+              </a:ln>
+              <a:solidFill>
+                <a:prstClr val="white">
+                  <a:lumMod val="95000"/>
+                </a:prstClr>
+              </a:solidFill>
+              <a:effectLst/>
+              <a:uLnTx/>
+              <a:uFillTx/>
+              <a:latin typeface="나눔손글씨 펜" panose="03040600000000000000" pitchFamily="66" charset="-127"/>
+              <a:ea typeface="나눔손글씨 펜" panose="03040600000000000000" pitchFamily="66" charset="-127"/>
+              <a:cs typeface="+mn-cs"/>
+            </a:endParaRPr>
+          </a:p>
+        </p:txBody>
+      </p:sp>
+      <p:pic>
+        <p:nvPicPr>
+          <p:cNvPr id="4" name="그림 3">
+            <a:extLst>
+              <a:ext uri="{FF2B5EF4-FFF2-40B4-BE49-F238E27FC236}">
+                <a16:creationId xmlns:a16="http://schemas.microsoft.com/office/drawing/2014/main" id="{1F259E2C-8E6D-9B1C-F4C9-0FF193826FB2}"/>
+              </a:ext>
+            </a:extLst>
+          </p:cNvPr>
+          <p:cNvPicPr>
+            <a:picLocks noChangeAspect="1"/>
+          </p:cNvPicPr>
+          <p:nvPr/>
+        </p:nvPicPr>
+        <p:blipFill>
+          <a:blip r:embed="rId2">
+            <a:extLst>
+              <a:ext uri="{28A0092B-C50C-407E-A947-70E740481C1C}">
+                <a14:useLocalDpi xmlns:a14="http://schemas.microsoft.com/office/drawing/2010/main" val="0"/>
+              </a:ext>
+            </a:extLst>
+          </a:blip>
+          <a:stretch>
+            <a:fillRect/>
+          </a:stretch>
+        </p:blipFill>
+        <p:spPr>
+          <a:xfrm>
+            <a:off x="5861469" y="9032053"/>
+            <a:ext cx="696640" cy="695247"/>
+          </a:xfrm>
+          <a:prstGeom prst="rect">
+            <a:avLst/>
+          </a:prstGeom>
+        </p:spPr>
+      </p:pic>
     </p:spTree>
     <p:extLst>
       <p:ext uri="{BB962C8B-B14F-4D97-AF65-F5344CB8AC3E}">
-        <p14:creationId xmlns:p14="http://schemas.microsoft.com/office/powerpoint/2010/main" val="4122282815"/>
+        <p14:creationId xmlns:p14="http://schemas.microsoft.com/office/powerpoint/2010/main" val="2250105652"/>
       </p:ext>
     </p:extLst>
   </p:cSld>
@@ -6809,671 +6269,116 @@
       </p:grpSpPr>
       <p:sp>
         <p:nvSpPr>
-          <p:cNvPr id="4" name="TextBox 3">
+          <p:cNvPr id="2" name="제목 1">
             <a:extLst>
               <a:ext uri="{FF2B5EF4-FFF2-40B4-BE49-F238E27FC236}">
-                <a16:creationId xmlns:a16="http://schemas.microsoft.com/office/drawing/2014/main" id="{63A27D4E-033A-B37E-FA81-B7F0756B77C0}"/>
+                <a16:creationId xmlns:a16="http://schemas.microsoft.com/office/drawing/2014/main" id="{3A0DA4F5-D4D0-9A08-5213-A084430CB822}"/>
               </a:ext>
             </a:extLst>
           </p:cNvPr>
-          <p:cNvSpPr txBox="1"/>
+          <p:cNvSpPr>
+            <a:spLocks noGrp="1"/>
+          </p:cNvSpPr>
+          <p:nvPr>
+            <p:ph type="title"/>
+          </p:nvPr>
+        </p:nvSpPr>
+        <p:spPr/>
+        <p:txBody>
+          <a:bodyPr/>
+          <a:lstStyle/>
+          <a:p>
+            <a:r>
+              <a:rPr lang="ko-KR" altLang="en-US" dirty="0"/>
+              <a:t>지금 </a:t>
+            </a:r>
+            <a:r>
+              <a:rPr lang="en-US" altLang="ko-KR" dirty="0"/>
+              <a:t>&amp; </a:t>
+            </a:r>
+            <a:r>
+              <a:rPr lang="ko-KR" altLang="en-US" dirty="0"/>
+              <a:t>그때</a:t>
+            </a:r>
+          </a:p>
+        </p:txBody>
+      </p:sp>
+      <p:sp>
+        <p:nvSpPr>
+          <p:cNvPr id="3" name="내용 개체 틀 2">
+            <a:extLst>
+              <a:ext uri="{FF2B5EF4-FFF2-40B4-BE49-F238E27FC236}">
+                <a16:creationId xmlns:a16="http://schemas.microsoft.com/office/drawing/2014/main" id="{D1175B77-B1D6-D757-D6A8-495F0629BD74}"/>
+              </a:ext>
+            </a:extLst>
+          </p:cNvPr>
+          <p:cNvSpPr>
+            <a:spLocks noGrp="1"/>
+          </p:cNvSpPr>
+          <p:nvPr>
+            <p:ph idx="1"/>
+          </p:nvPr>
+        </p:nvSpPr>
+        <p:spPr/>
+        <p:txBody>
+          <a:bodyPr/>
+          <a:lstStyle/>
+          <a:p>
+            <a:endParaRPr lang="ko-KR" altLang="en-US"/>
+          </a:p>
+        </p:txBody>
+      </p:sp>
+      <p:pic>
+        <p:nvPicPr>
+          <p:cNvPr id="1026" name="Picture 2">
+            <a:extLst>
+              <a:ext uri="{FF2B5EF4-FFF2-40B4-BE49-F238E27FC236}">
+                <a16:creationId xmlns:a16="http://schemas.microsoft.com/office/drawing/2014/main" id="{1165C7C1-C547-0F24-280F-1E2C7F7CB780}"/>
+              </a:ext>
+            </a:extLst>
+          </p:cNvPr>
+          <p:cNvPicPr>
+            <a:picLocks noChangeAspect="1" noChangeArrowheads="1"/>
+          </p:cNvPicPr>
           <p:nvPr/>
-        </p:nvSpPr>
-        <p:spPr>
+        </p:nvPicPr>
+        <p:blipFill>
+          <a:blip r:embed="rId2">
+            <a:extLst>
+              <a:ext uri="{28A0092B-C50C-407E-A947-70E740481C1C}">
+                <a14:useLocalDpi xmlns:a14="http://schemas.microsoft.com/office/drawing/2010/main" val="0"/>
+              </a:ext>
+            </a:extLst>
+          </a:blip>
+          <a:srcRect/>
+          <a:stretch>
+            <a:fillRect/>
+          </a:stretch>
+        </p:blipFill>
+        <p:spPr bwMode="auto">
           <a:xfrm>
-            <a:off x="743395" y="649863"/>
-            <a:ext cx="5371210" cy="8679299"/>
+            <a:off x="0" y="3319463"/>
+            <a:ext cx="6858000" cy="3265487"/>
           </a:xfrm>
           <a:prstGeom prst="rect">
             <a:avLst/>
           </a:prstGeom>
           <a:noFill/>
+          <a:extLst>
+            <a:ext uri="{909E8E84-426E-40DD-AFC4-6F175D3DCCD1}">
+              <a14:hiddenFill xmlns:a14="http://schemas.microsoft.com/office/drawing/2010/main">
+                <a:solidFill>
+                  <a:srgbClr val="FFFFFF"/>
+                </a:solidFill>
+              </a14:hiddenFill>
+            </a:ext>
+          </a:extLst>
         </p:spPr>
-        <p:txBody>
-          <a:bodyPr wrap="square">
-            <a:spAutoFit/>
-          </a:bodyPr>
-          <a:lstStyle/>
-          <a:p>
-            <a:r>
-              <a:rPr lang="en-US" altLang="ko-KR" dirty="0">
-                <a:latin typeface="나눔스퀘어_ac Bold" panose="020B0600000101010101" pitchFamily="50" charset="-127"/>
-                <a:ea typeface="나눔스퀘어_ac Bold" panose="020B0600000101010101" pitchFamily="50" charset="-127"/>
-              </a:rPr>
-              <a:t>[2022 </a:t>
-            </a:r>
-            <a:r>
-              <a:rPr lang="ko-KR" altLang="en-US" dirty="0" err="1">
-                <a:latin typeface="나눔스퀘어_ac Bold" panose="020B0600000101010101" pitchFamily="50" charset="-127"/>
-                <a:ea typeface="나눔스퀘어_ac Bold" panose="020B0600000101010101" pitchFamily="50" charset="-127"/>
-              </a:rPr>
-              <a:t>지금그때</a:t>
-            </a:r>
-            <a:r>
-              <a:rPr lang="ko-KR" altLang="en-US" dirty="0">
-                <a:latin typeface="나눔스퀘어_ac Bold" panose="020B0600000101010101" pitchFamily="50" charset="-127"/>
-                <a:ea typeface="나눔스퀘어_ac Bold" panose="020B0600000101010101" pitchFamily="50" charset="-127"/>
-              </a:rPr>
-              <a:t> 신청서 및 수요조사 </a:t>
-            </a:r>
-            <a:r>
-              <a:rPr lang="en-US" altLang="ko-KR" dirty="0">
-                <a:latin typeface="나눔스퀘어_ac Bold" panose="020B0600000101010101" pitchFamily="50" charset="-127"/>
-                <a:ea typeface="나눔스퀘어_ac Bold" panose="020B0600000101010101" pitchFamily="50" charset="-127"/>
-              </a:rPr>
-              <a:t>(</a:t>
-            </a:r>
-            <a:r>
-              <a:rPr lang="ko-KR" altLang="en-US" dirty="0">
-                <a:latin typeface="나눔스퀘어_ac Bold" panose="020B0600000101010101" pitchFamily="50" charset="-127"/>
-                <a:ea typeface="나눔스퀘어_ac Bold" panose="020B0600000101010101" pitchFamily="50" charset="-127"/>
-              </a:rPr>
-              <a:t>졸업생</a:t>
-            </a:r>
-            <a:r>
-              <a:rPr lang="en-US" altLang="ko-KR" dirty="0">
-                <a:latin typeface="나눔스퀘어_ac Bold" panose="020B0600000101010101" pitchFamily="50" charset="-127"/>
-                <a:ea typeface="나눔스퀘어_ac Bold" panose="020B0600000101010101" pitchFamily="50" charset="-127"/>
-              </a:rPr>
-              <a:t>)]</a:t>
-            </a:r>
-          </a:p>
-          <a:p>
-            <a:endParaRPr lang="en-US" altLang="ko-KR" dirty="0">
-              <a:latin typeface="나눔스퀘어_ac Bold" panose="020B0600000101010101" pitchFamily="50" charset="-127"/>
-              <a:ea typeface="나눔스퀘어_ac Bold" panose="020B0600000101010101" pitchFamily="50" charset="-127"/>
-            </a:endParaRPr>
-          </a:p>
-          <a:p>
-            <a:r>
-              <a:rPr lang="ko-KR" altLang="en-US" dirty="0">
-                <a:latin typeface="나눔스퀘어_ac Bold" panose="020B0600000101010101" pitchFamily="50" charset="-127"/>
-                <a:ea typeface="나눔스퀘어_ac Bold" panose="020B0600000101010101" pitchFamily="50" charset="-127"/>
-              </a:rPr>
-              <a:t>안녕하세요</a:t>
-            </a:r>
-            <a:r>
-              <a:rPr lang="en-US" altLang="ko-KR" dirty="0">
-                <a:latin typeface="나눔스퀘어_ac Bold" panose="020B0600000101010101" pitchFamily="50" charset="-127"/>
-                <a:ea typeface="나눔스퀘어_ac Bold" panose="020B0600000101010101" pitchFamily="50" charset="-127"/>
-              </a:rPr>
-              <a:t>, </a:t>
-            </a:r>
-            <a:r>
-              <a:rPr lang="en-US" altLang="ko-KR" dirty="0" err="1">
-                <a:latin typeface="나눔스퀘어_ac Bold" panose="020B0600000101010101" pitchFamily="50" charset="-127"/>
-                <a:ea typeface="나눔스퀘어_ac Bold" panose="020B0600000101010101" pitchFamily="50" charset="-127"/>
-              </a:rPr>
-              <a:t>ZeroPage</a:t>
-            </a:r>
-            <a:r>
-              <a:rPr lang="en-US" altLang="ko-KR" dirty="0">
-                <a:latin typeface="나눔스퀘어_ac Bold" panose="020B0600000101010101" pitchFamily="50" charset="-127"/>
-                <a:ea typeface="나눔스퀘어_ac Bold" panose="020B0600000101010101" pitchFamily="50" charset="-127"/>
-              </a:rPr>
-              <a:t> 32</a:t>
-            </a:r>
-            <a:r>
-              <a:rPr lang="ko-KR" altLang="en-US" dirty="0">
-                <a:latin typeface="나눔스퀘어_ac Bold" panose="020B0600000101010101" pitchFamily="50" charset="-127"/>
-                <a:ea typeface="나눔스퀘어_ac Bold" panose="020B0600000101010101" pitchFamily="50" charset="-127"/>
-              </a:rPr>
-              <a:t>대 회장단입니다</a:t>
-            </a:r>
-            <a:r>
-              <a:rPr lang="en-US" altLang="ko-KR" dirty="0">
-                <a:latin typeface="나눔스퀘어_ac Bold" panose="020B0600000101010101" pitchFamily="50" charset="-127"/>
-                <a:ea typeface="나눔스퀘어_ac Bold" panose="020B0600000101010101" pitchFamily="50" charset="-127"/>
-              </a:rPr>
-              <a:t>. 2022</a:t>
-            </a:r>
-            <a:r>
-              <a:rPr lang="ko-KR" altLang="en-US" dirty="0">
-                <a:latin typeface="나눔스퀘어_ac Bold" panose="020B0600000101010101" pitchFamily="50" charset="-127"/>
-                <a:ea typeface="나눔스퀘어_ac Bold" panose="020B0600000101010101" pitchFamily="50" charset="-127"/>
-              </a:rPr>
-              <a:t>년 </a:t>
-            </a:r>
-            <a:r>
-              <a:rPr lang="ko-KR" altLang="en-US" dirty="0" err="1">
-                <a:latin typeface="나눔스퀘어_ac Bold" panose="020B0600000101010101" pitchFamily="50" charset="-127"/>
-                <a:ea typeface="나눔스퀘어_ac Bold" panose="020B0600000101010101" pitchFamily="50" charset="-127"/>
-              </a:rPr>
-              <a:t>지금그때</a:t>
-            </a:r>
-            <a:r>
-              <a:rPr lang="ko-KR" altLang="en-US" dirty="0">
-                <a:latin typeface="나눔스퀘어_ac Bold" panose="020B0600000101010101" pitchFamily="50" charset="-127"/>
-                <a:ea typeface="나눔스퀘어_ac Bold" panose="020B0600000101010101" pitchFamily="50" charset="-127"/>
-              </a:rPr>
-              <a:t> 행사를 이번 달 </a:t>
-            </a:r>
-            <a:r>
-              <a:rPr lang="en-US" altLang="ko-KR" dirty="0">
-                <a:latin typeface="나눔스퀘어_ac Bold" panose="020B0600000101010101" pitchFamily="50" charset="-127"/>
-                <a:ea typeface="나눔스퀘어_ac Bold" panose="020B0600000101010101" pitchFamily="50" charset="-127"/>
-              </a:rPr>
-              <a:t>11</a:t>
-            </a:r>
-            <a:r>
-              <a:rPr lang="ko-KR" altLang="en-US" dirty="0">
-                <a:latin typeface="나눔스퀘어_ac Bold" panose="020B0600000101010101" pitchFamily="50" charset="-127"/>
-                <a:ea typeface="나눔스퀘어_ac Bold" panose="020B0600000101010101" pitchFamily="50" charset="-127"/>
-              </a:rPr>
-              <a:t>월 </a:t>
-            </a:r>
-            <a:r>
-              <a:rPr lang="en-US" altLang="ko-KR" dirty="0">
-                <a:latin typeface="나눔스퀘어_ac Bold" panose="020B0600000101010101" pitchFamily="50" charset="-127"/>
-                <a:ea typeface="나눔스퀘어_ac Bold" panose="020B0600000101010101" pitchFamily="50" charset="-127"/>
-              </a:rPr>
-              <a:t>26</a:t>
-            </a:r>
-            <a:r>
-              <a:rPr lang="ko-KR" altLang="en-US" dirty="0">
-                <a:latin typeface="나눔스퀘어_ac Bold" panose="020B0600000101010101" pitchFamily="50" charset="-127"/>
-                <a:ea typeface="나눔스퀘어_ac Bold" panose="020B0600000101010101" pitchFamily="50" charset="-127"/>
-              </a:rPr>
-              <a:t>일 토요일</a:t>
-            </a:r>
-            <a:r>
-              <a:rPr lang="en-US" altLang="ko-KR" dirty="0">
-                <a:latin typeface="나눔스퀘어_ac Bold" panose="020B0600000101010101" pitchFamily="50" charset="-127"/>
-                <a:ea typeface="나눔스퀘어_ac Bold" panose="020B0600000101010101" pitchFamily="50" charset="-127"/>
-              </a:rPr>
-              <a:t>, </a:t>
-            </a:r>
-            <a:r>
-              <a:rPr lang="ko-KR" altLang="en-US" dirty="0">
-                <a:latin typeface="나눔스퀘어_ac Bold" panose="020B0600000101010101" pitchFamily="50" charset="-127"/>
-                <a:ea typeface="나눔스퀘어_ac Bold" panose="020B0600000101010101" pitchFamily="50" charset="-127"/>
-              </a:rPr>
-              <a:t>중앙대학교 강의실에서 진행할 예정입니다</a:t>
-            </a:r>
-            <a:r>
-              <a:rPr lang="en-US" altLang="ko-KR" dirty="0">
-                <a:latin typeface="나눔스퀘어_ac Bold" panose="020B0600000101010101" pitchFamily="50" charset="-127"/>
-                <a:ea typeface="나눔스퀘어_ac Bold" panose="020B0600000101010101" pitchFamily="50" charset="-127"/>
-              </a:rPr>
-              <a:t>. </a:t>
-            </a:r>
-            <a:r>
-              <a:rPr lang="ko-KR" altLang="en-US" dirty="0">
-                <a:latin typeface="나눔스퀘어_ac Bold" panose="020B0600000101010101" pitchFamily="50" charset="-127"/>
-                <a:ea typeface="나눔스퀘어_ac Bold" panose="020B0600000101010101" pitchFamily="50" charset="-127"/>
-              </a:rPr>
-              <a:t>따라서</a:t>
-            </a:r>
-            <a:r>
-              <a:rPr lang="en-US" altLang="ko-KR" dirty="0">
-                <a:latin typeface="나눔스퀘어_ac Bold" panose="020B0600000101010101" pitchFamily="50" charset="-127"/>
-                <a:ea typeface="나눔스퀘어_ac Bold" panose="020B0600000101010101" pitchFamily="50" charset="-127"/>
-              </a:rPr>
-              <a:t>, </a:t>
-            </a:r>
-            <a:r>
-              <a:rPr lang="ko-KR" altLang="en-US" dirty="0">
-                <a:latin typeface="나눔스퀘어_ac Bold" panose="020B0600000101010101" pitchFamily="50" charset="-127"/>
-                <a:ea typeface="나눔스퀘어_ac Bold" panose="020B0600000101010101" pitchFamily="50" charset="-127"/>
-              </a:rPr>
-              <a:t>예상 인원을 파악하고자 수요조사를 부탁드리게 되었습니다</a:t>
-            </a:r>
-            <a:r>
-              <a:rPr lang="en-US" altLang="ko-KR" dirty="0">
-                <a:latin typeface="나눔스퀘어_ac Bold" panose="020B0600000101010101" pitchFamily="50" charset="-127"/>
-                <a:ea typeface="나눔스퀘어_ac Bold" panose="020B0600000101010101" pitchFamily="50" charset="-127"/>
-              </a:rPr>
-              <a:t>.</a:t>
-            </a:r>
-          </a:p>
-          <a:p>
-            <a:endParaRPr lang="en-US" altLang="ko-KR" dirty="0">
-              <a:latin typeface="나눔스퀘어_ac Bold" panose="020B0600000101010101" pitchFamily="50" charset="-127"/>
-              <a:ea typeface="나눔스퀘어_ac Bold" panose="020B0600000101010101" pitchFamily="50" charset="-127"/>
-            </a:endParaRPr>
-          </a:p>
-          <a:p>
-            <a:r>
-              <a:rPr lang="ko-KR" altLang="en-US" dirty="0">
-                <a:latin typeface="나눔스퀘어_ac Bold" panose="020B0600000101010101" pitchFamily="50" charset="-127"/>
-                <a:ea typeface="나눔스퀘어_ac Bold" panose="020B0600000101010101" pitchFamily="50" charset="-127"/>
-              </a:rPr>
-              <a:t>올해에도 </a:t>
-            </a:r>
-            <a:r>
-              <a:rPr lang="en-US" altLang="ko-KR" dirty="0" err="1">
-                <a:latin typeface="나눔스퀘어_ac Bold" panose="020B0600000101010101" pitchFamily="50" charset="-127"/>
-                <a:ea typeface="나눔스퀘어_ac Bold" panose="020B0600000101010101" pitchFamily="50" charset="-127"/>
-              </a:rPr>
-              <a:t>ZeroPage</a:t>
-            </a:r>
-            <a:r>
-              <a:rPr lang="ko-KR" altLang="en-US" dirty="0">
-                <a:latin typeface="나눔스퀘어_ac Bold" panose="020B0600000101010101" pitchFamily="50" charset="-127"/>
-                <a:ea typeface="나눔스퀘어_ac Bold" panose="020B0600000101010101" pitchFamily="50" charset="-127"/>
-              </a:rPr>
-              <a:t>의 정신을 이어받아 선배님들의 그때와 후배님들의 지금이 만나 서로 교류함으로써</a:t>
-            </a:r>
-            <a:r>
-              <a:rPr lang="en-US" altLang="ko-KR" dirty="0">
-                <a:latin typeface="나눔스퀘어_ac Bold" panose="020B0600000101010101" pitchFamily="50" charset="-127"/>
-                <a:ea typeface="나눔스퀘어_ac Bold" panose="020B0600000101010101" pitchFamily="50" charset="-127"/>
-              </a:rPr>
-              <a:t>, </a:t>
-            </a:r>
-            <a:r>
-              <a:rPr lang="ko-KR" altLang="en-US" dirty="0">
-                <a:latin typeface="나눔스퀘어_ac Bold" panose="020B0600000101010101" pitchFamily="50" charset="-127"/>
-                <a:ea typeface="나눔스퀘어_ac Bold" panose="020B0600000101010101" pitchFamily="50" charset="-127"/>
-              </a:rPr>
-              <a:t>좋은 관계와 조언과 경험과 고민을 공유할 수 있는 자리가 되었으면 좋겠습니다</a:t>
-            </a:r>
-            <a:r>
-              <a:rPr lang="en-US" altLang="ko-KR" dirty="0">
-                <a:latin typeface="나눔스퀘어_ac Bold" panose="020B0600000101010101" pitchFamily="50" charset="-127"/>
-                <a:ea typeface="나눔스퀘어_ac Bold" panose="020B0600000101010101" pitchFamily="50" charset="-127"/>
-              </a:rPr>
-              <a:t>.</a:t>
-            </a:r>
-          </a:p>
-          <a:p>
-            <a:endParaRPr lang="en-US" altLang="ko-KR" dirty="0">
-              <a:latin typeface="나눔스퀘어_ac Bold" panose="020B0600000101010101" pitchFamily="50" charset="-127"/>
-              <a:ea typeface="나눔스퀘어_ac Bold" panose="020B0600000101010101" pitchFamily="50" charset="-127"/>
-            </a:endParaRPr>
-          </a:p>
-          <a:p>
-            <a:r>
-              <a:rPr lang="ko-KR" altLang="en-US" dirty="0">
-                <a:latin typeface="나눔스퀘어_ac Bold" panose="020B0600000101010101" pitchFamily="50" charset="-127"/>
-                <a:ea typeface="나눔스퀘어_ac Bold" panose="020B0600000101010101" pitchFamily="50" charset="-127"/>
-              </a:rPr>
-              <a:t>현재 오프라인 행사를 기본으로 기획하고 있습니다만</a:t>
-            </a:r>
-            <a:r>
-              <a:rPr lang="en-US" altLang="ko-KR" dirty="0">
-                <a:latin typeface="나눔스퀘어_ac Bold" panose="020B0600000101010101" pitchFamily="50" charset="-127"/>
-                <a:ea typeface="나눔스퀘어_ac Bold" panose="020B0600000101010101" pitchFamily="50" charset="-127"/>
-              </a:rPr>
-              <a:t>, </a:t>
-            </a:r>
-            <a:r>
-              <a:rPr lang="ko-KR" altLang="en-US" dirty="0">
-                <a:latin typeface="나눔스퀘어_ac Bold" panose="020B0600000101010101" pitchFamily="50" charset="-127"/>
-                <a:ea typeface="나눔스퀘어_ac Bold" panose="020B0600000101010101" pitchFamily="50" charset="-127"/>
-              </a:rPr>
-              <a:t>작년 </a:t>
-            </a:r>
-            <a:r>
-              <a:rPr lang="ko-KR" altLang="en-US" dirty="0" err="1">
-                <a:latin typeface="나눔스퀘어_ac Bold" panose="020B0600000101010101" pitchFamily="50" charset="-127"/>
-                <a:ea typeface="나눔스퀘어_ac Bold" panose="020B0600000101010101" pitchFamily="50" charset="-127"/>
-              </a:rPr>
-              <a:t>게더타운으로</a:t>
-            </a:r>
-            <a:r>
-              <a:rPr lang="ko-KR" altLang="en-US" dirty="0">
-                <a:latin typeface="나눔스퀘어_ac Bold" panose="020B0600000101010101" pitchFamily="50" charset="-127"/>
-                <a:ea typeface="나눔스퀘어_ac Bold" panose="020B0600000101010101" pitchFamily="50" charset="-127"/>
-              </a:rPr>
-              <a:t> 진행된 </a:t>
-            </a:r>
-            <a:r>
-              <a:rPr lang="ko-KR" altLang="en-US" dirty="0" err="1">
-                <a:latin typeface="나눔스퀘어_ac Bold" panose="020B0600000101010101" pitchFamily="50" charset="-127"/>
-                <a:ea typeface="나눔스퀘어_ac Bold" panose="020B0600000101010101" pitchFamily="50" charset="-127"/>
-              </a:rPr>
-              <a:t>지금그때</a:t>
-            </a:r>
-            <a:r>
-              <a:rPr lang="ko-KR" altLang="en-US" dirty="0">
-                <a:latin typeface="나눔스퀘어_ac Bold" panose="020B0600000101010101" pitchFamily="50" charset="-127"/>
-                <a:ea typeface="나눔스퀘어_ac Bold" panose="020B0600000101010101" pitchFamily="50" charset="-127"/>
-              </a:rPr>
-              <a:t> 행사의 회고에 </a:t>
-            </a:r>
-            <a:r>
-              <a:rPr lang="en-US" altLang="ko-KR" dirty="0">
-                <a:latin typeface="나눔스퀘어_ac Bold" panose="020B0600000101010101" pitchFamily="50" charset="-127"/>
-                <a:ea typeface="나눔스퀘어_ac Bold" panose="020B0600000101010101" pitchFamily="50" charset="-127"/>
-              </a:rPr>
-              <a:t>"</a:t>
-            </a:r>
-            <a:r>
-              <a:rPr lang="ko-KR" altLang="en-US" dirty="0">
-                <a:latin typeface="나눔스퀘어_ac Bold" panose="020B0600000101010101" pitchFamily="50" charset="-127"/>
-                <a:ea typeface="나눔스퀘어_ac Bold" panose="020B0600000101010101" pitchFamily="50" charset="-127"/>
-              </a:rPr>
-              <a:t>온라인으로 진행되니 많은 이들이 모일 수 있어서 좋았던 것 같다</a:t>
-            </a:r>
-            <a:r>
-              <a:rPr lang="en-US" altLang="ko-KR" dirty="0">
-                <a:latin typeface="나눔스퀘어_ac Bold" panose="020B0600000101010101" pitchFamily="50" charset="-127"/>
-                <a:ea typeface="나눔스퀘어_ac Bold" panose="020B0600000101010101" pitchFamily="50" charset="-127"/>
-              </a:rPr>
-              <a:t>"</a:t>
-            </a:r>
-            <a:r>
-              <a:rPr lang="ko-KR" altLang="en-US" dirty="0">
-                <a:latin typeface="나눔스퀘어_ac Bold" panose="020B0600000101010101" pitchFamily="50" charset="-127"/>
-                <a:ea typeface="나눔스퀘어_ac Bold" panose="020B0600000101010101" pitchFamily="50" charset="-127"/>
-              </a:rPr>
-              <a:t>는 의견이 있었습니다</a:t>
-            </a:r>
-            <a:r>
-              <a:rPr lang="en-US" altLang="ko-KR" dirty="0">
-                <a:latin typeface="나눔스퀘어_ac Bold" panose="020B0600000101010101" pitchFamily="50" charset="-127"/>
-                <a:ea typeface="나눔스퀘어_ac Bold" panose="020B0600000101010101" pitchFamily="50" charset="-127"/>
-              </a:rPr>
-              <a:t>.</a:t>
-            </a:r>
-          </a:p>
-          <a:p>
-            <a:endParaRPr lang="en-US" altLang="ko-KR" dirty="0">
-              <a:latin typeface="나눔스퀘어_ac Bold" panose="020B0600000101010101" pitchFamily="50" charset="-127"/>
-              <a:ea typeface="나눔스퀘어_ac Bold" panose="020B0600000101010101" pitchFamily="50" charset="-127"/>
-            </a:endParaRPr>
-          </a:p>
-          <a:p>
-            <a:r>
-              <a:rPr lang="ko-KR" altLang="en-US" dirty="0">
-                <a:latin typeface="나눔스퀘어_ac Bold" panose="020B0600000101010101" pitchFamily="50" charset="-127"/>
-                <a:ea typeface="나눔스퀘어_ac Bold" panose="020B0600000101010101" pitchFamily="50" charset="-127"/>
-              </a:rPr>
-              <a:t>그래서</a:t>
-            </a:r>
-            <a:r>
-              <a:rPr lang="en-US" altLang="ko-KR" dirty="0">
-                <a:latin typeface="나눔스퀘어_ac Bold" panose="020B0600000101010101" pitchFamily="50" charset="-127"/>
-                <a:ea typeface="나눔스퀘어_ac Bold" panose="020B0600000101010101" pitchFamily="50" charset="-127"/>
-              </a:rPr>
-              <a:t>, </a:t>
-            </a:r>
-            <a:r>
-              <a:rPr lang="ko-KR" altLang="en-US" dirty="0">
-                <a:latin typeface="나눔스퀘어_ac Bold" panose="020B0600000101010101" pitchFamily="50" charset="-127"/>
-                <a:ea typeface="나눔스퀘어_ac Bold" panose="020B0600000101010101" pitchFamily="50" charset="-127"/>
-              </a:rPr>
-              <a:t>저희는 신청을 받음과 동시에</a:t>
-            </a:r>
-            <a:r>
-              <a:rPr lang="en-US" altLang="ko-KR" dirty="0">
-                <a:latin typeface="나눔스퀘어_ac Bold" panose="020B0600000101010101" pitchFamily="50" charset="-127"/>
-                <a:ea typeface="나눔스퀘어_ac Bold" panose="020B0600000101010101" pitchFamily="50" charset="-127"/>
-              </a:rPr>
-              <a:t>, </a:t>
-            </a:r>
-            <a:r>
-              <a:rPr lang="ko-KR" altLang="en-US" dirty="0">
-                <a:latin typeface="나눔스퀘어_ac Bold" panose="020B0600000101010101" pitchFamily="50" charset="-127"/>
-                <a:ea typeface="나눔스퀘어_ac Bold" panose="020B0600000101010101" pitchFamily="50" charset="-127"/>
-              </a:rPr>
-              <a:t>온라인으로만 가능하신 분들의 수요를 조사해보려고 합니다</a:t>
-            </a:r>
-            <a:r>
-              <a:rPr lang="en-US" altLang="ko-KR" dirty="0">
-                <a:latin typeface="나눔스퀘어_ac Bold" panose="020B0600000101010101" pitchFamily="50" charset="-127"/>
-                <a:ea typeface="나눔스퀘어_ac Bold" panose="020B0600000101010101" pitchFamily="50" charset="-127"/>
-              </a:rPr>
-              <a:t>. </a:t>
-            </a:r>
-            <a:r>
-              <a:rPr lang="ko-KR" altLang="en-US" dirty="0">
-                <a:latin typeface="나눔스퀘어_ac Bold" panose="020B0600000101010101" pitchFamily="50" charset="-127"/>
-                <a:ea typeface="나눔스퀘어_ac Bold" panose="020B0600000101010101" pitchFamily="50" charset="-127"/>
-              </a:rPr>
-              <a:t>만약 온라인의 수요가 많다면 저희 회장단은 온</a:t>
-            </a:r>
-            <a:r>
-              <a:rPr lang="en-US" altLang="ko-KR" dirty="0">
-                <a:latin typeface="나눔스퀘어_ac Bold" panose="020B0600000101010101" pitchFamily="50" charset="-127"/>
-                <a:ea typeface="나눔스퀘어_ac Bold" panose="020B0600000101010101" pitchFamily="50" charset="-127"/>
-              </a:rPr>
-              <a:t>/</a:t>
-            </a:r>
-            <a:r>
-              <a:rPr lang="ko-KR" altLang="en-US" dirty="0">
-                <a:latin typeface="나눔스퀘어_ac Bold" panose="020B0600000101010101" pitchFamily="50" charset="-127"/>
-                <a:ea typeface="나눔스퀘어_ac Bold" panose="020B0600000101010101" pitchFamily="50" charset="-127"/>
-              </a:rPr>
-              <a:t>오프라인 병행 또는 전면 온라인 행사로의 기획변경을 고려해보도록 하겠습니다</a:t>
-            </a:r>
-            <a:r>
-              <a:rPr lang="en-US" altLang="ko-KR" dirty="0">
-                <a:latin typeface="나눔스퀘어_ac Bold" panose="020B0600000101010101" pitchFamily="50" charset="-127"/>
-                <a:ea typeface="나눔스퀘어_ac Bold" panose="020B0600000101010101" pitchFamily="50" charset="-127"/>
-              </a:rPr>
-              <a:t>.</a:t>
-            </a:r>
-          </a:p>
-          <a:p>
-            <a:endParaRPr lang="en-US" altLang="ko-KR" dirty="0">
-              <a:latin typeface="나눔스퀘어_ac Bold" panose="020B0600000101010101" pitchFamily="50" charset="-127"/>
-              <a:ea typeface="나눔스퀘어_ac Bold" panose="020B0600000101010101" pitchFamily="50" charset="-127"/>
-            </a:endParaRPr>
-          </a:p>
-          <a:p>
-            <a:r>
-              <a:rPr lang="ko-KR" altLang="en-US" dirty="0">
-                <a:latin typeface="나눔스퀘어_ac Bold" panose="020B0600000101010101" pitchFamily="50" charset="-127"/>
-                <a:ea typeface="나눔스퀘어_ac Bold" panose="020B0600000101010101" pitchFamily="50" charset="-127"/>
-              </a:rPr>
-              <a:t>기존에 진행되었던 </a:t>
-            </a:r>
-            <a:r>
-              <a:rPr lang="ko-KR" altLang="en-US" dirty="0" err="1">
-                <a:latin typeface="나눔스퀘어_ac Bold" panose="020B0600000101010101" pitchFamily="50" charset="-127"/>
-                <a:ea typeface="나눔스퀘어_ac Bold" panose="020B0600000101010101" pitchFamily="50" charset="-127"/>
-              </a:rPr>
-              <a:t>지금그때</a:t>
-            </a:r>
-            <a:r>
-              <a:rPr lang="ko-KR" altLang="en-US" dirty="0">
-                <a:latin typeface="나눔스퀘어_ac Bold" panose="020B0600000101010101" pitchFamily="50" charset="-127"/>
-                <a:ea typeface="나눔스퀘어_ac Bold" panose="020B0600000101010101" pitchFamily="50" charset="-127"/>
-              </a:rPr>
-              <a:t> 행사에 대한 내용은 </a:t>
-            </a:r>
-            <a:r>
-              <a:rPr lang="ko-KR" altLang="en-US" dirty="0" err="1">
-                <a:latin typeface="나눔스퀘어_ac Bold" panose="020B0600000101010101" pitchFamily="50" charset="-127"/>
-                <a:ea typeface="나눔스퀘어_ac Bold" panose="020B0600000101010101" pitchFamily="50" charset="-127"/>
-              </a:rPr>
-              <a:t>위키페이지를</a:t>
-            </a:r>
-            <a:r>
-              <a:rPr lang="ko-KR" altLang="en-US" dirty="0">
-                <a:latin typeface="나눔스퀘어_ac Bold" panose="020B0600000101010101" pitchFamily="50" charset="-127"/>
-                <a:ea typeface="나눔스퀘어_ac Bold" panose="020B0600000101010101" pitchFamily="50" charset="-127"/>
-              </a:rPr>
-              <a:t> 참고해주세요</a:t>
-            </a:r>
-            <a:r>
-              <a:rPr lang="en-US" altLang="ko-KR" dirty="0">
-                <a:latin typeface="나눔스퀘어_ac Bold" panose="020B0600000101010101" pitchFamily="50" charset="-127"/>
-                <a:ea typeface="나눔스퀘어_ac Bold" panose="020B0600000101010101" pitchFamily="50" charset="-127"/>
-              </a:rPr>
-              <a:t>. </a:t>
-            </a:r>
-            <a:r>
-              <a:rPr lang="en-US" altLang="ko-KR" dirty="0">
-                <a:latin typeface="나눔스퀘어_ac Bold" panose="020B0600000101010101" pitchFamily="50" charset="-127"/>
-                <a:ea typeface="나눔스퀘어_ac Bold" panose="020B0600000101010101" pitchFamily="50" charset="-127"/>
-                <a:hlinkClick r:id="rId2"/>
-              </a:rPr>
-              <a:t>https://wiki.zeropage.org/wiki.php/</a:t>
-            </a:r>
-            <a:r>
-              <a:rPr lang="ko-KR" altLang="en-US" dirty="0" err="1">
-                <a:latin typeface="나눔스퀘어_ac Bold" panose="020B0600000101010101" pitchFamily="50" charset="-127"/>
-                <a:ea typeface="나눔스퀘어_ac Bold" panose="020B0600000101010101" pitchFamily="50" charset="-127"/>
-              </a:rPr>
-              <a:t>지금그때</a:t>
-            </a:r>
-            <a:endParaRPr lang="en-US" altLang="ko-KR" dirty="0">
-              <a:latin typeface="나눔스퀘어_ac Bold" panose="020B0600000101010101" pitchFamily="50" charset="-127"/>
-              <a:ea typeface="나눔스퀘어_ac Bold" panose="020B0600000101010101" pitchFamily="50" charset="-127"/>
-            </a:endParaRPr>
-          </a:p>
-          <a:p>
-            <a:endParaRPr lang="en-US" altLang="ko-KR" dirty="0">
-              <a:latin typeface="나눔스퀘어_ac Bold" panose="020B0600000101010101" pitchFamily="50" charset="-127"/>
-              <a:ea typeface="나눔스퀘어_ac Bold" panose="020B0600000101010101" pitchFamily="50" charset="-127"/>
-            </a:endParaRPr>
-          </a:p>
-          <a:p>
-            <a:r>
-              <a:rPr lang="ko-KR" altLang="en-US" dirty="0">
-                <a:latin typeface="나눔스퀘어_ac Bold" panose="020B0600000101010101" pitchFamily="50" charset="-127"/>
-                <a:ea typeface="나눔스퀘어_ac Bold" panose="020B0600000101010101" pitchFamily="50" charset="-127"/>
-              </a:rPr>
-              <a:t> </a:t>
-            </a:r>
-            <a:r>
-              <a:rPr lang="en-US" altLang="ko-KR" dirty="0">
-                <a:latin typeface="나눔스퀘어_ac Bold" panose="020B0600000101010101" pitchFamily="50" charset="-127"/>
-                <a:ea typeface="나눔스퀘어_ac Bold" panose="020B0600000101010101" pitchFamily="50" charset="-127"/>
-              </a:rPr>
-              <a:t>2022 </a:t>
-            </a:r>
-            <a:r>
-              <a:rPr lang="ko-KR" altLang="en-US" dirty="0" err="1">
-                <a:latin typeface="나눔스퀘어_ac Bold" panose="020B0600000101010101" pitchFamily="50" charset="-127"/>
-                <a:ea typeface="나눔스퀘어_ac Bold" panose="020B0600000101010101" pitchFamily="50" charset="-127"/>
-              </a:rPr>
-              <a:t>지금그때</a:t>
-            </a:r>
-            <a:r>
-              <a:rPr lang="en-US" altLang="ko-KR" dirty="0">
-                <a:latin typeface="나눔스퀘어_ac Bold" panose="020B0600000101010101" pitchFamily="50" charset="-127"/>
-                <a:ea typeface="나눔스퀘어_ac Bold" panose="020B0600000101010101" pitchFamily="50" charset="-127"/>
-              </a:rPr>
-              <a:t>, </a:t>
-            </a:r>
-            <a:r>
-              <a:rPr lang="ko-KR" altLang="en-US" dirty="0">
-                <a:latin typeface="나눔스퀘어_ac Bold" panose="020B0600000101010101" pitchFamily="50" charset="-127"/>
-                <a:ea typeface="나눔스퀘어_ac Bold" panose="020B0600000101010101" pitchFamily="50" charset="-127"/>
-              </a:rPr>
-              <a:t>많은 관심바랍니다</a:t>
-            </a:r>
-            <a:r>
-              <a:rPr lang="en-US" altLang="ko-KR" dirty="0">
-                <a:latin typeface="나눔스퀘어_ac Bold" panose="020B0600000101010101" pitchFamily="50" charset="-127"/>
-                <a:ea typeface="나눔스퀘어_ac Bold" panose="020B0600000101010101" pitchFamily="50" charset="-127"/>
-              </a:rPr>
-              <a:t>!</a:t>
-            </a:r>
-          </a:p>
-          <a:p>
-            <a:endParaRPr lang="en-US" altLang="ko-KR" dirty="0">
-              <a:latin typeface="나눔스퀘어_ac Bold" panose="020B0600000101010101" pitchFamily="50" charset="-127"/>
-              <a:ea typeface="나눔스퀘어_ac Bold" panose="020B0600000101010101" pitchFamily="50" charset="-127"/>
-            </a:endParaRPr>
-          </a:p>
-          <a:p>
-            <a:r>
-              <a:rPr lang="ko-KR" altLang="en-US" dirty="0">
-                <a:latin typeface="나눔스퀘어_ac Bold" panose="020B0600000101010101" pitchFamily="50" charset="-127"/>
-                <a:ea typeface="나눔스퀘어_ac Bold" panose="020B0600000101010101" pitchFamily="50" charset="-127"/>
-              </a:rPr>
-              <a:t>문의 </a:t>
-            </a:r>
-            <a:r>
-              <a:rPr lang="en-US" altLang="ko-KR" dirty="0" err="1">
-                <a:latin typeface="나눔스퀘어_ac Bold" panose="020B0600000101010101" pitchFamily="50" charset="-127"/>
-                <a:ea typeface="나눔스퀘어_ac Bold" panose="020B0600000101010101" pitchFamily="50" charset="-127"/>
-              </a:rPr>
-              <a:t>ZeroPage</a:t>
-            </a:r>
-            <a:r>
-              <a:rPr lang="en-US" altLang="ko-KR" dirty="0">
-                <a:latin typeface="나눔스퀘어_ac Bold" panose="020B0600000101010101" pitchFamily="50" charset="-127"/>
-                <a:ea typeface="나눔스퀘어_ac Bold" panose="020B0600000101010101" pitchFamily="50" charset="-127"/>
-              </a:rPr>
-              <a:t> 32</a:t>
-            </a:r>
-            <a:r>
-              <a:rPr lang="ko-KR" altLang="en-US" dirty="0">
-                <a:latin typeface="나눔스퀘어_ac Bold" panose="020B0600000101010101" pitchFamily="50" charset="-127"/>
-                <a:ea typeface="나눔스퀘어_ac Bold" panose="020B0600000101010101" pitchFamily="50" charset="-127"/>
-              </a:rPr>
-              <a:t>대 회장 </a:t>
-            </a:r>
-            <a:r>
-              <a:rPr lang="ko-KR" altLang="en-US" dirty="0" err="1">
-                <a:latin typeface="나눔스퀘어_ac Bold" panose="020B0600000101010101" pitchFamily="50" charset="-127"/>
-                <a:ea typeface="나눔스퀘어_ac Bold" panose="020B0600000101010101" pitchFamily="50" charset="-127"/>
-              </a:rPr>
-              <a:t>김도엽</a:t>
-            </a:r>
-            <a:r>
-              <a:rPr lang="ko-KR" altLang="en-US" dirty="0">
-                <a:latin typeface="나눔스퀘어_ac Bold" panose="020B0600000101010101" pitchFamily="50" charset="-127"/>
-                <a:ea typeface="나눔스퀘어_ac Bold" panose="020B0600000101010101" pitchFamily="50" charset="-127"/>
-              </a:rPr>
-              <a:t> 전화번호 </a:t>
-            </a:r>
-            <a:r>
-              <a:rPr lang="en-US" altLang="ko-KR" dirty="0">
-                <a:latin typeface="나눔스퀘어_ac Bold" panose="020B0600000101010101" pitchFamily="50" charset="-127"/>
-                <a:ea typeface="나눔스퀘어_ac Bold" panose="020B0600000101010101" pitchFamily="50" charset="-127"/>
-              </a:rPr>
-              <a:t>010-5433-3269 </a:t>
-            </a:r>
-            <a:r>
-              <a:rPr lang="ko-KR" altLang="en-US" dirty="0">
-                <a:latin typeface="나눔스퀘어_ac Bold" panose="020B0600000101010101" pitchFamily="50" charset="-127"/>
-                <a:ea typeface="나눔스퀘어_ac Bold" panose="020B0600000101010101" pitchFamily="50" charset="-127"/>
-              </a:rPr>
-              <a:t>또는 </a:t>
-            </a:r>
-            <a:r>
-              <a:rPr lang="en-US" altLang="ko-KR" dirty="0" err="1">
-                <a:latin typeface="나눔스퀘어_ac Bold" panose="020B0600000101010101" pitchFamily="50" charset="-127"/>
-                <a:ea typeface="나눔스퀘어_ac Bold" panose="020B0600000101010101" pitchFamily="50" charset="-127"/>
-              </a:rPr>
-              <a:t>Mattermost</a:t>
-            </a:r>
-            <a:r>
-              <a:rPr lang="ko-KR" altLang="en-US" dirty="0">
-                <a:latin typeface="나눔스퀘어_ac Bold" panose="020B0600000101010101" pitchFamily="50" charset="-127"/>
-                <a:ea typeface="나눔스퀘어_ac Bold" panose="020B0600000101010101" pitchFamily="50" charset="-127"/>
-              </a:rPr>
-              <a:t>의 </a:t>
-            </a:r>
-            <a:r>
-              <a:rPr lang="en-US" altLang="ko-KR" dirty="0">
-                <a:latin typeface="나눔스퀘어_ac Bold" panose="020B0600000101010101" pitchFamily="50" charset="-127"/>
-                <a:ea typeface="나눔스퀘어_ac Bold" panose="020B0600000101010101" pitchFamily="50" charset="-127"/>
-              </a:rPr>
-              <a:t>"</a:t>
-            </a:r>
-            <a:r>
-              <a:rPr lang="en-US" altLang="ko-KR" dirty="0" err="1">
-                <a:latin typeface="나눔스퀘어_ac Bold" panose="020B0600000101010101" pitchFamily="50" charset="-127"/>
-                <a:ea typeface="나눔스퀘어_ac Bold" panose="020B0600000101010101" pitchFamily="50" charset="-127"/>
-              </a:rPr>
-              <a:t>Kredsya</a:t>
-            </a:r>
-            <a:r>
-              <a:rPr lang="en-US" altLang="ko-KR" dirty="0">
-                <a:latin typeface="나눔스퀘어_ac Bold" panose="020B0600000101010101" pitchFamily="50" charset="-127"/>
-                <a:ea typeface="나눔스퀘어_ac Bold" panose="020B0600000101010101" pitchFamily="50" charset="-127"/>
-              </a:rPr>
-              <a:t>"</a:t>
-            </a:r>
-            <a:endParaRPr lang="ko-KR" altLang="en-US" dirty="0">
-              <a:latin typeface="나눔스퀘어_ac Bold" panose="020B0600000101010101" pitchFamily="50" charset="-127"/>
-              <a:ea typeface="나눔스퀘어_ac Bold" panose="020B0600000101010101" pitchFamily="50" charset="-127"/>
-            </a:endParaRPr>
-          </a:p>
-        </p:txBody>
-      </p:sp>
+      </p:pic>
     </p:spTree>
     <p:extLst>
       <p:ext uri="{BB962C8B-B14F-4D97-AF65-F5344CB8AC3E}">
-        <p14:creationId xmlns:p14="http://schemas.microsoft.com/office/powerpoint/2010/main" val="3039133069"/>
+        <p14:creationId xmlns:p14="http://schemas.microsoft.com/office/powerpoint/2010/main" val="508899551"/>
       </p:ext>
     </p:extLst>
   </p:cSld>
@@ -7745,6 +6650,15 @@
 </file>
 
 <file path=customXml/item1.xml><?xml version="1.0" encoding="utf-8"?>
+<?mso-contentType ?>
+<FormTemplates xmlns="http://schemas.microsoft.com/sharepoint/v3/contenttype/forms">
+  <Display>DocumentLibraryForm</Display>
+  <Edit>DocumentLibraryForm</Edit>
+  <New>DocumentLibraryForm</New>
+</FormTemplates>
+</file>
+
+<file path=customXml/item2.xml><?xml version="1.0" encoding="utf-8"?>
 <ct:contentTypeSchema xmlns:ct="http://schemas.microsoft.com/office/2006/metadata/contentType" xmlns:ma="http://schemas.microsoft.com/office/2006/metadata/properties/metaAttributes" ct:_="" ma:_="" ma:contentTypeName="문서" ma:contentTypeID="0x010100DEAA20240D24D743B707AA957F1BF5CD" ma:contentTypeVersion="14" ma:contentTypeDescription="새 문서를 만듭니다." ma:contentTypeScope="" ma:versionID="011ae9bff4c5a000eab8350b297cc6fd">
   <xsd:schema xmlns:xsd="http://www.w3.org/2001/XMLSchema" xmlns:xs="http://www.w3.org/2001/XMLSchema" xmlns:p="http://schemas.microsoft.com/office/2006/metadata/properties" xmlns:ns3="55b293fa-e02a-4cd2-a8a9-d9d684a3ebe3" xmlns:ns4="01a9929e-678a-491e-8dfb-087e7b5b3ece" targetNamespace="http://schemas.microsoft.com/office/2006/metadata/properties" ma:root="true" ma:fieldsID="e00df02b3dfff3e04ce55e9f07bdf325" ns3:_="" ns4:_="">
     <xsd:import namespace="55b293fa-e02a-4cd2-a8a9-d9d684a3ebe3"/>
@@ -7973,15 +6887,6 @@
 </ct:contentTypeSchema>
 </file>
 
-<file path=customXml/item2.xml><?xml version="1.0" encoding="utf-8"?>
-<?mso-contentType ?>
-<FormTemplates xmlns="http://schemas.microsoft.com/sharepoint/v3/contenttype/forms">
-  <Display>DocumentLibraryForm</Display>
-  <Edit>DocumentLibraryForm</Edit>
-  <New>DocumentLibraryForm</New>
-</FormTemplates>
-</file>
-
 <file path=customXml/item3.xml><?xml version="1.0" encoding="utf-8"?>
 <p:properties xmlns:p="http://schemas.microsoft.com/office/2006/metadata/properties" xmlns:xsi="http://www.w3.org/2001/XMLSchema-instance" xmlns:pc="http://schemas.microsoft.com/office/infopath/2007/PartnerControls">
   <documentManagement/>
@@ -7989,6 +6894,14 @@
 </file>
 
 <file path=customXml/itemProps1.xml><?xml version="1.0" encoding="utf-8"?>
+<ds:datastoreItem xmlns:ds="http://schemas.openxmlformats.org/officeDocument/2006/customXml" ds:itemID="{5DAC8CD0-83D0-4B38-B4F2-DD1FCD6AF91D}">
+  <ds:schemaRefs>
+    <ds:schemaRef ds:uri="http://schemas.microsoft.com/sharepoint/v3/contenttype/forms"/>
+  </ds:schemaRefs>
+</ds:datastoreItem>
+</file>
+
+<file path=customXml/itemProps2.xml><?xml version="1.0" encoding="utf-8"?>
 <ds:datastoreItem xmlns:ds="http://schemas.openxmlformats.org/officeDocument/2006/customXml" ds:itemID="{1E829384-C5F1-4240-A121-92CFE9AD0944}">
   <ds:schemaRefs>
     <ds:schemaRef ds:uri="http://schemas.microsoft.com/office/2006/metadata/contentType"/>
@@ -8003,14 +6916,6 @@
     <ds:schemaRef ds:uri="http://purl.org/dc/elements/1.1/"/>
     <ds:schemaRef ds:uri="http://purl.org/dc/terms/"/>
     <ds:schemaRef ds:uri="http://schemas.microsoft.com/internal/obd"/>
-  </ds:schemaRefs>
-</ds:datastoreItem>
-</file>
-
-<file path=customXml/itemProps2.xml><?xml version="1.0" encoding="utf-8"?>
-<ds:datastoreItem xmlns:ds="http://schemas.openxmlformats.org/officeDocument/2006/customXml" ds:itemID="{5DAC8CD0-83D0-4B38-B4F2-DD1FCD6AF91D}">
-  <ds:schemaRefs>
-    <ds:schemaRef ds:uri="http://schemas.microsoft.com/sharepoint/v3/contenttype/forms"/>
   </ds:schemaRefs>
 </ds:datastoreItem>
 </file>
